--- a/Virtualized Security Functions in Layer 2.pptx
+++ b/Virtualized Security Functions in Layer 2.pptx
@@ -18,12 +18,18 @@
     <p:sldId id="274" r:id="rId12"/>
     <p:sldId id="276" r:id="rId13"/>
     <p:sldId id="277" r:id="rId14"/>
-    <p:sldId id="278" r:id="rId15"/>
-    <p:sldId id="260" r:id="rId16"/>
-    <p:sldId id="268" r:id="rId17"/>
-    <p:sldId id="281" r:id="rId18"/>
-    <p:sldId id="279" r:id="rId19"/>
-    <p:sldId id="280" r:id="rId20"/>
+    <p:sldId id="260" r:id="rId15"/>
+    <p:sldId id="282" r:id="rId16"/>
+    <p:sldId id="287" r:id="rId17"/>
+    <p:sldId id="278" r:id="rId18"/>
+    <p:sldId id="268" r:id="rId19"/>
+    <p:sldId id="283" r:id="rId20"/>
+    <p:sldId id="284" r:id="rId21"/>
+    <p:sldId id="285" r:id="rId22"/>
+    <p:sldId id="286" r:id="rId23"/>
+    <p:sldId id="281" r:id="rId24"/>
+    <p:sldId id="279" r:id="rId25"/>
+    <p:sldId id="280" r:id="rId26"/>
   </p:sldIdLst>
   <p:sldSz cx="12192000" cy="6858000"/>
   <p:notesSz cx="6858000" cy="9144000"/>
@@ -317,7 +323,7 @@
             <a:fld id="{08B9EBBA-996F-894A-B54A-D6246ED52CEA}" type="datetimeFigureOut">
               <a:rPr lang="en-US" smtClean="0"/>
               <a:pPr/>
-              <a:t>10/18/2017</a:t>
+              <a:t>10/29/2017</a:t>
             </a:fld>
             <a:endParaRPr lang="en-US" dirty="0"/>
           </a:p>
@@ -594,7 +600,7 @@
             <a:fld id="{18C79C5D-2A6F-F04D-97DA-BEF2467B64E4}" type="datetimeFigureOut">
               <a:rPr lang="en-US" smtClean="0"/>
               <a:pPr/>
-              <a:t>10/18/2017</a:t>
+              <a:t>10/29/2017</a:t>
             </a:fld>
             <a:endParaRPr lang="en-US" dirty="0"/>
           </a:p>
@@ -790,7 +796,7 @@
             <a:fld id="{09B482E8-6E0E-1B4F-B1FD-C69DB9E858D9}" type="datetimeFigureOut">
               <a:rPr lang="en-US" smtClean="0"/>
               <a:pPr/>
-              <a:t>10/18/2017</a:t>
+              <a:t>10/29/2017</a:t>
             </a:fld>
             <a:endParaRPr lang="en-US" dirty="0"/>
           </a:p>
@@ -1066,7 +1072,7 @@
             <a:fld id="{09B482E8-6E0E-1B4F-B1FD-C69DB9E858D9}" type="datetimeFigureOut">
               <a:rPr lang="en-US" smtClean="0"/>
               <a:pPr/>
-              <a:t>10/18/2017</a:t>
+              <a:t>10/29/2017</a:t>
             </a:fld>
             <a:endParaRPr lang="en-US" dirty="0"/>
           </a:p>
@@ -1410,7 +1416,7 @@
             <a:fld id="{09B482E8-6E0E-1B4F-B1FD-C69DB9E858D9}" type="datetimeFigureOut">
               <a:rPr lang="en-US" smtClean="0"/>
               <a:pPr/>
-              <a:t>10/18/2017</a:t>
+              <a:t>10/29/2017</a:t>
             </a:fld>
             <a:endParaRPr lang="en-US" dirty="0"/>
           </a:p>
@@ -2036,7 +2042,7 @@
             <a:fld id="{09B482E8-6E0E-1B4F-B1FD-C69DB9E858D9}" type="datetimeFigureOut">
               <a:rPr lang="en-US" smtClean="0"/>
               <a:pPr/>
-              <a:t>10/18/2017</a:t>
+              <a:t>10/29/2017</a:t>
             </a:fld>
             <a:endParaRPr lang="en-US" dirty="0"/>
           </a:p>
@@ -2899,7 +2905,7 @@
             <a:fld id="{09B482E8-6E0E-1B4F-B1FD-C69DB9E858D9}" type="datetimeFigureOut">
               <a:rPr lang="en-US" smtClean="0"/>
               <a:pPr/>
-              <a:t>10/18/2017</a:t>
+              <a:t>10/29/2017</a:t>
             </a:fld>
             <a:endParaRPr lang="en-US" dirty="0"/>
           </a:p>
@@ -3072,7 +3078,7 @@
             <a:fld id="{C6C52C72-DE31-F449-A4ED-4C594FD91407}" type="datetimeFigureOut">
               <a:rPr lang="en-US" smtClean="0"/>
               <a:pPr/>
-              <a:t>10/18/2017</a:t>
+              <a:t>10/29/2017</a:t>
             </a:fld>
             <a:endParaRPr lang="en-US" dirty="0"/>
           </a:p>
@@ -3254,7 +3260,7 @@
             <a:fld id="{ED62726E-379B-B349-9EED-81ED093FA806}" type="datetimeFigureOut">
               <a:rPr lang="en-US" smtClean="0"/>
               <a:pPr/>
-              <a:t>10/18/2017</a:t>
+              <a:t>10/29/2017</a:t>
             </a:fld>
             <a:endParaRPr lang="en-US" dirty="0"/>
           </a:p>
@@ -3426,7 +3432,7 @@
             <a:fld id="{9B3A1323-8D79-1946-B0D7-40001CF92E9D}" type="datetimeFigureOut">
               <a:rPr lang="en-US" smtClean="0"/>
               <a:pPr/>
-              <a:t>10/18/2017</a:t>
+              <a:t>10/29/2017</a:t>
             </a:fld>
             <a:endParaRPr lang="en-US" dirty="0"/>
           </a:p>
@@ -3675,7 +3681,7 @@
             <a:fld id="{8DFA1846-DA80-1C48-A609-854EA85C59AD}" type="datetimeFigureOut">
               <a:rPr lang="en-US" smtClean="0"/>
               <a:pPr/>
-              <a:t>10/18/2017</a:t>
+              <a:t>10/29/2017</a:t>
             </a:fld>
             <a:endParaRPr lang="en-US" dirty="0"/>
           </a:p>
@@ -3969,7 +3975,7 @@
             <a:fld id="{57302355-E14B-8545-A8F8-0FE83CC9D524}" type="datetimeFigureOut">
               <a:rPr lang="en-US" smtClean="0"/>
               <a:pPr/>
-              <a:t>10/18/2017</a:t>
+              <a:t>10/29/2017</a:t>
             </a:fld>
             <a:endParaRPr lang="en-US" dirty="0"/>
           </a:p>
@@ -4420,7 +4426,7 @@
             <a:fld id="{02640F58-564D-2B4F-AE67-E407BA4FCF45}" type="datetimeFigureOut">
               <a:rPr lang="en-US" smtClean="0"/>
               <a:pPr/>
-              <a:t>10/18/2017</a:t>
+              <a:t>10/29/2017</a:t>
             </a:fld>
             <a:endParaRPr lang="en-US" dirty="0"/>
           </a:p>
@@ -4545,7 +4551,7 @@
             <a:fld id="{F13A34C8-038E-2045-AF43-DF7DBB8E0E9E}" type="datetimeFigureOut">
               <a:rPr lang="en-US" smtClean="0"/>
               <a:pPr/>
-              <a:t>10/18/2017</a:t>
+              <a:t>10/29/2017</a:t>
             </a:fld>
             <a:endParaRPr lang="en-US" dirty="0"/>
           </a:p>
@@ -4642,7 +4648,7 @@
             <a:fld id="{8818C68F-D26B-8F47-958C-23B49CF8A634}" type="datetimeFigureOut">
               <a:rPr lang="en-US" smtClean="0"/>
               <a:pPr/>
-              <a:t>10/18/2017</a:t>
+              <a:t>10/29/2017</a:t>
             </a:fld>
             <a:endParaRPr lang="en-US" dirty="0"/>
           </a:p>
@@ -4923,7 +4929,7 @@
             <a:fld id="{D0DF5E60-9974-AC48-9591-99C2BB44B7CF}" type="datetimeFigureOut">
               <a:rPr lang="en-US" smtClean="0"/>
               <a:pPr/>
-              <a:t>10/18/2017</a:t>
+              <a:t>10/29/2017</a:t>
             </a:fld>
             <a:endParaRPr lang="en-US" dirty="0"/>
           </a:p>
@@ -5205,7 +5211,7 @@
             <a:fld id="{18C79C5D-2A6F-F04D-97DA-BEF2467B64E4}" type="datetimeFigureOut">
               <a:rPr lang="en-US" smtClean="0"/>
               <a:pPr/>
-              <a:t>10/18/2017</a:t>
+              <a:t>10/29/2017</a:t>
             </a:fld>
             <a:endParaRPr lang="en-US" dirty="0"/>
           </a:p>
@@ -5636,7 +5642,7 @@
             <a:fld id="{09B482E8-6E0E-1B4F-B1FD-C69DB9E858D9}" type="datetimeFigureOut">
               <a:rPr lang="en-US" smtClean="0"/>
               <a:pPr/>
-              <a:t>10/18/2017</a:t>
+              <a:t>10/29/2017</a:t>
             </a:fld>
             <a:endParaRPr lang="en-US" dirty="0"/>
           </a:p>
@@ -6975,11 +6981,7 @@
           <a:p>
             <a:r>
               <a:rPr lang="en-US" dirty="0" smtClean="0"/>
-              <a:t>“</a:t>
-            </a:r>
-            <a:r>
-              <a:rPr lang="en-US" dirty="0" smtClean="0"/>
-              <a:t>Malicious” VMs</a:t>
+              <a:t>“Malicious” VMs</a:t>
             </a:r>
           </a:p>
           <a:p>
@@ -7278,608 +7280,6 @@
       </p:grpSpPr>
       <p:sp>
         <p:nvSpPr>
-          <p:cNvPr id="2" name="Title 1"/>
-          <p:cNvSpPr>
-            <a:spLocks noGrp="1"/>
-          </p:cNvSpPr>
-          <p:nvPr>
-            <p:ph type="title"/>
-          </p:nvPr>
-        </p:nvSpPr>
-        <p:spPr>
-          <a:xfrm>
-            <a:off x="126999" y="228592"/>
-            <a:ext cx="8627533" cy="969441"/>
-          </a:xfrm>
-        </p:spPr>
-        <p:txBody>
-          <a:bodyPr/>
-          <a:lstStyle/>
-          <a:p>
-            <a:r>
-              <a:rPr lang="en-US" dirty="0" smtClean="0"/>
-              <a:t>Service Chain Creation</a:t>
-            </a:r>
-            <a:endParaRPr lang="en-US" dirty="0"/>
-          </a:p>
-        </p:txBody>
-      </p:sp>
-      <p:sp>
-        <p:nvSpPr>
-          <p:cNvPr id="4" name="Text Placeholder 3"/>
-          <p:cNvSpPr>
-            <a:spLocks noGrp="1"/>
-          </p:cNvSpPr>
-          <p:nvPr>
-            <p:ph type="body" sz="half" idx="2"/>
-          </p:nvPr>
-        </p:nvSpPr>
-        <p:spPr>
-          <a:xfrm>
-            <a:off x="126999" y="1550503"/>
-            <a:ext cx="6112934" cy="3057277"/>
-          </a:xfrm>
-        </p:spPr>
-        <p:txBody>
-          <a:bodyPr>
-            <a:normAutofit/>
-          </a:bodyPr>
-          <a:lstStyle/>
-          <a:p>
-            <a:r>
-              <a:rPr lang="en-US" dirty="0" err="1"/>
-              <a:t>openstack</a:t>
-            </a:r>
-            <a:r>
-              <a:rPr lang="en-US" dirty="0"/>
-              <a:t> </a:t>
-            </a:r>
-            <a:r>
-              <a:rPr lang="en-US" dirty="0" err="1"/>
-              <a:t>sfc</a:t>
-            </a:r>
-            <a:r>
-              <a:rPr lang="en-US" dirty="0"/>
-              <a:t> </a:t>
-            </a:r>
-            <a:r>
-              <a:rPr lang="en-US" b="1" dirty="0">
-                <a:solidFill>
-                  <a:schemeClr val="accent3"/>
-                </a:solidFill>
-              </a:rPr>
-              <a:t>flow classifier</a:t>
-            </a:r>
-            <a:r>
-              <a:rPr lang="en-US" dirty="0"/>
-              <a:t> create \</a:t>
-            </a:r>
-          </a:p>
-          <a:p>
-            <a:r>
-              <a:rPr lang="en-US" dirty="0"/>
-              <a:t>    --</a:t>
-            </a:r>
-            <a:r>
-              <a:rPr lang="en-US" dirty="0" err="1"/>
-              <a:t>ethertype</a:t>
-            </a:r>
-            <a:r>
-              <a:rPr lang="en-US" dirty="0"/>
-              <a:t> IPv4 \</a:t>
-            </a:r>
-          </a:p>
-          <a:p>
-            <a:r>
-              <a:rPr lang="en-US" dirty="0"/>
-              <a:t>    --source-</a:t>
-            </a:r>
-            <a:r>
-              <a:rPr lang="en-US" dirty="0" err="1"/>
-              <a:t>ip</a:t>
-            </a:r>
-            <a:r>
-              <a:rPr lang="en-US" dirty="0"/>
-              <a:t>-prefix ${WEBCLIENT_IP}/32 \</a:t>
-            </a:r>
-          </a:p>
-          <a:p>
-            <a:r>
-              <a:rPr lang="en-US" dirty="0"/>
-              <a:t>    --destination-</a:t>
-            </a:r>
-            <a:r>
-              <a:rPr lang="en-US" dirty="0" err="1"/>
-              <a:t>ip</a:t>
-            </a:r>
-            <a:r>
-              <a:rPr lang="en-US" dirty="0"/>
-              <a:t>-prefix ${WEBSERVER_IP}/32 \</a:t>
-            </a:r>
-          </a:p>
-          <a:p>
-            <a:r>
-              <a:rPr lang="en-US" dirty="0"/>
-              <a:t>    --protocol </a:t>
-            </a:r>
-            <a:r>
-              <a:rPr lang="en-US" dirty="0" err="1"/>
-              <a:t>tcp</a:t>
-            </a:r>
-            <a:r>
-              <a:rPr lang="en-US" dirty="0"/>
-              <a:t> \</a:t>
-            </a:r>
-          </a:p>
-          <a:p>
-            <a:r>
-              <a:rPr lang="en-US" dirty="0"/>
-              <a:t>    --destination-port 80:80 \</a:t>
-            </a:r>
-          </a:p>
-          <a:p>
-            <a:r>
-              <a:rPr lang="en-US" dirty="0"/>
-              <a:t>    --logical-source-port port-</a:t>
-            </a:r>
-            <a:r>
-              <a:rPr lang="en-US" dirty="0" err="1"/>
-              <a:t>webclient</a:t>
-            </a:r>
-            <a:r>
-              <a:rPr lang="en-US" dirty="0"/>
-              <a:t> \</a:t>
-            </a:r>
-          </a:p>
-          <a:p>
-            <a:r>
-              <a:rPr lang="en-US" dirty="0"/>
-              <a:t>    FC-</a:t>
-            </a:r>
-            <a:r>
-              <a:rPr lang="en-US" dirty="0" err="1"/>
-              <a:t>WebServer</a:t>
-            </a:r>
-            <a:r>
-              <a:rPr lang="en-US" dirty="0"/>
-              <a:t>-HTTP</a:t>
-            </a:r>
-            <a:endParaRPr lang="en-US" dirty="0"/>
-          </a:p>
-        </p:txBody>
-      </p:sp>
-      <p:sp>
-        <p:nvSpPr>
-          <p:cNvPr id="8" name="Text Placeholder 3"/>
-          <p:cNvSpPr txBox="1">
-            <a:spLocks/>
-          </p:cNvSpPr>
-          <p:nvPr/>
-        </p:nvSpPr>
-        <p:spPr>
-          <a:xfrm>
-            <a:off x="231251" y="4759525"/>
-            <a:ext cx="12012400" cy="1378882"/>
-          </a:xfrm>
-          <a:prstGeom prst="rect">
-            <a:avLst/>
-          </a:prstGeom>
-        </p:spPr>
-        <p:txBody>
-          <a:bodyPr vert="horz" lIns="91440" tIns="45720" rIns="91440" bIns="45720" rtlCol="0">
-            <a:normAutofit/>
-          </a:bodyPr>
-          <a:lstStyle>
-            <a:lvl1pPr marL="0" indent="0" algn="l" defTabSz="457200" rtl="0" eaLnBrk="1" latinLnBrk="0" hangingPunct="1">
-              <a:spcBef>
-                <a:spcPts val="1000"/>
-              </a:spcBef>
-              <a:spcAft>
-                <a:spcPts val="0"/>
-              </a:spcAft>
-              <a:buClr>
-                <a:schemeClr val="bg2">
-                  <a:lumMod val="40000"/>
-                  <a:lumOff val="60000"/>
-                </a:schemeClr>
-              </a:buClr>
-              <a:buSzPct val="80000"/>
-              <a:buFont typeface="Wingdings 3" charset="2"/>
-              <a:buNone/>
-              <a:defRPr sz="1400" b="0" i="0" kern="1200">
-                <a:solidFill>
-                  <a:schemeClr val="tx1"/>
-                </a:solidFill>
-                <a:latin typeface="+mj-lt"/>
-                <a:ea typeface="+mj-ea"/>
-                <a:cs typeface="+mj-cs"/>
-              </a:defRPr>
-            </a:lvl1pPr>
-            <a:lvl2pPr marL="457200" indent="0" algn="l" defTabSz="457200" rtl="0" eaLnBrk="1" latinLnBrk="0" hangingPunct="1">
-              <a:spcBef>
-                <a:spcPts val="1000"/>
-              </a:spcBef>
-              <a:spcAft>
-                <a:spcPts val="0"/>
-              </a:spcAft>
-              <a:buClr>
-                <a:schemeClr val="bg2">
-                  <a:lumMod val="40000"/>
-                  <a:lumOff val="60000"/>
-                </a:schemeClr>
-              </a:buClr>
-              <a:buSzPct val="80000"/>
-              <a:buFont typeface="Wingdings 3" charset="2"/>
-              <a:buNone/>
-              <a:defRPr sz="1200" b="0" i="0" kern="1200">
-                <a:solidFill>
-                  <a:schemeClr val="tx1"/>
-                </a:solidFill>
-                <a:latin typeface="+mj-lt"/>
-                <a:ea typeface="+mj-ea"/>
-                <a:cs typeface="+mj-cs"/>
-              </a:defRPr>
-            </a:lvl2pPr>
-            <a:lvl3pPr marL="914400" indent="0" algn="l" defTabSz="457200" rtl="0" eaLnBrk="1" latinLnBrk="0" hangingPunct="1">
-              <a:spcBef>
-                <a:spcPts val="1000"/>
-              </a:spcBef>
-              <a:spcAft>
-                <a:spcPts val="0"/>
-              </a:spcAft>
-              <a:buClr>
-                <a:schemeClr val="bg2">
-                  <a:lumMod val="40000"/>
-                  <a:lumOff val="60000"/>
-                </a:schemeClr>
-              </a:buClr>
-              <a:buSzPct val="80000"/>
-              <a:buFont typeface="Wingdings 3" charset="2"/>
-              <a:buNone/>
-              <a:defRPr sz="1000" b="0" i="0" kern="1200">
-                <a:solidFill>
-                  <a:schemeClr val="tx1"/>
-                </a:solidFill>
-                <a:latin typeface="+mj-lt"/>
-                <a:ea typeface="+mj-ea"/>
-                <a:cs typeface="+mj-cs"/>
-              </a:defRPr>
-            </a:lvl3pPr>
-            <a:lvl4pPr marL="1371600" indent="0" algn="l" defTabSz="457200" rtl="0" eaLnBrk="1" latinLnBrk="0" hangingPunct="1">
-              <a:spcBef>
-                <a:spcPts val="1000"/>
-              </a:spcBef>
-              <a:spcAft>
-                <a:spcPts val="0"/>
-              </a:spcAft>
-              <a:buClr>
-                <a:schemeClr val="bg2">
-                  <a:lumMod val="40000"/>
-                  <a:lumOff val="60000"/>
-                </a:schemeClr>
-              </a:buClr>
-              <a:buSzPct val="80000"/>
-              <a:buFont typeface="Wingdings 3" charset="2"/>
-              <a:buNone/>
-              <a:defRPr sz="900" b="0" i="0" kern="1200">
-                <a:solidFill>
-                  <a:schemeClr val="tx1"/>
-                </a:solidFill>
-                <a:latin typeface="+mj-lt"/>
-                <a:ea typeface="+mj-ea"/>
-                <a:cs typeface="+mj-cs"/>
-              </a:defRPr>
-            </a:lvl4pPr>
-            <a:lvl5pPr marL="1828800" indent="0" algn="l" defTabSz="457200" rtl="0" eaLnBrk="1" latinLnBrk="0" hangingPunct="1">
-              <a:spcBef>
-                <a:spcPts val="1000"/>
-              </a:spcBef>
-              <a:spcAft>
-                <a:spcPts val="0"/>
-              </a:spcAft>
-              <a:buClr>
-                <a:schemeClr val="bg2">
-                  <a:lumMod val="40000"/>
-                  <a:lumOff val="60000"/>
-                </a:schemeClr>
-              </a:buClr>
-              <a:buSzPct val="80000"/>
-              <a:buFont typeface="Wingdings 3" charset="2"/>
-              <a:buNone/>
-              <a:defRPr sz="900" b="0" i="0" kern="1200">
-                <a:solidFill>
-                  <a:schemeClr val="tx1"/>
-                </a:solidFill>
-                <a:latin typeface="+mj-lt"/>
-                <a:ea typeface="+mj-ea"/>
-                <a:cs typeface="+mj-cs"/>
-              </a:defRPr>
-            </a:lvl5pPr>
-            <a:lvl6pPr marL="2286000" indent="0" algn="l" defTabSz="457200" rtl="0" eaLnBrk="1" latinLnBrk="0" hangingPunct="1">
-              <a:spcBef>
-                <a:spcPts val="1000"/>
-              </a:spcBef>
-              <a:spcAft>
-                <a:spcPts val="0"/>
-              </a:spcAft>
-              <a:buClr>
-                <a:schemeClr val="bg2">
-                  <a:lumMod val="40000"/>
-                  <a:lumOff val="60000"/>
-                </a:schemeClr>
-              </a:buClr>
-              <a:buSzPct val="80000"/>
-              <a:buFont typeface="Wingdings 3" charset="2"/>
-              <a:buNone/>
-              <a:defRPr sz="900" b="0" i="0" kern="1200">
-                <a:solidFill>
-                  <a:schemeClr val="tx1"/>
-                </a:solidFill>
-                <a:latin typeface="+mj-lt"/>
-                <a:ea typeface="+mj-ea"/>
-                <a:cs typeface="+mj-cs"/>
-              </a:defRPr>
-            </a:lvl6pPr>
-            <a:lvl7pPr marL="2743200" indent="0" algn="l" defTabSz="457200" rtl="0" eaLnBrk="1" latinLnBrk="0" hangingPunct="1">
-              <a:spcBef>
-                <a:spcPts val="1000"/>
-              </a:spcBef>
-              <a:spcAft>
-                <a:spcPts val="0"/>
-              </a:spcAft>
-              <a:buClr>
-                <a:schemeClr val="bg2">
-                  <a:lumMod val="40000"/>
-                  <a:lumOff val="60000"/>
-                </a:schemeClr>
-              </a:buClr>
-              <a:buSzPct val="80000"/>
-              <a:buFont typeface="Wingdings 3" charset="2"/>
-              <a:buNone/>
-              <a:defRPr sz="900" b="0" i="0" kern="1200">
-                <a:solidFill>
-                  <a:schemeClr val="tx1"/>
-                </a:solidFill>
-                <a:latin typeface="+mj-lt"/>
-                <a:ea typeface="+mj-ea"/>
-                <a:cs typeface="+mj-cs"/>
-              </a:defRPr>
-            </a:lvl7pPr>
-            <a:lvl8pPr marL="3200400" indent="0" algn="l" defTabSz="457200" rtl="0" eaLnBrk="1" latinLnBrk="0" hangingPunct="1">
-              <a:spcBef>
-                <a:spcPts val="1000"/>
-              </a:spcBef>
-              <a:spcAft>
-                <a:spcPts val="0"/>
-              </a:spcAft>
-              <a:buClr>
-                <a:schemeClr val="bg2">
-                  <a:lumMod val="40000"/>
-                  <a:lumOff val="60000"/>
-                </a:schemeClr>
-              </a:buClr>
-              <a:buSzPct val="80000"/>
-              <a:buFont typeface="Wingdings 3" charset="2"/>
-              <a:buNone/>
-              <a:defRPr sz="900" b="0" i="0" kern="1200">
-                <a:solidFill>
-                  <a:schemeClr val="tx1"/>
-                </a:solidFill>
-                <a:latin typeface="+mj-lt"/>
-                <a:ea typeface="+mj-ea"/>
-                <a:cs typeface="+mj-cs"/>
-              </a:defRPr>
-            </a:lvl8pPr>
-            <a:lvl9pPr marL="3657600" indent="0" algn="l" defTabSz="457200" rtl="0" eaLnBrk="1" latinLnBrk="0" hangingPunct="1">
-              <a:spcBef>
-                <a:spcPts val="1000"/>
-              </a:spcBef>
-              <a:spcAft>
-                <a:spcPts val="0"/>
-              </a:spcAft>
-              <a:buClr>
-                <a:schemeClr val="bg2">
-                  <a:lumMod val="40000"/>
-                  <a:lumOff val="60000"/>
-                </a:schemeClr>
-              </a:buClr>
-              <a:buSzPct val="80000"/>
-              <a:buFont typeface="Wingdings 3" charset="2"/>
-              <a:buNone/>
-              <a:defRPr sz="900" b="0" i="0" kern="1200">
-                <a:solidFill>
-                  <a:schemeClr val="tx1"/>
-                </a:solidFill>
-                <a:latin typeface="+mj-lt"/>
-                <a:ea typeface="+mj-ea"/>
-                <a:cs typeface="+mj-cs"/>
-              </a:defRPr>
-            </a:lvl9pPr>
-          </a:lstStyle>
-          <a:p>
-            <a:r>
-              <a:rPr lang="en-US" dirty="0" err="1" smtClean="0"/>
-              <a:t>openstack</a:t>
-            </a:r>
-            <a:r>
-              <a:rPr lang="en-US" dirty="0" smtClean="0"/>
-              <a:t> </a:t>
-            </a:r>
-            <a:r>
-              <a:rPr lang="en-US" dirty="0" err="1"/>
-              <a:t>sfc</a:t>
-            </a:r>
-            <a:r>
-              <a:rPr lang="en-US" dirty="0"/>
-              <a:t> </a:t>
-            </a:r>
-            <a:r>
-              <a:rPr lang="en-US" b="1" dirty="0">
-                <a:solidFill>
-                  <a:schemeClr val="accent3"/>
-                </a:solidFill>
-              </a:rPr>
-              <a:t>port pair </a:t>
-            </a:r>
-            <a:r>
-              <a:rPr lang="en-US" dirty="0"/>
-              <a:t>create --ingress=port-ingress1 --egress=port-egress1 Netmon1-PortPair</a:t>
-            </a:r>
-          </a:p>
-          <a:p>
-            <a:r>
-              <a:rPr lang="en-US" dirty="0" err="1"/>
-              <a:t>openstack</a:t>
-            </a:r>
-            <a:r>
-              <a:rPr lang="en-US" dirty="0"/>
-              <a:t> </a:t>
-            </a:r>
-            <a:r>
-              <a:rPr lang="en-US" dirty="0" err="1"/>
-              <a:t>sfc</a:t>
-            </a:r>
-            <a:r>
-              <a:rPr lang="en-US" dirty="0"/>
-              <a:t> </a:t>
-            </a:r>
-            <a:r>
-              <a:rPr lang="en-US" b="1" dirty="0">
-                <a:solidFill>
-                  <a:schemeClr val="accent3"/>
-                </a:solidFill>
-              </a:rPr>
-              <a:t>port pair group </a:t>
-            </a:r>
-            <a:r>
-              <a:rPr lang="en-US" dirty="0"/>
-              <a:t>create --port-pair Netmon1-PortPair </a:t>
-            </a:r>
-            <a:r>
-              <a:rPr lang="en-US" dirty="0" err="1"/>
-              <a:t>Netmon-PairGroup</a:t>
-            </a:r>
-            <a:endParaRPr lang="en-US" dirty="0"/>
-          </a:p>
-          <a:p>
-            <a:r>
-              <a:rPr lang="en-US" dirty="0" err="1"/>
-              <a:t>openstack</a:t>
-            </a:r>
-            <a:r>
-              <a:rPr lang="en-US" dirty="0"/>
-              <a:t> </a:t>
-            </a:r>
-            <a:r>
-              <a:rPr lang="en-US" dirty="0" err="1"/>
-              <a:t>sfc</a:t>
-            </a:r>
-            <a:r>
-              <a:rPr lang="en-US" dirty="0"/>
-              <a:t> </a:t>
-            </a:r>
-            <a:r>
-              <a:rPr lang="en-US" b="1" dirty="0">
-                <a:solidFill>
-                  <a:schemeClr val="accent3"/>
-                </a:solidFill>
-              </a:rPr>
-              <a:t>port chain</a:t>
-            </a:r>
-            <a:r>
-              <a:rPr lang="en-US" dirty="0">
-                <a:solidFill>
-                  <a:schemeClr val="accent3"/>
-                </a:solidFill>
-              </a:rPr>
-              <a:t> </a:t>
-            </a:r>
-            <a:r>
-              <a:rPr lang="en-US" dirty="0"/>
-              <a:t>create --port-pair-group </a:t>
-            </a:r>
-            <a:r>
-              <a:rPr lang="en-US" dirty="0" err="1"/>
-              <a:t>Netmon-PairGroup</a:t>
-            </a:r>
-            <a:r>
-              <a:rPr lang="en-US" dirty="0"/>
-              <a:t> --flow-classifier FC-</a:t>
-            </a:r>
-            <a:r>
-              <a:rPr lang="en-US" dirty="0" err="1"/>
-              <a:t>WebServer</a:t>
-            </a:r>
-            <a:r>
-              <a:rPr lang="en-US" dirty="0"/>
-              <a:t>-HTTP PC1</a:t>
-            </a:r>
-            <a:endParaRPr lang="en-US" dirty="0" smtClean="0"/>
-          </a:p>
-          <a:p>
-            <a:endParaRPr lang="en-US" dirty="0" smtClean="0"/>
-          </a:p>
-          <a:p>
-            <a:endParaRPr lang="en-US" dirty="0"/>
-          </a:p>
-        </p:txBody>
-      </p:sp>
-      <p:pic>
-        <p:nvPicPr>
-          <p:cNvPr id="11" name="Picture 10"/>
-          <p:cNvPicPr>
-            <a:picLocks noChangeAspect="1"/>
-          </p:cNvPicPr>
-          <p:nvPr/>
-        </p:nvPicPr>
-        <p:blipFill>
-          <a:blip r:embed="rId2"/>
-          <a:stretch>
-            <a:fillRect/>
-          </a:stretch>
-        </p:blipFill>
-        <p:spPr>
-          <a:xfrm>
-            <a:off x="6477238" y="1294389"/>
-            <a:ext cx="3768018" cy="3313391"/>
-          </a:xfrm>
-          <a:prstGeom prst="rect">
-            <a:avLst/>
-          </a:prstGeom>
-        </p:spPr>
-      </p:pic>
-    </p:spTree>
-    <p:extLst>
-      <p:ext uri="{BB962C8B-B14F-4D97-AF65-F5344CB8AC3E}">
-        <p14:creationId xmlns:p14="http://schemas.microsoft.com/office/powerpoint/2010/main" val="3016590799"/>
-      </p:ext>
-    </p:extLst>
-  </p:cSld>
-  <p:clrMapOvr>
-    <a:masterClrMapping/>
-  </p:clrMapOvr>
-</p:sld>
-</file>
-
-<file path=ppt/slides/slide15.xml><?xml version="1.0" encoding="utf-8"?>
-<p:sld xmlns:a="http://schemas.openxmlformats.org/drawingml/2006/main" xmlns:r="http://schemas.openxmlformats.org/officeDocument/2006/relationships" xmlns:p="http://schemas.openxmlformats.org/presentationml/2006/main">
-  <p:cSld>
-    <p:spTree>
-      <p:nvGrpSpPr>
-        <p:cNvPr id="1" name=""/>
-        <p:cNvGrpSpPr/>
-        <p:nvPr/>
-      </p:nvGrpSpPr>
-      <p:grpSpPr>
-        <a:xfrm>
-          <a:off x="0" y="0"/>
-          <a:ext cx="0" cy="0"/>
-          <a:chOff x="0" y="0"/>
-          <a:chExt cx="0" cy="0"/>
-        </a:xfrm>
-      </p:grpSpPr>
-      <p:sp>
-        <p:nvSpPr>
           <p:cNvPr id="5" name="Title 4"/>
           <p:cNvSpPr>
             <a:spLocks noGrp="1"/>
@@ -8165,7 +7565,1720 @@
 </p:sld>
 </file>
 
+<file path=ppt/slides/slide15.xml><?xml version="1.0" encoding="utf-8"?>
+<p:sld xmlns:a="http://schemas.openxmlformats.org/drawingml/2006/main" xmlns:r="http://schemas.openxmlformats.org/officeDocument/2006/relationships" xmlns:p="http://schemas.openxmlformats.org/presentationml/2006/main">
+  <p:cSld>
+    <p:spTree>
+      <p:nvGrpSpPr>
+        <p:cNvPr id="1" name=""/>
+        <p:cNvGrpSpPr/>
+        <p:nvPr/>
+      </p:nvGrpSpPr>
+      <p:grpSpPr>
+        <a:xfrm>
+          <a:off x="0" y="0"/>
+          <a:ext cx="0" cy="0"/>
+          <a:chOff x="0" y="0"/>
+          <a:chExt cx="0" cy="0"/>
+        </a:xfrm>
+      </p:grpSpPr>
+      <p:sp>
+        <p:nvSpPr>
+          <p:cNvPr id="2" name="Title 1"/>
+          <p:cNvSpPr>
+            <a:spLocks noGrp="1"/>
+          </p:cNvSpPr>
+          <p:nvPr>
+            <p:ph type="title"/>
+          </p:nvPr>
+        </p:nvSpPr>
+        <p:spPr/>
+        <p:txBody>
+          <a:bodyPr/>
+          <a:lstStyle/>
+          <a:p>
+            <a:r>
+              <a:rPr lang="en-US" dirty="0" smtClean="0"/>
+              <a:t>Lab 0 – Full </a:t>
+            </a:r>
+            <a:r>
+              <a:rPr lang="en-US" smtClean="0"/>
+              <a:t>Demo Setup</a:t>
+            </a:r>
+            <a:endParaRPr lang="en-US" dirty="0"/>
+          </a:p>
+        </p:txBody>
+      </p:sp>
+      <p:sp>
+        <p:nvSpPr>
+          <p:cNvPr id="7" name="Content Placeholder 3"/>
+          <p:cNvSpPr txBox="1">
+            <a:spLocks/>
+          </p:cNvSpPr>
+          <p:nvPr/>
+        </p:nvSpPr>
+        <p:spPr>
+          <a:xfrm>
+            <a:off x="294198" y="1532139"/>
+            <a:ext cx="9442175" cy="2538929"/>
+          </a:xfrm>
+          <a:prstGeom prst="rect">
+            <a:avLst/>
+          </a:prstGeom>
+        </p:spPr>
+        <p:txBody>
+          <a:bodyPr/>
+          <a:lstStyle>
+            <a:lvl1pPr marL="342900" indent="-342900" algn="l" defTabSz="457200" rtl="0" eaLnBrk="1" latinLnBrk="0" hangingPunct="1">
+              <a:spcBef>
+                <a:spcPts val="1000"/>
+              </a:spcBef>
+              <a:spcAft>
+                <a:spcPts val="0"/>
+              </a:spcAft>
+              <a:buClr>
+                <a:schemeClr val="bg2">
+                  <a:lumMod val="40000"/>
+                  <a:lumOff val="60000"/>
+                </a:schemeClr>
+              </a:buClr>
+              <a:buSzPct val="80000"/>
+              <a:buFont typeface="Wingdings 3" charset="2"/>
+              <a:buChar char=""/>
+              <a:defRPr sz="2000" b="0" i="0" kern="1200">
+                <a:solidFill>
+                  <a:schemeClr val="tx1"/>
+                </a:solidFill>
+                <a:latin typeface="+mj-lt"/>
+                <a:ea typeface="+mj-ea"/>
+                <a:cs typeface="+mj-cs"/>
+              </a:defRPr>
+            </a:lvl1pPr>
+            <a:lvl2pPr marL="742950" indent="-285750" algn="l" defTabSz="457200" rtl="0" eaLnBrk="1" latinLnBrk="0" hangingPunct="1">
+              <a:spcBef>
+                <a:spcPts val="1000"/>
+              </a:spcBef>
+              <a:spcAft>
+                <a:spcPts val="0"/>
+              </a:spcAft>
+              <a:buClr>
+                <a:schemeClr val="bg2">
+                  <a:lumMod val="40000"/>
+                  <a:lumOff val="60000"/>
+                </a:schemeClr>
+              </a:buClr>
+              <a:buSzPct val="80000"/>
+              <a:buFont typeface="Wingdings 3" charset="2"/>
+              <a:buChar char=""/>
+              <a:defRPr sz="1800" b="0" i="0" kern="1200">
+                <a:solidFill>
+                  <a:schemeClr val="tx1"/>
+                </a:solidFill>
+                <a:latin typeface="+mj-lt"/>
+                <a:ea typeface="+mj-ea"/>
+                <a:cs typeface="+mj-cs"/>
+              </a:defRPr>
+            </a:lvl2pPr>
+            <a:lvl3pPr marL="1143000" indent="-228600" algn="l" defTabSz="457200" rtl="0" eaLnBrk="1" latinLnBrk="0" hangingPunct="1">
+              <a:spcBef>
+                <a:spcPts val="1000"/>
+              </a:spcBef>
+              <a:spcAft>
+                <a:spcPts val="0"/>
+              </a:spcAft>
+              <a:buClr>
+                <a:schemeClr val="bg2">
+                  <a:lumMod val="40000"/>
+                  <a:lumOff val="60000"/>
+                </a:schemeClr>
+              </a:buClr>
+              <a:buSzPct val="80000"/>
+              <a:buFont typeface="Wingdings 3" charset="2"/>
+              <a:buChar char=""/>
+              <a:defRPr sz="1600" b="0" i="0" kern="1200">
+                <a:solidFill>
+                  <a:schemeClr val="tx1"/>
+                </a:solidFill>
+                <a:latin typeface="+mj-lt"/>
+                <a:ea typeface="+mj-ea"/>
+                <a:cs typeface="+mj-cs"/>
+              </a:defRPr>
+            </a:lvl3pPr>
+            <a:lvl4pPr marL="1600200" indent="-228600" algn="l" defTabSz="457200" rtl="0" eaLnBrk="1" latinLnBrk="0" hangingPunct="1">
+              <a:spcBef>
+                <a:spcPts val="1000"/>
+              </a:spcBef>
+              <a:spcAft>
+                <a:spcPts val="0"/>
+              </a:spcAft>
+              <a:buClr>
+                <a:schemeClr val="bg2">
+                  <a:lumMod val="40000"/>
+                  <a:lumOff val="60000"/>
+                </a:schemeClr>
+              </a:buClr>
+              <a:buSzPct val="80000"/>
+              <a:buFont typeface="Wingdings 3" charset="2"/>
+              <a:buChar char=""/>
+              <a:defRPr sz="1400" b="0" i="0" kern="1200">
+                <a:solidFill>
+                  <a:schemeClr val="tx1"/>
+                </a:solidFill>
+                <a:latin typeface="+mj-lt"/>
+                <a:ea typeface="+mj-ea"/>
+                <a:cs typeface="+mj-cs"/>
+              </a:defRPr>
+            </a:lvl4pPr>
+            <a:lvl5pPr marL="2057400" indent="-228600" algn="l" defTabSz="457200" rtl="0" eaLnBrk="1" latinLnBrk="0" hangingPunct="1">
+              <a:spcBef>
+                <a:spcPts val="1000"/>
+              </a:spcBef>
+              <a:spcAft>
+                <a:spcPts val="0"/>
+              </a:spcAft>
+              <a:buClr>
+                <a:schemeClr val="bg2">
+                  <a:lumMod val="40000"/>
+                  <a:lumOff val="60000"/>
+                </a:schemeClr>
+              </a:buClr>
+              <a:buSzPct val="80000"/>
+              <a:buFont typeface="Wingdings 3" charset="2"/>
+              <a:buChar char=""/>
+              <a:defRPr sz="1400" b="0" i="0" kern="1200">
+                <a:solidFill>
+                  <a:schemeClr val="tx1"/>
+                </a:solidFill>
+                <a:latin typeface="+mj-lt"/>
+                <a:ea typeface="+mj-ea"/>
+                <a:cs typeface="+mj-cs"/>
+              </a:defRPr>
+            </a:lvl5pPr>
+            <a:lvl6pPr marL="2506000" indent="-228600" algn="l" defTabSz="457200" rtl="0" eaLnBrk="1" latinLnBrk="0" hangingPunct="1">
+              <a:spcBef>
+                <a:spcPts val="1000"/>
+              </a:spcBef>
+              <a:spcAft>
+                <a:spcPts val="0"/>
+              </a:spcAft>
+              <a:buClr>
+                <a:schemeClr val="bg2">
+                  <a:lumMod val="40000"/>
+                  <a:lumOff val="60000"/>
+                </a:schemeClr>
+              </a:buClr>
+              <a:buSzPct val="80000"/>
+              <a:buFont typeface="Wingdings 3" charset="2"/>
+              <a:buChar char=""/>
+              <a:defRPr sz="1400" b="0" i="0" kern="1200">
+                <a:solidFill>
+                  <a:schemeClr val="tx1"/>
+                </a:solidFill>
+                <a:latin typeface="+mj-lt"/>
+                <a:ea typeface="+mj-ea"/>
+                <a:cs typeface="+mj-cs"/>
+              </a:defRPr>
+            </a:lvl6pPr>
+            <a:lvl7pPr marL="2971800" indent="-228600" algn="l" defTabSz="457200" rtl="0" eaLnBrk="1" latinLnBrk="0" hangingPunct="1">
+              <a:spcBef>
+                <a:spcPts val="1000"/>
+              </a:spcBef>
+              <a:spcAft>
+                <a:spcPts val="0"/>
+              </a:spcAft>
+              <a:buClr>
+                <a:schemeClr val="bg2">
+                  <a:lumMod val="40000"/>
+                  <a:lumOff val="60000"/>
+                </a:schemeClr>
+              </a:buClr>
+              <a:buSzPct val="80000"/>
+              <a:buFont typeface="Wingdings 3" charset="2"/>
+              <a:buChar char=""/>
+              <a:defRPr sz="1400" b="0" i="0" kern="1200">
+                <a:solidFill>
+                  <a:schemeClr val="tx1"/>
+                </a:solidFill>
+                <a:latin typeface="+mj-lt"/>
+                <a:ea typeface="+mj-ea"/>
+                <a:cs typeface="+mj-cs"/>
+              </a:defRPr>
+            </a:lvl7pPr>
+            <a:lvl8pPr marL="3429000" indent="-228600" algn="l" defTabSz="457200" rtl="0" eaLnBrk="1" latinLnBrk="0" hangingPunct="1">
+              <a:spcBef>
+                <a:spcPts val="1000"/>
+              </a:spcBef>
+              <a:spcAft>
+                <a:spcPts val="0"/>
+              </a:spcAft>
+              <a:buClr>
+                <a:schemeClr val="bg2">
+                  <a:lumMod val="40000"/>
+                  <a:lumOff val="60000"/>
+                </a:schemeClr>
+              </a:buClr>
+              <a:buSzPct val="80000"/>
+              <a:buFont typeface="Wingdings 3" charset="2"/>
+              <a:buChar char=""/>
+              <a:defRPr sz="1400" b="0" i="0" kern="1200">
+                <a:solidFill>
+                  <a:schemeClr val="tx1"/>
+                </a:solidFill>
+                <a:latin typeface="+mj-lt"/>
+                <a:ea typeface="+mj-ea"/>
+                <a:cs typeface="+mj-cs"/>
+              </a:defRPr>
+            </a:lvl8pPr>
+            <a:lvl9pPr marL="3886200" indent="-228600" algn="l" defTabSz="457200" rtl="0" eaLnBrk="1" latinLnBrk="0" hangingPunct="1">
+              <a:spcBef>
+                <a:spcPts val="1000"/>
+              </a:spcBef>
+              <a:spcAft>
+                <a:spcPts val="0"/>
+              </a:spcAft>
+              <a:buClr>
+                <a:schemeClr val="bg2">
+                  <a:lumMod val="40000"/>
+                  <a:lumOff val="60000"/>
+                </a:schemeClr>
+              </a:buClr>
+              <a:buSzPct val="80000"/>
+              <a:buFont typeface="Wingdings 3" charset="2"/>
+              <a:buChar char=""/>
+              <a:defRPr sz="1400" b="0" i="0" kern="1200">
+                <a:solidFill>
+                  <a:schemeClr val="tx1"/>
+                </a:solidFill>
+                <a:latin typeface="+mj-lt"/>
+                <a:ea typeface="+mj-ea"/>
+                <a:cs typeface="+mj-cs"/>
+              </a:defRPr>
+            </a:lvl9pPr>
+          </a:lstStyle>
+          <a:p>
+            <a:pPr marL="285750" indent="-285750">
+              <a:buFont typeface="Wingdings" panose="05000000000000000000" pitchFamily="2" charset="2"/>
+              <a:buChar char="Ø"/>
+            </a:pPr>
+            <a:r>
+              <a:rPr lang="en-US" sz="1400" dirty="0"/>
+              <a:t>Goal</a:t>
+            </a:r>
+          </a:p>
+          <a:p>
+            <a:pPr marL="685800" lvl="1">
+              <a:buFont typeface="Wingdings" panose="05000000000000000000" pitchFamily="2" charset="2"/>
+              <a:buChar char="Ø"/>
+            </a:pPr>
+            <a:r>
+              <a:rPr lang="en-US" sz="1200" dirty="0"/>
+              <a:t>Setup and demonstrate a service chain</a:t>
+            </a:r>
+          </a:p>
+          <a:p>
+            <a:pPr marL="685800" lvl="1">
+              <a:buFont typeface="Wingdings" panose="05000000000000000000" pitchFamily="2" charset="2"/>
+              <a:buChar char="Ø"/>
+            </a:pPr>
+            <a:r>
+              <a:rPr lang="en-US" sz="1200" dirty="0"/>
+              <a:t>Illustrates the end goal of a service chain deployment</a:t>
+            </a:r>
+          </a:p>
+          <a:p>
+            <a:pPr marL="685800" lvl="1">
+              <a:buFont typeface="Wingdings" panose="05000000000000000000" pitchFamily="2" charset="2"/>
+              <a:buChar char="Ø"/>
+            </a:pPr>
+            <a:r>
+              <a:rPr lang="en-US" sz="1200" dirty="0"/>
+              <a:t>Automated setup of all virtual machines, ports, and chains</a:t>
+            </a:r>
+          </a:p>
+          <a:p>
+            <a:pPr marL="285750" indent="-285750">
+              <a:buFont typeface="Wingdings" panose="05000000000000000000" pitchFamily="2" charset="2"/>
+              <a:buChar char="Ø"/>
+            </a:pPr>
+            <a:r>
+              <a:rPr lang="en-US" sz="1400" dirty="0"/>
+              <a:t>Requirements:</a:t>
+            </a:r>
+          </a:p>
+          <a:p>
+            <a:pPr marL="685800" lvl="1">
+              <a:buFont typeface="Wingdings" panose="05000000000000000000" pitchFamily="2" charset="2"/>
+              <a:buChar char="Ø"/>
+            </a:pPr>
+            <a:r>
+              <a:rPr lang="en-US" sz="1200" dirty="0"/>
+              <a:t>SSH access to OpenStack Controller</a:t>
+            </a:r>
+          </a:p>
+          <a:p>
+            <a:pPr marL="285750" indent="-285750">
+              <a:buFont typeface="Wingdings" panose="05000000000000000000" pitchFamily="2" charset="2"/>
+              <a:buChar char="Ø"/>
+            </a:pPr>
+            <a:r>
+              <a:rPr lang="en-US" sz="1400" dirty="0"/>
+              <a:t>https://</a:t>
+            </a:r>
+            <a:r>
+              <a:rPr lang="en-US" sz="1400" dirty="0" smtClean="0"/>
+              <a:t>github.com/OpenStackSanDiego/SecurityServiceChains/blob/master/Lab0.md</a:t>
+            </a:r>
+            <a:endParaRPr lang="en-US" sz="1400" dirty="0"/>
+          </a:p>
+        </p:txBody>
+      </p:sp>
+    </p:spTree>
+    <p:extLst>
+      <p:ext uri="{BB962C8B-B14F-4D97-AF65-F5344CB8AC3E}">
+        <p14:creationId xmlns:p14="http://schemas.microsoft.com/office/powerpoint/2010/main" val="1198910767"/>
+      </p:ext>
+    </p:extLst>
+  </p:cSld>
+  <p:clrMapOvr>
+    <a:masterClrMapping/>
+  </p:clrMapOvr>
+</p:sld>
+</file>
+
 <file path=ppt/slides/slide16.xml><?xml version="1.0" encoding="utf-8"?>
+<p:sld xmlns:a="http://schemas.openxmlformats.org/drawingml/2006/main" xmlns:r="http://schemas.openxmlformats.org/officeDocument/2006/relationships" xmlns:p="http://schemas.openxmlformats.org/presentationml/2006/main">
+  <p:cSld>
+    <p:spTree>
+      <p:nvGrpSpPr>
+        <p:cNvPr id="1" name=""/>
+        <p:cNvGrpSpPr/>
+        <p:nvPr/>
+      </p:nvGrpSpPr>
+      <p:grpSpPr>
+        <a:xfrm>
+          <a:off x="0" y="0"/>
+          <a:ext cx="0" cy="0"/>
+          <a:chOff x="0" y="0"/>
+          <a:chExt cx="0" cy="0"/>
+        </a:xfrm>
+      </p:grpSpPr>
+      <p:sp>
+        <p:nvSpPr>
+          <p:cNvPr id="2" name="Title 1"/>
+          <p:cNvSpPr>
+            <a:spLocks noGrp="1"/>
+          </p:cNvSpPr>
+          <p:nvPr>
+            <p:ph type="title"/>
+          </p:nvPr>
+        </p:nvSpPr>
+        <p:spPr/>
+        <p:txBody>
+          <a:bodyPr/>
+          <a:lstStyle/>
+          <a:p>
+            <a:r>
+              <a:rPr lang="en-US" dirty="0" smtClean="0"/>
+              <a:t>OpenStack Primer</a:t>
+            </a:r>
+            <a:endParaRPr lang="en-US" dirty="0"/>
+          </a:p>
+        </p:txBody>
+      </p:sp>
+      <p:sp>
+        <p:nvSpPr>
+          <p:cNvPr id="3" name="Content Placeholder 3"/>
+          <p:cNvSpPr txBox="1">
+            <a:spLocks/>
+          </p:cNvSpPr>
+          <p:nvPr/>
+        </p:nvSpPr>
+        <p:spPr>
+          <a:xfrm>
+            <a:off x="646112" y="1647433"/>
+            <a:ext cx="4279722" cy="4785171"/>
+          </a:xfrm>
+          <a:prstGeom prst="rect">
+            <a:avLst/>
+          </a:prstGeom>
+        </p:spPr>
+        <p:txBody>
+          <a:bodyPr/>
+          <a:lstStyle>
+            <a:lvl1pPr marL="342900" indent="-342900" algn="l" defTabSz="457200" rtl="0" eaLnBrk="1" latinLnBrk="0" hangingPunct="1">
+              <a:spcBef>
+                <a:spcPts val="1000"/>
+              </a:spcBef>
+              <a:spcAft>
+                <a:spcPts val="0"/>
+              </a:spcAft>
+              <a:buClr>
+                <a:schemeClr val="bg2">
+                  <a:lumMod val="40000"/>
+                  <a:lumOff val="60000"/>
+                </a:schemeClr>
+              </a:buClr>
+              <a:buSzPct val="80000"/>
+              <a:buFont typeface="Wingdings 3" charset="2"/>
+              <a:buChar char=""/>
+              <a:defRPr sz="2000" b="0" i="0" kern="1200">
+                <a:solidFill>
+                  <a:schemeClr val="tx1"/>
+                </a:solidFill>
+                <a:latin typeface="+mj-lt"/>
+                <a:ea typeface="+mj-ea"/>
+                <a:cs typeface="+mj-cs"/>
+              </a:defRPr>
+            </a:lvl1pPr>
+            <a:lvl2pPr marL="742950" indent="-285750" algn="l" defTabSz="457200" rtl="0" eaLnBrk="1" latinLnBrk="0" hangingPunct="1">
+              <a:spcBef>
+                <a:spcPts val="1000"/>
+              </a:spcBef>
+              <a:spcAft>
+                <a:spcPts val="0"/>
+              </a:spcAft>
+              <a:buClr>
+                <a:schemeClr val="bg2">
+                  <a:lumMod val="40000"/>
+                  <a:lumOff val="60000"/>
+                </a:schemeClr>
+              </a:buClr>
+              <a:buSzPct val="80000"/>
+              <a:buFont typeface="Wingdings 3" charset="2"/>
+              <a:buChar char=""/>
+              <a:defRPr sz="1800" b="0" i="0" kern="1200">
+                <a:solidFill>
+                  <a:schemeClr val="tx1"/>
+                </a:solidFill>
+                <a:latin typeface="+mj-lt"/>
+                <a:ea typeface="+mj-ea"/>
+                <a:cs typeface="+mj-cs"/>
+              </a:defRPr>
+            </a:lvl2pPr>
+            <a:lvl3pPr marL="1143000" indent="-228600" algn="l" defTabSz="457200" rtl="0" eaLnBrk="1" latinLnBrk="0" hangingPunct="1">
+              <a:spcBef>
+                <a:spcPts val="1000"/>
+              </a:spcBef>
+              <a:spcAft>
+                <a:spcPts val="0"/>
+              </a:spcAft>
+              <a:buClr>
+                <a:schemeClr val="bg2">
+                  <a:lumMod val="40000"/>
+                  <a:lumOff val="60000"/>
+                </a:schemeClr>
+              </a:buClr>
+              <a:buSzPct val="80000"/>
+              <a:buFont typeface="Wingdings 3" charset="2"/>
+              <a:buChar char=""/>
+              <a:defRPr sz="1600" b="0" i="0" kern="1200">
+                <a:solidFill>
+                  <a:schemeClr val="tx1"/>
+                </a:solidFill>
+                <a:latin typeface="+mj-lt"/>
+                <a:ea typeface="+mj-ea"/>
+                <a:cs typeface="+mj-cs"/>
+              </a:defRPr>
+            </a:lvl3pPr>
+            <a:lvl4pPr marL="1600200" indent="-228600" algn="l" defTabSz="457200" rtl="0" eaLnBrk="1" latinLnBrk="0" hangingPunct="1">
+              <a:spcBef>
+                <a:spcPts val="1000"/>
+              </a:spcBef>
+              <a:spcAft>
+                <a:spcPts val="0"/>
+              </a:spcAft>
+              <a:buClr>
+                <a:schemeClr val="bg2">
+                  <a:lumMod val="40000"/>
+                  <a:lumOff val="60000"/>
+                </a:schemeClr>
+              </a:buClr>
+              <a:buSzPct val="80000"/>
+              <a:buFont typeface="Wingdings 3" charset="2"/>
+              <a:buChar char=""/>
+              <a:defRPr sz="1400" b="0" i="0" kern="1200">
+                <a:solidFill>
+                  <a:schemeClr val="tx1"/>
+                </a:solidFill>
+                <a:latin typeface="+mj-lt"/>
+                <a:ea typeface="+mj-ea"/>
+                <a:cs typeface="+mj-cs"/>
+              </a:defRPr>
+            </a:lvl4pPr>
+            <a:lvl5pPr marL="2057400" indent="-228600" algn="l" defTabSz="457200" rtl="0" eaLnBrk="1" latinLnBrk="0" hangingPunct="1">
+              <a:spcBef>
+                <a:spcPts val="1000"/>
+              </a:spcBef>
+              <a:spcAft>
+                <a:spcPts val="0"/>
+              </a:spcAft>
+              <a:buClr>
+                <a:schemeClr val="bg2">
+                  <a:lumMod val="40000"/>
+                  <a:lumOff val="60000"/>
+                </a:schemeClr>
+              </a:buClr>
+              <a:buSzPct val="80000"/>
+              <a:buFont typeface="Wingdings 3" charset="2"/>
+              <a:buChar char=""/>
+              <a:defRPr sz="1400" b="0" i="0" kern="1200">
+                <a:solidFill>
+                  <a:schemeClr val="tx1"/>
+                </a:solidFill>
+                <a:latin typeface="+mj-lt"/>
+                <a:ea typeface="+mj-ea"/>
+                <a:cs typeface="+mj-cs"/>
+              </a:defRPr>
+            </a:lvl5pPr>
+            <a:lvl6pPr marL="2506000" indent="-228600" algn="l" defTabSz="457200" rtl="0" eaLnBrk="1" latinLnBrk="0" hangingPunct="1">
+              <a:spcBef>
+                <a:spcPts val="1000"/>
+              </a:spcBef>
+              <a:spcAft>
+                <a:spcPts val="0"/>
+              </a:spcAft>
+              <a:buClr>
+                <a:schemeClr val="bg2">
+                  <a:lumMod val="40000"/>
+                  <a:lumOff val="60000"/>
+                </a:schemeClr>
+              </a:buClr>
+              <a:buSzPct val="80000"/>
+              <a:buFont typeface="Wingdings 3" charset="2"/>
+              <a:buChar char=""/>
+              <a:defRPr sz="1400" b="0" i="0" kern="1200">
+                <a:solidFill>
+                  <a:schemeClr val="tx1"/>
+                </a:solidFill>
+                <a:latin typeface="+mj-lt"/>
+                <a:ea typeface="+mj-ea"/>
+                <a:cs typeface="+mj-cs"/>
+              </a:defRPr>
+            </a:lvl6pPr>
+            <a:lvl7pPr marL="2971800" indent="-228600" algn="l" defTabSz="457200" rtl="0" eaLnBrk="1" latinLnBrk="0" hangingPunct="1">
+              <a:spcBef>
+                <a:spcPts val="1000"/>
+              </a:spcBef>
+              <a:spcAft>
+                <a:spcPts val="0"/>
+              </a:spcAft>
+              <a:buClr>
+                <a:schemeClr val="bg2">
+                  <a:lumMod val="40000"/>
+                  <a:lumOff val="60000"/>
+                </a:schemeClr>
+              </a:buClr>
+              <a:buSzPct val="80000"/>
+              <a:buFont typeface="Wingdings 3" charset="2"/>
+              <a:buChar char=""/>
+              <a:defRPr sz="1400" b="0" i="0" kern="1200">
+                <a:solidFill>
+                  <a:schemeClr val="tx1"/>
+                </a:solidFill>
+                <a:latin typeface="+mj-lt"/>
+                <a:ea typeface="+mj-ea"/>
+                <a:cs typeface="+mj-cs"/>
+              </a:defRPr>
+            </a:lvl7pPr>
+            <a:lvl8pPr marL="3429000" indent="-228600" algn="l" defTabSz="457200" rtl="0" eaLnBrk="1" latinLnBrk="0" hangingPunct="1">
+              <a:spcBef>
+                <a:spcPts val="1000"/>
+              </a:spcBef>
+              <a:spcAft>
+                <a:spcPts val="0"/>
+              </a:spcAft>
+              <a:buClr>
+                <a:schemeClr val="bg2">
+                  <a:lumMod val="40000"/>
+                  <a:lumOff val="60000"/>
+                </a:schemeClr>
+              </a:buClr>
+              <a:buSzPct val="80000"/>
+              <a:buFont typeface="Wingdings 3" charset="2"/>
+              <a:buChar char=""/>
+              <a:defRPr sz="1400" b="0" i="0" kern="1200">
+                <a:solidFill>
+                  <a:schemeClr val="tx1"/>
+                </a:solidFill>
+                <a:latin typeface="+mj-lt"/>
+                <a:ea typeface="+mj-ea"/>
+                <a:cs typeface="+mj-cs"/>
+              </a:defRPr>
+            </a:lvl8pPr>
+            <a:lvl9pPr marL="3886200" indent="-228600" algn="l" defTabSz="457200" rtl="0" eaLnBrk="1" latinLnBrk="0" hangingPunct="1">
+              <a:spcBef>
+                <a:spcPts val="1000"/>
+              </a:spcBef>
+              <a:spcAft>
+                <a:spcPts val="0"/>
+              </a:spcAft>
+              <a:buClr>
+                <a:schemeClr val="bg2">
+                  <a:lumMod val="40000"/>
+                  <a:lumOff val="60000"/>
+                </a:schemeClr>
+              </a:buClr>
+              <a:buSzPct val="80000"/>
+              <a:buFont typeface="Wingdings 3" charset="2"/>
+              <a:buChar char=""/>
+              <a:defRPr sz="1400" b="0" i="0" kern="1200">
+                <a:solidFill>
+                  <a:schemeClr val="tx1"/>
+                </a:solidFill>
+                <a:latin typeface="+mj-lt"/>
+                <a:ea typeface="+mj-ea"/>
+                <a:cs typeface="+mj-cs"/>
+              </a:defRPr>
+            </a:lvl9pPr>
+          </a:lstStyle>
+          <a:p>
+            <a:r>
+              <a:rPr lang="en-US" sz="1400" dirty="0" smtClean="0"/>
+              <a:t>Layer 2 Networking</a:t>
+            </a:r>
+          </a:p>
+          <a:p>
+            <a:pPr lvl="1"/>
+            <a:r>
+              <a:rPr lang="en-US" sz="1200" dirty="0" err="1" smtClean="0"/>
+              <a:t>openstack</a:t>
+            </a:r>
+            <a:r>
+              <a:rPr lang="en-US" sz="1200" dirty="0" smtClean="0"/>
+              <a:t> port list</a:t>
+            </a:r>
+            <a:endParaRPr lang="en-US" sz="1200" dirty="0"/>
+          </a:p>
+          <a:p>
+            <a:pPr lvl="1"/>
+            <a:r>
+              <a:rPr lang="en-US" sz="1200" dirty="0" err="1"/>
+              <a:t>o</a:t>
+            </a:r>
+            <a:r>
+              <a:rPr lang="en-US" sz="1200" dirty="0" err="1" smtClean="0"/>
+              <a:t>penstack</a:t>
+            </a:r>
+            <a:r>
+              <a:rPr lang="en-US" sz="1200" dirty="0" smtClean="0"/>
+              <a:t> port show </a:t>
+            </a:r>
+            <a:r>
+              <a:rPr lang="en-US" sz="1200" b="1" dirty="0" err="1" smtClean="0"/>
+              <a:t>port_name</a:t>
+            </a:r>
+            <a:endParaRPr lang="en-US" sz="1200" dirty="0" smtClean="0"/>
+          </a:p>
+          <a:p>
+            <a:r>
+              <a:rPr lang="en-US" sz="1400" dirty="0" smtClean="0"/>
+              <a:t>Layer 3 Networking</a:t>
+            </a:r>
+          </a:p>
+          <a:p>
+            <a:pPr lvl="1"/>
+            <a:r>
+              <a:rPr lang="en-US" sz="1200" dirty="0" err="1"/>
+              <a:t>o</a:t>
+            </a:r>
+            <a:r>
+              <a:rPr lang="en-US" sz="1200" dirty="0" err="1" smtClean="0"/>
+              <a:t>penstack</a:t>
+            </a:r>
+            <a:r>
+              <a:rPr lang="en-US" sz="1200" dirty="0" smtClean="0"/>
+              <a:t> network list</a:t>
+            </a:r>
+          </a:p>
+          <a:p>
+            <a:pPr lvl="1"/>
+            <a:r>
+              <a:rPr lang="en-US" sz="1200" dirty="0" err="1"/>
+              <a:t>o</a:t>
+            </a:r>
+            <a:r>
+              <a:rPr lang="en-US" sz="1200" dirty="0" err="1" smtClean="0"/>
+              <a:t>penstack</a:t>
+            </a:r>
+            <a:r>
+              <a:rPr lang="en-US" sz="1200" dirty="0" smtClean="0"/>
+              <a:t> subnet list</a:t>
+            </a:r>
+          </a:p>
+          <a:p>
+            <a:r>
+              <a:rPr lang="en-US" sz="1400" dirty="0" smtClean="0"/>
+              <a:t>Virtual Machines</a:t>
+            </a:r>
+          </a:p>
+          <a:p>
+            <a:pPr lvl="1"/>
+            <a:r>
+              <a:rPr lang="en-US" sz="1200" dirty="0" err="1" smtClean="0"/>
+              <a:t>openstack</a:t>
+            </a:r>
+            <a:r>
+              <a:rPr lang="en-US" sz="1200" dirty="0" smtClean="0"/>
+              <a:t> server list</a:t>
+            </a:r>
+          </a:p>
+          <a:p>
+            <a:pPr lvl="1"/>
+            <a:r>
+              <a:rPr lang="en-US" sz="1200" dirty="0" err="1" smtClean="0"/>
+              <a:t>openstack</a:t>
+            </a:r>
+            <a:r>
+              <a:rPr lang="en-US" sz="1200" dirty="0" smtClean="0"/>
+              <a:t> server show </a:t>
+            </a:r>
+            <a:r>
+              <a:rPr lang="en-US" sz="1200" b="1" dirty="0" err="1" smtClean="0"/>
+              <a:t>server_name</a:t>
+            </a:r>
+            <a:endParaRPr lang="en-US" sz="1200" b="1" dirty="0" smtClean="0"/>
+          </a:p>
+          <a:p>
+            <a:pPr marL="285750" indent="-285750">
+              <a:buFont typeface="Arial" panose="020B0604020202020204" pitchFamily="34" charset="0"/>
+              <a:buChar char="•"/>
+            </a:pPr>
+            <a:endParaRPr lang="en-US" sz="600" dirty="0" smtClean="0"/>
+          </a:p>
+          <a:p>
+            <a:endParaRPr lang="en-US" sz="1400" dirty="0" smtClean="0"/>
+          </a:p>
+        </p:txBody>
+      </p:sp>
+      <p:sp>
+        <p:nvSpPr>
+          <p:cNvPr id="4" name="Content Placeholder 3"/>
+          <p:cNvSpPr txBox="1">
+            <a:spLocks/>
+          </p:cNvSpPr>
+          <p:nvPr/>
+        </p:nvSpPr>
+        <p:spPr>
+          <a:xfrm>
+            <a:off x="5553391" y="1616954"/>
+            <a:ext cx="4319479" cy="3184414"/>
+          </a:xfrm>
+          <a:prstGeom prst="rect">
+            <a:avLst/>
+          </a:prstGeom>
+        </p:spPr>
+        <p:txBody>
+          <a:bodyPr/>
+          <a:lstStyle>
+            <a:lvl1pPr marL="342900" indent="-342900" algn="l" defTabSz="457200" rtl="0" eaLnBrk="1" latinLnBrk="0" hangingPunct="1">
+              <a:spcBef>
+                <a:spcPts val="1000"/>
+              </a:spcBef>
+              <a:spcAft>
+                <a:spcPts val="0"/>
+              </a:spcAft>
+              <a:buClr>
+                <a:schemeClr val="bg2">
+                  <a:lumMod val="40000"/>
+                  <a:lumOff val="60000"/>
+                </a:schemeClr>
+              </a:buClr>
+              <a:buSzPct val="80000"/>
+              <a:buFont typeface="Wingdings 3" charset="2"/>
+              <a:buChar char=""/>
+              <a:defRPr sz="2000" b="0" i="0" kern="1200">
+                <a:solidFill>
+                  <a:schemeClr val="tx1"/>
+                </a:solidFill>
+                <a:latin typeface="+mj-lt"/>
+                <a:ea typeface="+mj-ea"/>
+                <a:cs typeface="+mj-cs"/>
+              </a:defRPr>
+            </a:lvl1pPr>
+            <a:lvl2pPr marL="742950" indent="-285750" algn="l" defTabSz="457200" rtl="0" eaLnBrk="1" latinLnBrk="0" hangingPunct="1">
+              <a:spcBef>
+                <a:spcPts val="1000"/>
+              </a:spcBef>
+              <a:spcAft>
+                <a:spcPts val="0"/>
+              </a:spcAft>
+              <a:buClr>
+                <a:schemeClr val="bg2">
+                  <a:lumMod val="40000"/>
+                  <a:lumOff val="60000"/>
+                </a:schemeClr>
+              </a:buClr>
+              <a:buSzPct val="80000"/>
+              <a:buFont typeface="Wingdings 3" charset="2"/>
+              <a:buChar char=""/>
+              <a:defRPr sz="1800" b="0" i="0" kern="1200">
+                <a:solidFill>
+                  <a:schemeClr val="tx1"/>
+                </a:solidFill>
+                <a:latin typeface="+mj-lt"/>
+                <a:ea typeface="+mj-ea"/>
+                <a:cs typeface="+mj-cs"/>
+              </a:defRPr>
+            </a:lvl2pPr>
+            <a:lvl3pPr marL="1143000" indent="-228600" algn="l" defTabSz="457200" rtl="0" eaLnBrk="1" latinLnBrk="0" hangingPunct="1">
+              <a:spcBef>
+                <a:spcPts val="1000"/>
+              </a:spcBef>
+              <a:spcAft>
+                <a:spcPts val="0"/>
+              </a:spcAft>
+              <a:buClr>
+                <a:schemeClr val="bg2">
+                  <a:lumMod val="40000"/>
+                  <a:lumOff val="60000"/>
+                </a:schemeClr>
+              </a:buClr>
+              <a:buSzPct val="80000"/>
+              <a:buFont typeface="Wingdings 3" charset="2"/>
+              <a:buChar char=""/>
+              <a:defRPr sz="1600" b="0" i="0" kern="1200">
+                <a:solidFill>
+                  <a:schemeClr val="tx1"/>
+                </a:solidFill>
+                <a:latin typeface="+mj-lt"/>
+                <a:ea typeface="+mj-ea"/>
+                <a:cs typeface="+mj-cs"/>
+              </a:defRPr>
+            </a:lvl3pPr>
+            <a:lvl4pPr marL="1600200" indent="-228600" algn="l" defTabSz="457200" rtl="0" eaLnBrk="1" latinLnBrk="0" hangingPunct="1">
+              <a:spcBef>
+                <a:spcPts val="1000"/>
+              </a:spcBef>
+              <a:spcAft>
+                <a:spcPts val="0"/>
+              </a:spcAft>
+              <a:buClr>
+                <a:schemeClr val="bg2">
+                  <a:lumMod val="40000"/>
+                  <a:lumOff val="60000"/>
+                </a:schemeClr>
+              </a:buClr>
+              <a:buSzPct val="80000"/>
+              <a:buFont typeface="Wingdings 3" charset="2"/>
+              <a:buChar char=""/>
+              <a:defRPr sz="1400" b="0" i="0" kern="1200">
+                <a:solidFill>
+                  <a:schemeClr val="tx1"/>
+                </a:solidFill>
+                <a:latin typeface="+mj-lt"/>
+                <a:ea typeface="+mj-ea"/>
+                <a:cs typeface="+mj-cs"/>
+              </a:defRPr>
+            </a:lvl4pPr>
+            <a:lvl5pPr marL="2057400" indent="-228600" algn="l" defTabSz="457200" rtl="0" eaLnBrk="1" latinLnBrk="0" hangingPunct="1">
+              <a:spcBef>
+                <a:spcPts val="1000"/>
+              </a:spcBef>
+              <a:spcAft>
+                <a:spcPts val="0"/>
+              </a:spcAft>
+              <a:buClr>
+                <a:schemeClr val="bg2">
+                  <a:lumMod val="40000"/>
+                  <a:lumOff val="60000"/>
+                </a:schemeClr>
+              </a:buClr>
+              <a:buSzPct val="80000"/>
+              <a:buFont typeface="Wingdings 3" charset="2"/>
+              <a:buChar char=""/>
+              <a:defRPr sz="1400" b="0" i="0" kern="1200">
+                <a:solidFill>
+                  <a:schemeClr val="tx1"/>
+                </a:solidFill>
+                <a:latin typeface="+mj-lt"/>
+                <a:ea typeface="+mj-ea"/>
+                <a:cs typeface="+mj-cs"/>
+              </a:defRPr>
+            </a:lvl5pPr>
+            <a:lvl6pPr marL="2506000" indent="-228600" algn="l" defTabSz="457200" rtl="0" eaLnBrk="1" latinLnBrk="0" hangingPunct="1">
+              <a:spcBef>
+                <a:spcPts val="1000"/>
+              </a:spcBef>
+              <a:spcAft>
+                <a:spcPts val="0"/>
+              </a:spcAft>
+              <a:buClr>
+                <a:schemeClr val="bg2">
+                  <a:lumMod val="40000"/>
+                  <a:lumOff val="60000"/>
+                </a:schemeClr>
+              </a:buClr>
+              <a:buSzPct val="80000"/>
+              <a:buFont typeface="Wingdings 3" charset="2"/>
+              <a:buChar char=""/>
+              <a:defRPr sz="1400" b="0" i="0" kern="1200">
+                <a:solidFill>
+                  <a:schemeClr val="tx1"/>
+                </a:solidFill>
+                <a:latin typeface="+mj-lt"/>
+                <a:ea typeface="+mj-ea"/>
+                <a:cs typeface="+mj-cs"/>
+              </a:defRPr>
+            </a:lvl6pPr>
+            <a:lvl7pPr marL="2971800" indent="-228600" algn="l" defTabSz="457200" rtl="0" eaLnBrk="1" latinLnBrk="0" hangingPunct="1">
+              <a:spcBef>
+                <a:spcPts val="1000"/>
+              </a:spcBef>
+              <a:spcAft>
+                <a:spcPts val="0"/>
+              </a:spcAft>
+              <a:buClr>
+                <a:schemeClr val="bg2">
+                  <a:lumMod val="40000"/>
+                  <a:lumOff val="60000"/>
+                </a:schemeClr>
+              </a:buClr>
+              <a:buSzPct val="80000"/>
+              <a:buFont typeface="Wingdings 3" charset="2"/>
+              <a:buChar char=""/>
+              <a:defRPr sz="1400" b="0" i="0" kern="1200">
+                <a:solidFill>
+                  <a:schemeClr val="tx1"/>
+                </a:solidFill>
+                <a:latin typeface="+mj-lt"/>
+                <a:ea typeface="+mj-ea"/>
+                <a:cs typeface="+mj-cs"/>
+              </a:defRPr>
+            </a:lvl7pPr>
+            <a:lvl8pPr marL="3429000" indent="-228600" algn="l" defTabSz="457200" rtl="0" eaLnBrk="1" latinLnBrk="0" hangingPunct="1">
+              <a:spcBef>
+                <a:spcPts val="1000"/>
+              </a:spcBef>
+              <a:spcAft>
+                <a:spcPts val="0"/>
+              </a:spcAft>
+              <a:buClr>
+                <a:schemeClr val="bg2">
+                  <a:lumMod val="40000"/>
+                  <a:lumOff val="60000"/>
+                </a:schemeClr>
+              </a:buClr>
+              <a:buSzPct val="80000"/>
+              <a:buFont typeface="Wingdings 3" charset="2"/>
+              <a:buChar char=""/>
+              <a:defRPr sz="1400" b="0" i="0" kern="1200">
+                <a:solidFill>
+                  <a:schemeClr val="tx1"/>
+                </a:solidFill>
+                <a:latin typeface="+mj-lt"/>
+                <a:ea typeface="+mj-ea"/>
+                <a:cs typeface="+mj-cs"/>
+              </a:defRPr>
+            </a:lvl8pPr>
+            <a:lvl9pPr marL="3886200" indent="-228600" algn="l" defTabSz="457200" rtl="0" eaLnBrk="1" latinLnBrk="0" hangingPunct="1">
+              <a:spcBef>
+                <a:spcPts val="1000"/>
+              </a:spcBef>
+              <a:spcAft>
+                <a:spcPts val="0"/>
+              </a:spcAft>
+              <a:buClr>
+                <a:schemeClr val="bg2">
+                  <a:lumMod val="40000"/>
+                  <a:lumOff val="60000"/>
+                </a:schemeClr>
+              </a:buClr>
+              <a:buSzPct val="80000"/>
+              <a:buFont typeface="Wingdings 3" charset="2"/>
+              <a:buChar char=""/>
+              <a:defRPr sz="1400" b="0" i="0" kern="1200">
+                <a:solidFill>
+                  <a:schemeClr val="tx1"/>
+                </a:solidFill>
+                <a:latin typeface="+mj-lt"/>
+                <a:ea typeface="+mj-ea"/>
+                <a:cs typeface="+mj-cs"/>
+              </a:defRPr>
+            </a:lvl9pPr>
+          </a:lstStyle>
+          <a:p>
+            <a:r>
+              <a:rPr lang="en-US" sz="1400" dirty="0" smtClean="0"/>
+              <a:t>Physical Server/Controller</a:t>
+            </a:r>
+          </a:p>
+          <a:p>
+            <a:pPr lvl="1"/>
+            <a:r>
+              <a:rPr lang="en-US" sz="1200" dirty="0" smtClean="0"/>
+              <a:t>labX.chains.openstacksandiego.us</a:t>
+            </a:r>
+          </a:p>
+          <a:p>
+            <a:pPr lvl="1"/>
+            <a:r>
+              <a:rPr lang="en-US" sz="1200" dirty="0" smtClean="0"/>
+              <a:t>172.a.b.c physical address</a:t>
+            </a:r>
+          </a:p>
+          <a:p>
+            <a:r>
+              <a:rPr lang="en-US" sz="1400" dirty="0" smtClean="0"/>
+              <a:t>OpenStack Networking</a:t>
+            </a:r>
+          </a:p>
+          <a:p>
+            <a:pPr lvl="1"/>
+            <a:r>
+              <a:rPr lang="en-US" sz="1200" dirty="0" smtClean="0"/>
+              <a:t>192.168.a.b/16 virtual network</a:t>
+            </a:r>
+          </a:p>
+          <a:p>
+            <a:r>
+              <a:rPr lang="en-US" sz="1400" dirty="0" smtClean="0"/>
+              <a:t>Physical/Virtual Gateway</a:t>
+            </a:r>
+          </a:p>
+          <a:p>
+            <a:pPr lvl="1"/>
+            <a:r>
+              <a:rPr lang="en-US" sz="1200" dirty="0" smtClean="0"/>
+              <a:t>Static route within Controller</a:t>
+            </a:r>
+          </a:p>
+          <a:p>
+            <a:pPr lvl="1"/>
+            <a:r>
+              <a:rPr lang="en-US" sz="1200" dirty="0" smtClean="0"/>
+              <a:t>Allows traffic from Controller into VMs</a:t>
+            </a:r>
+          </a:p>
+          <a:p>
+            <a:pPr lvl="1"/>
+            <a:r>
+              <a:rPr lang="en-US" sz="1200" dirty="0" smtClean="0"/>
+              <a:t>No external routing</a:t>
+            </a:r>
+          </a:p>
+          <a:p>
+            <a:pPr marL="0" indent="0">
+              <a:buNone/>
+            </a:pPr>
+            <a:endParaRPr lang="en-US" sz="600" dirty="0" smtClean="0"/>
+          </a:p>
+        </p:txBody>
+      </p:sp>
+    </p:spTree>
+    <p:extLst>
+      <p:ext uri="{BB962C8B-B14F-4D97-AF65-F5344CB8AC3E}">
+        <p14:creationId xmlns:p14="http://schemas.microsoft.com/office/powerpoint/2010/main" val="2231676363"/>
+      </p:ext>
+    </p:extLst>
+  </p:cSld>
+  <p:clrMapOvr>
+    <a:masterClrMapping/>
+  </p:clrMapOvr>
+</p:sld>
+</file>
+
+<file path=ppt/slides/slide17.xml><?xml version="1.0" encoding="utf-8"?>
+<p:sld xmlns:a="http://schemas.openxmlformats.org/drawingml/2006/main" xmlns:r="http://schemas.openxmlformats.org/officeDocument/2006/relationships" xmlns:p="http://schemas.openxmlformats.org/presentationml/2006/main">
+  <p:cSld>
+    <p:spTree>
+      <p:nvGrpSpPr>
+        <p:cNvPr id="1" name=""/>
+        <p:cNvGrpSpPr/>
+        <p:nvPr/>
+      </p:nvGrpSpPr>
+      <p:grpSpPr>
+        <a:xfrm>
+          <a:off x="0" y="0"/>
+          <a:ext cx="0" cy="0"/>
+          <a:chOff x="0" y="0"/>
+          <a:chExt cx="0" cy="0"/>
+        </a:xfrm>
+      </p:grpSpPr>
+      <p:sp>
+        <p:nvSpPr>
+          <p:cNvPr id="2" name="Title 1"/>
+          <p:cNvSpPr>
+            <a:spLocks noGrp="1"/>
+          </p:cNvSpPr>
+          <p:nvPr>
+            <p:ph type="title"/>
+          </p:nvPr>
+        </p:nvSpPr>
+        <p:spPr>
+          <a:xfrm>
+            <a:off x="126999" y="228592"/>
+            <a:ext cx="8627533" cy="969441"/>
+          </a:xfrm>
+        </p:spPr>
+        <p:txBody>
+          <a:bodyPr/>
+          <a:lstStyle/>
+          <a:p>
+            <a:r>
+              <a:rPr lang="en-US" dirty="0" smtClean="0"/>
+              <a:t>Service Chain Creation</a:t>
+            </a:r>
+            <a:endParaRPr lang="en-US" dirty="0"/>
+          </a:p>
+        </p:txBody>
+      </p:sp>
+      <p:sp>
+        <p:nvSpPr>
+          <p:cNvPr id="4" name="Text Placeholder 3"/>
+          <p:cNvSpPr>
+            <a:spLocks noGrp="1"/>
+          </p:cNvSpPr>
+          <p:nvPr>
+            <p:ph type="body" sz="half" idx="2"/>
+          </p:nvPr>
+        </p:nvSpPr>
+        <p:spPr>
+          <a:xfrm>
+            <a:off x="126999" y="1550503"/>
+            <a:ext cx="6112934" cy="3057277"/>
+          </a:xfrm>
+        </p:spPr>
+        <p:txBody>
+          <a:bodyPr>
+            <a:normAutofit/>
+          </a:bodyPr>
+          <a:lstStyle/>
+          <a:p>
+            <a:r>
+              <a:rPr lang="en-US" dirty="0" err="1"/>
+              <a:t>openstack</a:t>
+            </a:r>
+            <a:r>
+              <a:rPr lang="en-US" dirty="0"/>
+              <a:t> </a:t>
+            </a:r>
+            <a:r>
+              <a:rPr lang="en-US" dirty="0" err="1"/>
+              <a:t>sfc</a:t>
+            </a:r>
+            <a:r>
+              <a:rPr lang="en-US" dirty="0"/>
+              <a:t> </a:t>
+            </a:r>
+            <a:r>
+              <a:rPr lang="en-US" b="1" dirty="0">
+                <a:solidFill>
+                  <a:schemeClr val="accent3"/>
+                </a:solidFill>
+              </a:rPr>
+              <a:t>flow classifier</a:t>
+            </a:r>
+            <a:r>
+              <a:rPr lang="en-US" dirty="0"/>
+              <a:t> create \</a:t>
+            </a:r>
+          </a:p>
+          <a:p>
+            <a:r>
+              <a:rPr lang="en-US" dirty="0"/>
+              <a:t>    --</a:t>
+            </a:r>
+            <a:r>
+              <a:rPr lang="en-US" dirty="0" err="1"/>
+              <a:t>ethertype</a:t>
+            </a:r>
+            <a:r>
+              <a:rPr lang="en-US" dirty="0"/>
+              <a:t> IPv4 \</a:t>
+            </a:r>
+          </a:p>
+          <a:p>
+            <a:r>
+              <a:rPr lang="en-US" dirty="0"/>
+              <a:t>    --source-</a:t>
+            </a:r>
+            <a:r>
+              <a:rPr lang="en-US" dirty="0" err="1"/>
+              <a:t>ip</a:t>
+            </a:r>
+            <a:r>
+              <a:rPr lang="en-US" dirty="0"/>
+              <a:t>-prefix ${WEBCLIENT_IP}/32 \</a:t>
+            </a:r>
+          </a:p>
+          <a:p>
+            <a:r>
+              <a:rPr lang="en-US" dirty="0"/>
+              <a:t>    --destination-</a:t>
+            </a:r>
+            <a:r>
+              <a:rPr lang="en-US" dirty="0" err="1"/>
+              <a:t>ip</a:t>
+            </a:r>
+            <a:r>
+              <a:rPr lang="en-US" dirty="0"/>
+              <a:t>-prefix ${WEBSERVER_IP}/32 \</a:t>
+            </a:r>
+          </a:p>
+          <a:p>
+            <a:r>
+              <a:rPr lang="en-US" dirty="0"/>
+              <a:t>    --protocol </a:t>
+            </a:r>
+            <a:r>
+              <a:rPr lang="en-US" dirty="0" err="1"/>
+              <a:t>tcp</a:t>
+            </a:r>
+            <a:r>
+              <a:rPr lang="en-US" dirty="0"/>
+              <a:t> \</a:t>
+            </a:r>
+          </a:p>
+          <a:p>
+            <a:r>
+              <a:rPr lang="en-US" dirty="0"/>
+              <a:t>    --destination-port 80:80 \</a:t>
+            </a:r>
+          </a:p>
+          <a:p>
+            <a:r>
+              <a:rPr lang="en-US" dirty="0"/>
+              <a:t>    --logical-source-port port-</a:t>
+            </a:r>
+            <a:r>
+              <a:rPr lang="en-US" dirty="0" err="1"/>
+              <a:t>webclient</a:t>
+            </a:r>
+            <a:r>
+              <a:rPr lang="en-US" dirty="0"/>
+              <a:t> \</a:t>
+            </a:r>
+          </a:p>
+          <a:p>
+            <a:r>
+              <a:rPr lang="en-US" dirty="0"/>
+              <a:t>    FC-</a:t>
+            </a:r>
+            <a:r>
+              <a:rPr lang="en-US" dirty="0" err="1"/>
+              <a:t>WebServer</a:t>
+            </a:r>
+            <a:r>
+              <a:rPr lang="en-US" dirty="0"/>
+              <a:t>-HTTP</a:t>
+            </a:r>
+          </a:p>
+        </p:txBody>
+      </p:sp>
+      <p:sp>
+        <p:nvSpPr>
+          <p:cNvPr id="8" name="Text Placeholder 3"/>
+          <p:cNvSpPr txBox="1">
+            <a:spLocks/>
+          </p:cNvSpPr>
+          <p:nvPr/>
+        </p:nvSpPr>
+        <p:spPr>
+          <a:xfrm>
+            <a:off x="231251" y="4759525"/>
+            <a:ext cx="12012400" cy="1378882"/>
+          </a:xfrm>
+          <a:prstGeom prst="rect">
+            <a:avLst/>
+          </a:prstGeom>
+        </p:spPr>
+        <p:txBody>
+          <a:bodyPr vert="horz" lIns="91440" tIns="45720" rIns="91440" bIns="45720" rtlCol="0">
+            <a:normAutofit/>
+          </a:bodyPr>
+          <a:lstStyle>
+            <a:lvl1pPr marL="0" indent="0" algn="l" defTabSz="457200" rtl="0" eaLnBrk="1" latinLnBrk="0" hangingPunct="1">
+              <a:spcBef>
+                <a:spcPts val="1000"/>
+              </a:spcBef>
+              <a:spcAft>
+                <a:spcPts val="0"/>
+              </a:spcAft>
+              <a:buClr>
+                <a:schemeClr val="bg2">
+                  <a:lumMod val="40000"/>
+                  <a:lumOff val="60000"/>
+                </a:schemeClr>
+              </a:buClr>
+              <a:buSzPct val="80000"/>
+              <a:buFont typeface="Wingdings 3" charset="2"/>
+              <a:buNone/>
+              <a:defRPr sz="1400" b="0" i="0" kern="1200">
+                <a:solidFill>
+                  <a:schemeClr val="tx1"/>
+                </a:solidFill>
+                <a:latin typeface="+mj-lt"/>
+                <a:ea typeface="+mj-ea"/>
+                <a:cs typeface="+mj-cs"/>
+              </a:defRPr>
+            </a:lvl1pPr>
+            <a:lvl2pPr marL="457200" indent="0" algn="l" defTabSz="457200" rtl="0" eaLnBrk="1" latinLnBrk="0" hangingPunct="1">
+              <a:spcBef>
+                <a:spcPts val="1000"/>
+              </a:spcBef>
+              <a:spcAft>
+                <a:spcPts val="0"/>
+              </a:spcAft>
+              <a:buClr>
+                <a:schemeClr val="bg2">
+                  <a:lumMod val="40000"/>
+                  <a:lumOff val="60000"/>
+                </a:schemeClr>
+              </a:buClr>
+              <a:buSzPct val="80000"/>
+              <a:buFont typeface="Wingdings 3" charset="2"/>
+              <a:buNone/>
+              <a:defRPr sz="1200" b="0" i="0" kern="1200">
+                <a:solidFill>
+                  <a:schemeClr val="tx1"/>
+                </a:solidFill>
+                <a:latin typeface="+mj-lt"/>
+                <a:ea typeface="+mj-ea"/>
+                <a:cs typeface="+mj-cs"/>
+              </a:defRPr>
+            </a:lvl2pPr>
+            <a:lvl3pPr marL="914400" indent="0" algn="l" defTabSz="457200" rtl="0" eaLnBrk="1" latinLnBrk="0" hangingPunct="1">
+              <a:spcBef>
+                <a:spcPts val="1000"/>
+              </a:spcBef>
+              <a:spcAft>
+                <a:spcPts val="0"/>
+              </a:spcAft>
+              <a:buClr>
+                <a:schemeClr val="bg2">
+                  <a:lumMod val="40000"/>
+                  <a:lumOff val="60000"/>
+                </a:schemeClr>
+              </a:buClr>
+              <a:buSzPct val="80000"/>
+              <a:buFont typeface="Wingdings 3" charset="2"/>
+              <a:buNone/>
+              <a:defRPr sz="1000" b="0" i="0" kern="1200">
+                <a:solidFill>
+                  <a:schemeClr val="tx1"/>
+                </a:solidFill>
+                <a:latin typeface="+mj-lt"/>
+                <a:ea typeface="+mj-ea"/>
+                <a:cs typeface="+mj-cs"/>
+              </a:defRPr>
+            </a:lvl3pPr>
+            <a:lvl4pPr marL="1371600" indent="0" algn="l" defTabSz="457200" rtl="0" eaLnBrk="1" latinLnBrk="0" hangingPunct="1">
+              <a:spcBef>
+                <a:spcPts val="1000"/>
+              </a:spcBef>
+              <a:spcAft>
+                <a:spcPts val="0"/>
+              </a:spcAft>
+              <a:buClr>
+                <a:schemeClr val="bg2">
+                  <a:lumMod val="40000"/>
+                  <a:lumOff val="60000"/>
+                </a:schemeClr>
+              </a:buClr>
+              <a:buSzPct val="80000"/>
+              <a:buFont typeface="Wingdings 3" charset="2"/>
+              <a:buNone/>
+              <a:defRPr sz="900" b="0" i="0" kern="1200">
+                <a:solidFill>
+                  <a:schemeClr val="tx1"/>
+                </a:solidFill>
+                <a:latin typeface="+mj-lt"/>
+                <a:ea typeface="+mj-ea"/>
+                <a:cs typeface="+mj-cs"/>
+              </a:defRPr>
+            </a:lvl4pPr>
+            <a:lvl5pPr marL="1828800" indent="0" algn="l" defTabSz="457200" rtl="0" eaLnBrk="1" latinLnBrk="0" hangingPunct="1">
+              <a:spcBef>
+                <a:spcPts val="1000"/>
+              </a:spcBef>
+              <a:spcAft>
+                <a:spcPts val="0"/>
+              </a:spcAft>
+              <a:buClr>
+                <a:schemeClr val="bg2">
+                  <a:lumMod val="40000"/>
+                  <a:lumOff val="60000"/>
+                </a:schemeClr>
+              </a:buClr>
+              <a:buSzPct val="80000"/>
+              <a:buFont typeface="Wingdings 3" charset="2"/>
+              <a:buNone/>
+              <a:defRPr sz="900" b="0" i="0" kern="1200">
+                <a:solidFill>
+                  <a:schemeClr val="tx1"/>
+                </a:solidFill>
+                <a:latin typeface="+mj-lt"/>
+                <a:ea typeface="+mj-ea"/>
+                <a:cs typeface="+mj-cs"/>
+              </a:defRPr>
+            </a:lvl5pPr>
+            <a:lvl6pPr marL="2286000" indent="0" algn="l" defTabSz="457200" rtl="0" eaLnBrk="1" latinLnBrk="0" hangingPunct="1">
+              <a:spcBef>
+                <a:spcPts val="1000"/>
+              </a:spcBef>
+              <a:spcAft>
+                <a:spcPts val="0"/>
+              </a:spcAft>
+              <a:buClr>
+                <a:schemeClr val="bg2">
+                  <a:lumMod val="40000"/>
+                  <a:lumOff val="60000"/>
+                </a:schemeClr>
+              </a:buClr>
+              <a:buSzPct val="80000"/>
+              <a:buFont typeface="Wingdings 3" charset="2"/>
+              <a:buNone/>
+              <a:defRPr sz="900" b="0" i="0" kern="1200">
+                <a:solidFill>
+                  <a:schemeClr val="tx1"/>
+                </a:solidFill>
+                <a:latin typeface="+mj-lt"/>
+                <a:ea typeface="+mj-ea"/>
+                <a:cs typeface="+mj-cs"/>
+              </a:defRPr>
+            </a:lvl6pPr>
+            <a:lvl7pPr marL="2743200" indent="0" algn="l" defTabSz="457200" rtl="0" eaLnBrk="1" latinLnBrk="0" hangingPunct="1">
+              <a:spcBef>
+                <a:spcPts val="1000"/>
+              </a:spcBef>
+              <a:spcAft>
+                <a:spcPts val="0"/>
+              </a:spcAft>
+              <a:buClr>
+                <a:schemeClr val="bg2">
+                  <a:lumMod val="40000"/>
+                  <a:lumOff val="60000"/>
+                </a:schemeClr>
+              </a:buClr>
+              <a:buSzPct val="80000"/>
+              <a:buFont typeface="Wingdings 3" charset="2"/>
+              <a:buNone/>
+              <a:defRPr sz="900" b="0" i="0" kern="1200">
+                <a:solidFill>
+                  <a:schemeClr val="tx1"/>
+                </a:solidFill>
+                <a:latin typeface="+mj-lt"/>
+                <a:ea typeface="+mj-ea"/>
+                <a:cs typeface="+mj-cs"/>
+              </a:defRPr>
+            </a:lvl7pPr>
+            <a:lvl8pPr marL="3200400" indent="0" algn="l" defTabSz="457200" rtl="0" eaLnBrk="1" latinLnBrk="0" hangingPunct="1">
+              <a:spcBef>
+                <a:spcPts val="1000"/>
+              </a:spcBef>
+              <a:spcAft>
+                <a:spcPts val="0"/>
+              </a:spcAft>
+              <a:buClr>
+                <a:schemeClr val="bg2">
+                  <a:lumMod val="40000"/>
+                  <a:lumOff val="60000"/>
+                </a:schemeClr>
+              </a:buClr>
+              <a:buSzPct val="80000"/>
+              <a:buFont typeface="Wingdings 3" charset="2"/>
+              <a:buNone/>
+              <a:defRPr sz="900" b="0" i="0" kern="1200">
+                <a:solidFill>
+                  <a:schemeClr val="tx1"/>
+                </a:solidFill>
+                <a:latin typeface="+mj-lt"/>
+                <a:ea typeface="+mj-ea"/>
+                <a:cs typeface="+mj-cs"/>
+              </a:defRPr>
+            </a:lvl8pPr>
+            <a:lvl9pPr marL="3657600" indent="0" algn="l" defTabSz="457200" rtl="0" eaLnBrk="1" latinLnBrk="0" hangingPunct="1">
+              <a:spcBef>
+                <a:spcPts val="1000"/>
+              </a:spcBef>
+              <a:spcAft>
+                <a:spcPts val="0"/>
+              </a:spcAft>
+              <a:buClr>
+                <a:schemeClr val="bg2">
+                  <a:lumMod val="40000"/>
+                  <a:lumOff val="60000"/>
+                </a:schemeClr>
+              </a:buClr>
+              <a:buSzPct val="80000"/>
+              <a:buFont typeface="Wingdings 3" charset="2"/>
+              <a:buNone/>
+              <a:defRPr sz="900" b="0" i="0" kern="1200">
+                <a:solidFill>
+                  <a:schemeClr val="tx1"/>
+                </a:solidFill>
+                <a:latin typeface="+mj-lt"/>
+                <a:ea typeface="+mj-ea"/>
+                <a:cs typeface="+mj-cs"/>
+              </a:defRPr>
+            </a:lvl9pPr>
+          </a:lstStyle>
+          <a:p>
+            <a:r>
+              <a:rPr lang="en-US" dirty="0" err="1" smtClean="0"/>
+              <a:t>openstack</a:t>
+            </a:r>
+            <a:r>
+              <a:rPr lang="en-US" dirty="0" smtClean="0"/>
+              <a:t> </a:t>
+            </a:r>
+            <a:r>
+              <a:rPr lang="en-US" dirty="0" err="1"/>
+              <a:t>sfc</a:t>
+            </a:r>
+            <a:r>
+              <a:rPr lang="en-US" dirty="0"/>
+              <a:t> </a:t>
+            </a:r>
+            <a:r>
+              <a:rPr lang="en-US" b="1" dirty="0">
+                <a:solidFill>
+                  <a:schemeClr val="accent3"/>
+                </a:solidFill>
+              </a:rPr>
+              <a:t>port pair </a:t>
+            </a:r>
+            <a:r>
+              <a:rPr lang="en-US" dirty="0"/>
+              <a:t>create --ingress=port-ingress1 --egress=port-egress1 Netmon1-PortPair</a:t>
+            </a:r>
+          </a:p>
+          <a:p>
+            <a:r>
+              <a:rPr lang="en-US" dirty="0" err="1"/>
+              <a:t>openstack</a:t>
+            </a:r>
+            <a:r>
+              <a:rPr lang="en-US" dirty="0"/>
+              <a:t> </a:t>
+            </a:r>
+            <a:r>
+              <a:rPr lang="en-US" dirty="0" err="1"/>
+              <a:t>sfc</a:t>
+            </a:r>
+            <a:r>
+              <a:rPr lang="en-US" dirty="0"/>
+              <a:t> </a:t>
+            </a:r>
+            <a:r>
+              <a:rPr lang="en-US" b="1" dirty="0">
+                <a:solidFill>
+                  <a:schemeClr val="accent3"/>
+                </a:solidFill>
+              </a:rPr>
+              <a:t>port pair group </a:t>
+            </a:r>
+            <a:r>
+              <a:rPr lang="en-US" dirty="0"/>
+              <a:t>create --port-pair Netmon1-PortPair </a:t>
+            </a:r>
+            <a:r>
+              <a:rPr lang="en-US" dirty="0" err="1"/>
+              <a:t>Netmon-PairGroup</a:t>
+            </a:r>
+            <a:endParaRPr lang="en-US" dirty="0"/>
+          </a:p>
+          <a:p>
+            <a:r>
+              <a:rPr lang="en-US" dirty="0" err="1"/>
+              <a:t>openstack</a:t>
+            </a:r>
+            <a:r>
+              <a:rPr lang="en-US" dirty="0"/>
+              <a:t> </a:t>
+            </a:r>
+            <a:r>
+              <a:rPr lang="en-US" dirty="0" err="1"/>
+              <a:t>sfc</a:t>
+            </a:r>
+            <a:r>
+              <a:rPr lang="en-US" dirty="0"/>
+              <a:t> </a:t>
+            </a:r>
+            <a:r>
+              <a:rPr lang="en-US" b="1" dirty="0">
+                <a:solidFill>
+                  <a:schemeClr val="accent3"/>
+                </a:solidFill>
+              </a:rPr>
+              <a:t>port chain</a:t>
+            </a:r>
+            <a:r>
+              <a:rPr lang="en-US" dirty="0">
+                <a:solidFill>
+                  <a:schemeClr val="accent3"/>
+                </a:solidFill>
+              </a:rPr>
+              <a:t> </a:t>
+            </a:r>
+            <a:r>
+              <a:rPr lang="en-US" dirty="0"/>
+              <a:t>create --port-pair-group </a:t>
+            </a:r>
+            <a:r>
+              <a:rPr lang="en-US" dirty="0" err="1"/>
+              <a:t>Netmon-PairGroup</a:t>
+            </a:r>
+            <a:r>
+              <a:rPr lang="en-US" dirty="0"/>
+              <a:t> --flow-classifier FC-</a:t>
+            </a:r>
+            <a:r>
+              <a:rPr lang="en-US" dirty="0" err="1"/>
+              <a:t>WebServer</a:t>
+            </a:r>
+            <a:r>
+              <a:rPr lang="en-US" dirty="0"/>
+              <a:t>-HTTP PC1</a:t>
+            </a:r>
+            <a:endParaRPr lang="en-US" dirty="0" smtClean="0"/>
+          </a:p>
+          <a:p>
+            <a:endParaRPr lang="en-US" dirty="0" smtClean="0"/>
+          </a:p>
+          <a:p>
+            <a:endParaRPr lang="en-US" dirty="0"/>
+          </a:p>
+        </p:txBody>
+      </p:sp>
+      <p:pic>
+        <p:nvPicPr>
+          <p:cNvPr id="11" name="Picture 10"/>
+          <p:cNvPicPr>
+            <a:picLocks noChangeAspect="1"/>
+          </p:cNvPicPr>
+          <p:nvPr/>
+        </p:nvPicPr>
+        <p:blipFill>
+          <a:blip r:embed="rId2"/>
+          <a:stretch>
+            <a:fillRect/>
+          </a:stretch>
+        </p:blipFill>
+        <p:spPr>
+          <a:xfrm>
+            <a:off x="6477238" y="1294389"/>
+            <a:ext cx="3768018" cy="3313391"/>
+          </a:xfrm>
+          <a:prstGeom prst="rect">
+            <a:avLst/>
+          </a:prstGeom>
+        </p:spPr>
+      </p:pic>
+    </p:spTree>
+    <p:extLst>
+      <p:ext uri="{BB962C8B-B14F-4D97-AF65-F5344CB8AC3E}">
+        <p14:creationId xmlns:p14="http://schemas.microsoft.com/office/powerpoint/2010/main" val="3016590799"/>
+      </p:ext>
+    </p:extLst>
+  </p:cSld>
+  <p:clrMapOvr>
+    <a:masterClrMapping/>
+  </p:clrMapOvr>
+</p:sld>
+</file>
+
+<file path=ppt/slides/slide18.xml><?xml version="1.0" encoding="utf-8"?>
 <p:sld xmlns:a="http://schemas.openxmlformats.org/drawingml/2006/main" xmlns:r="http://schemas.openxmlformats.org/officeDocument/2006/relationships" xmlns:p="http://schemas.openxmlformats.org/presentationml/2006/main">
   <p:cSld>
     <p:spTree>
@@ -21452,525 +22565,6 @@
 </p:sld>
 </file>
 
-<file path=ppt/slides/slide17.xml><?xml version="1.0" encoding="utf-8"?>
-<p:sld xmlns:a="http://schemas.openxmlformats.org/drawingml/2006/main" xmlns:r="http://schemas.openxmlformats.org/officeDocument/2006/relationships" xmlns:p="http://schemas.openxmlformats.org/presentationml/2006/main">
-  <p:cSld>
-    <p:spTree>
-      <p:nvGrpSpPr>
-        <p:cNvPr id="1" name=""/>
-        <p:cNvGrpSpPr/>
-        <p:nvPr/>
-      </p:nvGrpSpPr>
-      <p:grpSpPr>
-        <a:xfrm>
-          <a:off x="0" y="0"/>
-          <a:ext cx="0" cy="0"/>
-          <a:chOff x="0" y="0"/>
-          <a:chExt cx="0" cy="0"/>
-        </a:xfrm>
-      </p:grpSpPr>
-      <p:sp>
-        <p:nvSpPr>
-          <p:cNvPr id="2" name="Title 1"/>
-          <p:cNvSpPr>
-            <a:spLocks noGrp="1"/>
-          </p:cNvSpPr>
-          <p:nvPr>
-            <p:ph type="title"/>
-          </p:nvPr>
-        </p:nvSpPr>
-        <p:spPr>
-          <a:xfrm>
-            <a:off x="646111" y="452718"/>
-            <a:ext cx="9404723" cy="827442"/>
-          </a:xfrm>
-        </p:spPr>
-        <p:txBody>
-          <a:bodyPr/>
-          <a:lstStyle/>
-          <a:p>
-            <a:r>
-              <a:rPr lang="en-US" dirty="0"/>
-              <a:t>n</a:t>
-            </a:r>
-            <a:r>
-              <a:rPr lang="en-US" dirty="0" smtClean="0"/>
-              <a:t>et-</a:t>
-            </a:r>
-            <a:r>
-              <a:rPr lang="en-US" dirty="0" err="1" smtClean="0"/>
-              <a:t>sfc</a:t>
-            </a:r>
-            <a:r>
-              <a:rPr lang="en-US" dirty="0" smtClean="0"/>
-              <a:t> setup…</a:t>
-            </a:r>
-            <a:endParaRPr lang="en-US" dirty="0"/>
-          </a:p>
-        </p:txBody>
-      </p:sp>
-      <p:sp>
-        <p:nvSpPr>
-          <p:cNvPr id="3" name="Content Placeholder 2"/>
-          <p:cNvSpPr>
-            <a:spLocks noGrp="1"/>
-          </p:cNvSpPr>
-          <p:nvPr>
-            <p:ph idx="1"/>
-          </p:nvPr>
-        </p:nvSpPr>
-        <p:spPr>
-          <a:xfrm>
-            <a:off x="294198" y="2052918"/>
-            <a:ext cx="11656612" cy="4195481"/>
-          </a:xfrm>
-        </p:spPr>
-        <p:txBody>
-          <a:bodyPr>
-            <a:normAutofit fontScale="70000" lnSpcReduction="20000"/>
-          </a:bodyPr>
-          <a:lstStyle/>
-          <a:p>
-            <a:pPr marL="0" indent="0">
-              <a:buNone/>
-            </a:pPr>
-            <a:r>
-              <a:rPr lang="en-US" dirty="0" smtClean="0"/>
-              <a:t># </a:t>
-            </a:r>
-            <a:r>
-              <a:rPr lang="en-US" dirty="0"/>
-              <a:t>install the port security extension so that port security can be turned on/off per network/</a:t>
-            </a:r>
-            <a:r>
-              <a:rPr lang="en-US" dirty="0" err="1"/>
-              <a:t>por</a:t>
-            </a:r>
-            <a:endParaRPr lang="en-US" dirty="0"/>
-          </a:p>
-          <a:p>
-            <a:pPr marL="0" indent="0">
-              <a:buNone/>
-            </a:pPr>
-            <a:r>
-              <a:rPr lang="en-US" dirty="0"/>
-              <a:t># service chaining requires port security turned off</a:t>
-            </a:r>
-          </a:p>
-          <a:p>
-            <a:pPr marL="0" indent="0">
-              <a:buNone/>
-            </a:pPr>
-            <a:r>
-              <a:rPr lang="en-US" dirty="0" err="1"/>
-              <a:t>crudini</a:t>
-            </a:r>
-            <a:r>
-              <a:rPr lang="en-US" dirty="0"/>
-              <a:t> --set --list /</a:t>
-            </a:r>
-            <a:r>
-              <a:rPr lang="en-US" dirty="0" err="1"/>
-              <a:t>etc</a:t>
-            </a:r>
-            <a:r>
-              <a:rPr lang="en-US" dirty="0"/>
-              <a:t>/neutron/plugins/ml2/ml2_conf.ini ml2 </a:t>
-            </a:r>
-            <a:r>
-              <a:rPr lang="en-US" dirty="0" err="1"/>
-              <a:t>extension_drivers</a:t>
-            </a:r>
-            <a:r>
-              <a:rPr lang="en-US" dirty="0"/>
-              <a:t> </a:t>
-            </a:r>
-            <a:r>
-              <a:rPr lang="en-US" dirty="0" err="1"/>
-              <a:t>port_security</a:t>
-            </a:r>
-            <a:endParaRPr lang="en-US" dirty="0"/>
-          </a:p>
-          <a:p>
-            <a:pPr marL="0" indent="0">
-              <a:buNone/>
-            </a:pPr>
-            <a:endParaRPr lang="en-US" dirty="0"/>
-          </a:p>
-          <a:p>
-            <a:pPr marL="0" indent="0">
-              <a:buNone/>
-            </a:pPr>
-            <a:r>
-              <a:rPr lang="en-US" dirty="0" smtClean="0"/>
-              <a:t># </a:t>
-            </a:r>
-            <a:r>
-              <a:rPr lang="en-US" dirty="0"/>
-              <a:t>install and configure </a:t>
-            </a:r>
-            <a:r>
-              <a:rPr lang="en-US" dirty="0" err="1"/>
-              <a:t>networing-sfc</a:t>
-            </a:r>
-            <a:endParaRPr lang="en-US" dirty="0"/>
-          </a:p>
-          <a:p>
-            <a:pPr marL="0" indent="0">
-              <a:buNone/>
-            </a:pPr>
-            <a:r>
-              <a:rPr lang="en-US" dirty="0"/>
-              <a:t>yum install -y python-networking-</a:t>
-            </a:r>
-            <a:r>
-              <a:rPr lang="en-US" dirty="0" err="1"/>
-              <a:t>sfc</a:t>
-            </a:r>
-            <a:endParaRPr lang="en-US" dirty="0"/>
-          </a:p>
-          <a:p>
-            <a:pPr marL="0" indent="0">
-              <a:buNone/>
-            </a:pPr>
-            <a:endParaRPr lang="en-US" dirty="0"/>
-          </a:p>
-          <a:p>
-            <a:pPr marL="0" indent="0">
-              <a:buNone/>
-            </a:pPr>
-            <a:r>
-              <a:rPr lang="en-US" dirty="0"/>
-              <a:t># enable the service plugin (controller nodes)</a:t>
-            </a:r>
-          </a:p>
-          <a:p>
-            <a:pPr marL="0" indent="0">
-              <a:buNone/>
-            </a:pPr>
-            <a:r>
-              <a:rPr lang="en-US" dirty="0" err="1"/>
-              <a:t>crudini</a:t>
-            </a:r>
-            <a:r>
-              <a:rPr lang="en-US" dirty="0"/>
-              <a:t> --set --list /</a:t>
-            </a:r>
-            <a:r>
-              <a:rPr lang="en-US" dirty="0" err="1"/>
-              <a:t>etc</a:t>
-            </a:r>
-            <a:r>
-              <a:rPr lang="en-US" dirty="0"/>
-              <a:t>/neutron/</a:t>
-            </a:r>
-            <a:r>
-              <a:rPr lang="en-US" dirty="0" err="1"/>
-              <a:t>neutron.conf</a:t>
-            </a:r>
-            <a:r>
-              <a:rPr lang="en-US" dirty="0"/>
-              <a:t> DEFAULT </a:t>
-            </a:r>
-            <a:r>
-              <a:rPr lang="en-US" dirty="0" err="1"/>
-              <a:t>service_plugins</a:t>
-            </a:r>
-            <a:r>
-              <a:rPr lang="en-US" dirty="0"/>
-              <a:t> networking_sfc.services.flowclassifier.plugin.FlowClassifierPlugin</a:t>
-            </a:r>
-          </a:p>
-          <a:p>
-            <a:pPr marL="0" indent="0">
-              <a:buNone/>
-            </a:pPr>
-            <a:r>
-              <a:rPr lang="en-US" dirty="0" err="1"/>
-              <a:t>crudini</a:t>
-            </a:r>
-            <a:r>
-              <a:rPr lang="en-US" dirty="0"/>
-              <a:t> --set --list /</a:t>
-            </a:r>
-            <a:r>
-              <a:rPr lang="en-US" dirty="0" err="1"/>
-              <a:t>etc</a:t>
-            </a:r>
-            <a:r>
-              <a:rPr lang="en-US" dirty="0"/>
-              <a:t>/neutron/</a:t>
-            </a:r>
-            <a:r>
-              <a:rPr lang="en-US" dirty="0" err="1"/>
-              <a:t>neutron.conf</a:t>
-            </a:r>
-            <a:r>
-              <a:rPr lang="en-US" dirty="0"/>
-              <a:t> DEFAULT </a:t>
-            </a:r>
-            <a:r>
-              <a:rPr lang="en-US" dirty="0" err="1"/>
-              <a:t>service_plugins</a:t>
-            </a:r>
-            <a:r>
-              <a:rPr lang="en-US" dirty="0"/>
-              <a:t> </a:t>
-            </a:r>
-            <a:r>
-              <a:rPr lang="en-US" dirty="0" err="1" smtClean="0"/>
-              <a:t>networking_sfc.services.sfc.plugin.SfcPlugin</a:t>
-            </a:r>
-            <a:endParaRPr lang="en-US" dirty="0" smtClean="0"/>
-          </a:p>
-          <a:p>
-            <a:pPr marL="0" indent="0">
-              <a:buNone/>
-            </a:pPr>
-            <a:endParaRPr lang="en-US" dirty="0" smtClean="0"/>
-          </a:p>
-          <a:p>
-            <a:pPr marL="0" indent="0">
-              <a:buNone/>
-            </a:pPr>
-            <a:r>
-              <a:rPr lang="en-US" dirty="0"/>
-              <a:t># port security needs to be off for service chains</a:t>
-            </a:r>
-          </a:p>
-          <a:p>
-            <a:pPr marL="0" indent="0">
-              <a:buNone/>
-            </a:pPr>
-            <a:r>
-              <a:rPr lang="en-US" dirty="0" err="1"/>
-              <a:t>openstack</a:t>
-            </a:r>
-            <a:r>
-              <a:rPr lang="en-US" dirty="0"/>
-              <a:t> network set --disable-port-security $NETWORK_ID</a:t>
-            </a:r>
-            <a:endParaRPr lang="en-US" dirty="0" smtClean="0"/>
-          </a:p>
-          <a:p>
-            <a:pPr marL="0" indent="0">
-              <a:buNone/>
-            </a:pPr>
-            <a:endParaRPr lang="en-US" dirty="0"/>
-          </a:p>
-        </p:txBody>
-      </p:sp>
-    </p:spTree>
-    <p:extLst>
-      <p:ext uri="{BB962C8B-B14F-4D97-AF65-F5344CB8AC3E}">
-        <p14:creationId xmlns:p14="http://schemas.microsoft.com/office/powerpoint/2010/main" val="1194896522"/>
-      </p:ext>
-    </p:extLst>
-  </p:cSld>
-  <p:clrMapOvr>
-    <a:masterClrMapping/>
-  </p:clrMapOvr>
-</p:sld>
-</file>
-
-<file path=ppt/slides/slide18.xml><?xml version="1.0" encoding="utf-8"?>
-<p:sld xmlns:a="http://schemas.openxmlformats.org/drawingml/2006/main" xmlns:r="http://schemas.openxmlformats.org/officeDocument/2006/relationships" xmlns:p="http://schemas.openxmlformats.org/presentationml/2006/main">
-  <p:cSld>
-    <p:spTree>
-      <p:nvGrpSpPr>
-        <p:cNvPr id="1" name=""/>
-        <p:cNvGrpSpPr/>
-        <p:nvPr/>
-      </p:nvGrpSpPr>
-      <p:grpSpPr>
-        <a:xfrm>
-          <a:off x="0" y="0"/>
-          <a:ext cx="0" cy="0"/>
-          <a:chOff x="0" y="0"/>
-          <a:chExt cx="0" cy="0"/>
-        </a:xfrm>
-      </p:grpSpPr>
-      <p:sp>
-        <p:nvSpPr>
-          <p:cNvPr id="2" name="Title 1"/>
-          <p:cNvSpPr>
-            <a:spLocks noGrp="1"/>
-          </p:cNvSpPr>
-          <p:nvPr>
-            <p:ph type="title"/>
-          </p:nvPr>
-        </p:nvSpPr>
-        <p:spPr/>
-        <p:txBody>
-          <a:bodyPr/>
-          <a:lstStyle/>
-          <a:p>
-            <a:r>
-              <a:rPr lang="en-US" dirty="0" smtClean="0"/>
-              <a:t>Next steps…</a:t>
-            </a:r>
-            <a:endParaRPr lang="en-US" dirty="0"/>
-          </a:p>
-        </p:txBody>
-      </p:sp>
-      <p:sp>
-        <p:nvSpPr>
-          <p:cNvPr id="3" name="Content Placeholder 2"/>
-          <p:cNvSpPr>
-            <a:spLocks noGrp="1"/>
-          </p:cNvSpPr>
-          <p:nvPr>
-            <p:ph idx="1"/>
-          </p:nvPr>
-        </p:nvSpPr>
-        <p:spPr>
-          <a:xfrm>
-            <a:off x="1104293" y="1400985"/>
-            <a:ext cx="8946541" cy="4877048"/>
-          </a:xfrm>
-        </p:spPr>
-        <p:txBody>
-          <a:bodyPr>
-            <a:normAutofit/>
-          </a:bodyPr>
-          <a:lstStyle/>
-          <a:p>
-            <a:r>
-              <a:rPr lang="en-US" dirty="0" smtClean="0"/>
-              <a:t>Sophisticated chains</a:t>
-            </a:r>
-            <a:endParaRPr lang="en-US" dirty="0" smtClean="0"/>
-          </a:p>
-          <a:p>
-            <a:pPr lvl="1"/>
-            <a:r>
-              <a:rPr lang="en-US" dirty="0" smtClean="0"/>
-              <a:t>OWASP Top 10 – Web Apps</a:t>
-            </a:r>
-          </a:p>
-          <a:p>
-            <a:pPr lvl="1"/>
-            <a:r>
-              <a:rPr lang="en-US" dirty="0" smtClean="0"/>
-              <a:t>Database Security Service Chains</a:t>
-            </a:r>
-            <a:endParaRPr lang="en-US" dirty="0" smtClean="0"/>
-          </a:p>
-          <a:p>
-            <a:r>
-              <a:rPr lang="en-US" dirty="0" smtClean="0"/>
-              <a:t>networking-</a:t>
-            </a:r>
-            <a:r>
-              <a:rPr lang="en-US" dirty="0" err="1" smtClean="0"/>
-              <a:t>sfc</a:t>
-            </a:r>
-            <a:r>
-              <a:rPr lang="en-US" dirty="0" smtClean="0"/>
-              <a:t> plugin</a:t>
-            </a:r>
-          </a:p>
-          <a:p>
-            <a:pPr lvl="1"/>
-            <a:r>
-              <a:rPr lang="en-US" dirty="0" smtClean="0"/>
-              <a:t>Load </a:t>
-            </a:r>
-            <a:r>
-              <a:rPr lang="en-US" dirty="0" smtClean="0"/>
-              <a:t>Balancing Support (“Port-Pair-Group”)</a:t>
-            </a:r>
-          </a:p>
-          <a:p>
-            <a:pPr lvl="1"/>
-            <a:r>
-              <a:rPr lang="en-US" dirty="0" smtClean="0"/>
-              <a:t>Better flow classification </a:t>
-            </a:r>
-            <a:r>
-              <a:rPr lang="en-US" dirty="0" smtClean="0"/>
-              <a:t>filters</a:t>
-            </a:r>
-            <a:endParaRPr lang="en-US" dirty="0" smtClean="0"/>
-          </a:p>
-          <a:p>
-            <a:r>
-              <a:rPr lang="en-US" dirty="0" smtClean="0"/>
-              <a:t>Rest API Support</a:t>
-            </a:r>
-          </a:p>
-          <a:p>
-            <a:pPr lvl="1"/>
-            <a:r>
-              <a:rPr lang="en-US" dirty="0" smtClean="0"/>
-              <a:t>Move towards dynamic allocation of security controls at workload deployment</a:t>
-            </a:r>
-          </a:p>
-          <a:p>
-            <a:r>
-              <a:rPr lang="en-US" dirty="0" smtClean="0"/>
-              <a:t>NFV in Containers</a:t>
-            </a:r>
-          </a:p>
-          <a:p>
-            <a:pPr lvl="1"/>
-            <a:r>
-              <a:rPr lang="en-US" dirty="0" err="1" smtClean="0"/>
-              <a:t>Lighterweight</a:t>
-            </a:r>
-            <a:r>
-              <a:rPr lang="en-US" dirty="0" smtClean="0"/>
-              <a:t> </a:t>
-            </a:r>
-            <a:r>
-              <a:rPr lang="en-US" dirty="0" smtClean="0"/>
-              <a:t>security implementations</a:t>
-            </a:r>
-          </a:p>
-          <a:p>
-            <a:pPr lvl="1"/>
-            <a:r>
-              <a:rPr lang="en-US" dirty="0" smtClean="0"/>
-              <a:t>Ability to overlay </a:t>
-            </a:r>
-            <a:r>
-              <a:rPr lang="en-US" dirty="0" err="1" smtClean="0"/>
-              <a:t>configs</a:t>
-            </a:r>
-            <a:r>
-              <a:rPr lang="en-US" dirty="0" smtClean="0"/>
-              <a:t> on top of base containers</a:t>
-            </a:r>
-          </a:p>
-          <a:p>
-            <a:pPr lvl="1"/>
-            <a:endParaRPr lang="en-US" dirty="0" smtClean="0"/>
-          </a:p>
-          <a:p>
-            <a:pPr lvl="1"/>
-            <a:endParaRPr lang="en-US" dirty="0" smtClean="0"/>
-          </a:p>
-          <a:p>
-            <a:endParaRPr lang="en-US" dirty="0" smtClean="0"/>
-          </a:p>
-          <a:p>
-            <a:endParaRPr lang="en-US" dirty="0"/>
-          </a:p>
-        </p:txBody>
-      </p:sp>
-    </p:spTree>
-    <p:extLst>
-      <p:ext uri="{BB962C8B-B14F-4D97-AF65-F5344CB8AC3E}">
-        <p14:creationId xmlns:p14="http://schemas.microsoft.com/office/powerpoint/2010/main" val="3178257497"/>
-      </p:ext>
-    </p:extLst>
-  </p:cSld>
-  <p:clrMapOvr>
-    <a:masterClrMapping/>
-  </p:clrMapOvr>
-</p:sld>
-</file>
-
 <file path=ppt/slides/slide19.xml><?xml version="1.0" encoding="utf-8"?>
 <p:sld xmlns:a="http://schemas.openxmlformats.org/drawingml/2006/main" xmlns:r="http://schemas.openxmlformats.org/officeDocument/2006/relationships" xmlns:p="http://schemas.openxmlformats.org/presentationml/2006/main">
   <p:cSld>
@@ -22005,7 +22599,7 @@
           <a:p>
             <a:r>
               <a:rPr lang="en-US" dirty="0" smtClean="0"/>
-              <a:t>Thanks!</a:t>
+              <a:t>Lab 1 – My First Chain</a:t>
             </a:r>
             <a:endParaRPr lang="en-US" dirty="0"/>
           </a:p>
@@ -22013,27 +22607,373 @@
       </p:sp>
       <p:sp>
         <p:nvSpPr>
-          <p:cNvPr id="3" name="Content Placeholder 2"/>
-          <p:cNvSpPr>
-            <a:spLocks noGrp="1"/>
+          <p:cNvPr id="3" name="Content Placeholder 3"/>
+          <p:cNvSpPr txBox="1">
+            <a:spLocks/>
           </p:cNvSpPr>
-          <p:nvPr>
-            <p:ph idx="1"/>
-          </p:nvPr>
+          <p:nvPr/>
         </p:nvSpPr>
-        <p:spPr/>
+        <p:spPr>
+          <a:xfrm>
+            <a:off x="874644" y="1480457"/>
+            <a:ext cx="7966144" cy="3184414"/>
+          </a:xfrm>
+          <a:prstGeom prst="rect">
+            <a:avLst/>
+          </a:prstGeom>
+        </p:spPr>
         <p:txBody>
           <a:bodyPr/>
-          <a:lstStyle/>
-          <a:p>
-            <a:endParaRPr lang="en-US"/>
+          <a:lstStyle>
+            <a:lvl1pPr marL="342900" indent="-342900" algn="l" defTabSz="457200" rtl="0" eaLnBrk="1" latinLnBrk="0" hangingPunct="1">
+              <a:spcBef>
+                <a:spcPts val="1000"/>
+              </a:spcBef>
+              <a:spcAft>
+                <a:spcPts val="0"/>
+              </a:spcAft>
+              <a:buClr>
+                <a:schemeClr val="bg2">
+                  <a:lumMod val="40000"/>
+                  <a:lumOff val="60000"/>
+                </a:schemeClr>
+              </a:buClr>
+              <a:buSzPct val="80000"/>
+              <a:buFont typeface="Wingdings 3" charset="2"/>
+              <a:buChar char=""/>
+              <a:defRPr sz="2000" b="0" i="0" kern="1200">
+                <a:solidFill>
+                  <a:schemeClr val="tx1"/>
+                </a:solidFill>
+                <a:latin typeface="+mj-lt"/>
+                <a:ea typeface="+mj-ea"/>
+                <a:cs typeface="+mj-cs"/>
+              </a:defRPr>
+            </a:lvl1pPr>
+            <a:lvl2pPr marL="742950" indent="-285750" algn="l" defTabSz="457200" rtl="0" eaLnBrk="1" latinLnBrk="0" hangingPunct="1">
+              <a:spcBef>
+                <a:spcPts val="1000"/>
+              </a:spcBef>
+              <a:spcAft>
+                <a:spcPts val="0"/>
+              </a:spcAft>
+              <a:buClr>
+                <a:schemeClr val="bg2">
+                  <a:lumMod val="40000"/>
+                  <a:lumOff val="60000"/>
+                </a:schemeClr>
+              </a:buClr>
+              <a:buSzPct val="80000"/>
+              <a:buFont typeface="Wingdings 3" charset="2"/>
+              <a:buChar char=""/>
+              <a:defRPr sz="1800" b="0" i="0" kern="1200">
+                <a:solidFill>
+                  <a:schemeClr val="tx1"/>
+                </a:solidFill>
+                <a:latin typeface="+mj-lt"/>
+                <a:ea typeface="+mj-ea"/>
+                <a:cs typeface="+mj-cs"/>
+              </a:defRPr>
+            </a:lvl2pPr>
+            <a:lvl3pPr marL="1143000" indent="-228600" algn="l" defTabSz="457200" rtl="0" eaLnBrk="1" latinLnBrk="0" hangingPunct="1">
+              <a:spcBef>
+                <a:spcPts val="1000"/>
+              </a:spcBef>
+              <a:spcAft>
+                <a:spcPts val="0"/>
+              </a:spcAft>
+              <a:buClr>
+                <a:schemeClr val="bg2">
+                  <a:lumMod val="40000"/>
+                  <a:lumOff val="60000"/>
+                </a:schemeClr>
+              </a:buClr>
+              <a:buSzPct val="80000"/>
+              <a:buFont typeface="Wingdings 3" charset="2"/>
+              <a:buChar char=""/>
+              <a:defRPr sz="1600" b="0" i="0" kern="1200">
+                <a:solidFill>
+                  <a:schemeClr val="tx1"/>
+                </a:solidFill>
+                <a:latin typeface="+mj-lt"/>
+                <a:ea typeface="+mj-ea"/>
+                <a:cs typeface="+mj-cs"/>
+              </a:defRPr>
+            </a:lvl3pPr>
+            <a:lvl4pPr marL="1600200" indent="-228600" algn="l" defTabSz="457200" rtl="0" eaLnBrk="1" latinLnBrk="0" hangingPunct="1">
+              <a:spcBef>
+                <a:spcPts val="1000"/>
+              </a:spcBef>
+              <a:spcAft>
+                <a:spcPts val="0"/>
+              </a:spcAft>
+              <a:buClr>
+                <a:schemeClr val="bg2">
+                  <a:lumMod val="40000"/>
+                  <a:lumOff val="60000"/>
+                </a:schemeClr>
+              </a:buClr>
+              <a:buSzPct val="80000"/>
+              <a:buFont typeface="Wingdings 3" charset="2"/>
+              <a:buChar char=""/>
+              <a:defRPr sz="1400" b="0" i="0" kern="1200">
+                <a:solidFill>
+                  <a:schemeClr val="tx1"/>
+                </a:solidFill>
+                <a:latin typeface="+mj-lt"/>
+                <a:ea typeface="+mj-ea"/>
+                <a:cs typeface="+mj-cs"/>
+              </a:defRPr>
+            </a:lvl4pPr>
+            <a:lvl5pPr marL="2057400" indent="-228600" algn="l" defTabSz="457200" rtl="0" eaLnBrk="1" latinLnBrk="0" hangingPunct="1">
+              <a:spcBef>
+                <a:spcPts val="1000"/>
+              </a:spcBef>
+              <a:spcAft>
+                <a:spcPts val="0"/>
+              </a:spcAft>
+              <a:buClr>
+                <a:schemeClr val="bg2">
+                  <a:lumMod val="40000"/>
+                  <a:lumOff val="60000"/>
+                </a:schemeClr>
+              </a:buClr>
+              <a:buSzPct val="80000"/>
+              <a:buFont typeface="Wingdings 3" charset="2"/>
+              <a:buChar char=""/>
+              <a:defRPr sz="1400" b="0" i="0" kern="1200">
+                <a:solidFill>
+                  <a:schemeClr val="tx1"/>
+                </a:solidFill>
+                <a:latin typeface="+mj-lt"/>
+                <a:ea typeface="+mj-ea"/>
+                <a:cs typeface="+mj-cs"/>
+              </a:defRPr>
+            </a:lvl5pPr>
+            <a:lvl6pPr marL="2506000" indent="-228600" algn="l" defTabSz="457200" rtl="0" eaLnBrk="1" latinLnBrk="0" hangingPunct="1">
+              <a:spcBef>
+                <a:spcPts val="1000"/>
+              </a:spcBef>
+              <a:spcAft>
+                <a:spcPts val="0"/>
+              </a:spcAft>
+              <a:buClr>
+                <a:schemeClr val="bg2">
+                  <a:lumMod val="40000"/>
+                  <a:lumOff val="60000"/>
+                </a:schemeClr>
+              </a:buClr>
+              <a:buSzPct val="80000"/>
+              <a:buFont typeface="Wingdings 3" charset="2"/>
+              <a:buChar char=""/>
+              <a:defRPr sz="1400" b="0" i="0" kern="1200">
+                <a:solidFill>
+                  <a:schemeClr val="tx1"/>
+                </a:solidFill>
+                <a:latin typeface="+mj-lt"/>
+                <a:ea typeface="+mj-ea"/>
+                <a:cs typeface="+mj-cs"/>
+              </a:defRPr>
+            </a:lvl6pPr>
+            <a:lvl7pPr marL="2971800" indent="-228600" algn="l" defTabSz="457200" rtl="0" eaLnBrk="1" latinLnBrk="0" hangingPunct="1">
+              <a:spcBef>
+                <a:spcPts val="1000"/>
+              </a:spcBef>
+              <a:spcAft>
+                <a:spcPts val="0"/>
+              </a:spcAft>
+              <a:buClr>
+                <a:schemeClr val="bg2">
+                  <a:lumMod val="40000"/>
+                  <a:lumOff val="60000"/>
+                </a:schemeClr>
+              </a:buClr>
+              <a:buSzPct val="80000"/>
+              <a:buFont typeface="Wingdings 3" charset="2"/>
+              <a:buChar char=""/>
+              <a:defRPr sz="1400" b="0" i="0" kern="1200">
+                <a:solidFill>
+                  <a:schemeClr val="tx1"/>
+                </a:solidFill>
+                <a:latin typeface="+mj-lt"/>
+                <a:ea typeface="+mj-ea"/>
+                <a:cs typeface="+mj-cs"/>
+              </a:defRPr>
+            </a:lvl7pPr>
+            <a:lvl8pPr marL="3429000" indent="-228600" algn="l" defTabSz="457200" rtl="0" eaLnBrk="1" latinLnBrk="0" hangingPunct="1">
+              <a:spcBef>
+                <a:spcPts val="1000"/>
+              </a:spcBef>
+              <a:spcAft>
+                <a:spcPts val="0"/>
+              </a:spcAft>
+              <a:buClr>
+                <a:schemeClr val="bg2">
+                  <a:lumMod val="40000"/>
+                  <a:lumOff val="60000"/>
+                </a:schemeClr>
+              </a:buClr>
+              <a:buSzPct val="80000"/>
+              <a:buFont typeface="Wingdings 3" charset="2"/>
+              <a:buChar char=""/>
+              <a:defRPr sz="1400" b="0" i="0" kern="1200">
+                <a:solidFill>
+                  <a:schemeClr val="tx1"/>
+                </a:solidFill>
+                <a:latin typeface="+mj-lt"/>
+                <a:ea typeface="+mj-ea"/>
+                <a:cs typeface="+mj-cs"/>
+              </a:defRPr>
+            </a:lvl8pPr>
+            <a:lvl9pPr marL="3886200" indent="-228600" algn="l" defTabSz="457200" rtl="0" eaLnBrk="1" latinLnBrk="0" hangingPunct="1">
+              <a:spcBef>
+                <a:spcPts val="1000"/>
+              </a:spcBef>
+              <a:spcAft>
+                <a:spcPts val="0"/>
+              </a:spcAft>
+              <a:buClr>
+                <a:schemeClr val="bg2">
+                  <a:lumMod val="40000"/>
+                  <a:lumOff val="60000"/>
+                </a:schemeClr>
+              </a:buClr>
+              <a:buSzPct val="80000"/>
+              <a:buFont typeface="Wingdings 3" charset="2"/>
+              <a:buChar char=""/>
+              <a:defRPr sz="1400" b="0" i="0" kern="1200">
+                <a:solidFill>
+                  <a:schemeClr val="tx1"/>
+                </a:solidFill>
+                <a:latin typeface="+mj-lt"/>
+                <a:ea typeface="+mj-ea"/>
+                <a:cs typeface="+mj-cs"/>
+              </a:defRPr>
+            </a:lvl9pPr>
+          </a:lstStyle>
+          <a:p>
+            <a:r>
+              <a:rPr lang="en-US" sz="1400" dirty="0" smtClean="0"/>
+              <a:t>Goal:</a:t>
+            </a:r>
+          </a:p>
+          <a:p>
+            <a:pPr marL="285750" indent="-285750">
+              <a:buFont typeface="Arial" panose="020B0604020202020204" pitchFamily="34" charset="0"/>
+              <a:buChar char="•"/>
+            </a:pPr>
+            <a:r>
+              <a:rPr lang="en-US" sz="1400" dirty="0" smtClean="0"/>
+              <a:t>Monitoring traffic to “Web Server” virtual machine</a:t>
+            </a:r>
+          </a:p>
+          <a:p>
+            <a:pPr marL="285750" indent="-285750">
+              <a:buFont typeface="Arial" panose="020B0604020202020204" pitchFamily="34" charset="0"/>
+              <a:buChar char="•"/>
+            </a:pPr>
+            <a:r>
+              <a:rPr lang="en-US" sz="1400" dirty="0" smtClean="0"/>
+              <a:t>Deploy a basic service chain</a:t>
+            </a:r>
+          </a:p>
+          <a:p>
+            <a:pPr marL="285750" indent="-285750">
+              <a:buFont typeface="Arial" panose="020B0604020202020204" pitchFamily="34" charset="0"/>
+              <a:buChar char="•"/>
+            </a:pPr>
+            <a:r>
+              <a:rPr lang="en-US" sz="1400" dirty="0" smtClean="0"/>
+              <a:t>Configure </a:t>
+            </a:r>
+            <a:r>
+              <a:rPr lang="en-US" sz="1400" dirty="0" err="1" smtClean="0"/>
+              <a:t>NetMon</a:t>
+            </a:r>
+            <a:r>
+              <a:rPr lang="en-US" sz="1400" dirty="0" smtClean="0"/>
+              <a:t> with </a:t>
+            </a:r>
+            <a:r>
+              <a:rPr lang="en-US" sz="1400" dirty="0" err="1" smtClean="0"/>
+              <a:t>tcpdump</a:t>
+            </a:r>
+            <a:r>
+              <a:rPr lang="en-US" sz="1400" dirty="0" smtClean="0"/>
+              <a:t> to monitor traffic</a:t>
+            </a:r>
+          </a:p>
+          <a:p>
+            <a:pPr marL="285750" indent="-285750">
+              <a:buFont typeface="Arial" panose="020B0604020202020204" pitchFamily="34" charset="0"/>
+              <a:buChar char="•"/>
+            </a:pPr>
+            <a:r>
+              <a:rPr lang="en-US" sz="1400" dirty="0" smtClean="0"/>
+              <a:t>Configure </a:t>
+            </a:r>
+            <a:r>
+              <a:rPr lang="en-US" sz="1400" dirty="0" err="1" smtClean="0"/>
+              <a:t>NetMon</a:t>
+            </a:r>
+            <a:r>
+              <a:rPr lang="en-US" sz="1400" dirty="0" smtClean="0"/>
+              <a:t> with snort to monitor traffic</a:t>
+            </a:r>
+          </a:p>
+          <a:p>
+            <a:r>
+              <a:rPr lang="en-US" sz="1400" dirty="0" smtClean="0"/>
+              <a:t>Requirements:</a:t>
+            </a:r>
+          </a:p>
+          <a:p>
+            <a:pPr marL="285750" indent="-285750">
+              <a:buFont typeface="Arial" panose="020B0604020202020204" pitchFamily="34" charset="0"/>
+              <a:buChar char="•"/>
+            </a:pPr>
+            <a:r>
+              <a:rPr lang="en-US" sz="1400" dirty="0" smtClean="0"/>
+              <a:t>“Web Server” virtual machine</a:t>
+            </a:r>
+          </a:p>
+          <a:p>
+            <a:pPr marL="285750" indent="-285750">
+              <a:buFont typeface="Arial" panose="020B0604020202020204" pitchFamily="34" charset="0"/>
+              <a:buChar char="•"/>
+            </a:pPr>
+            <a:r>
+              <a:rPr lang="en-US" sz="1400" dirty="0" smtClean="0"/>
+              <a:t>“</a:t>
+            </a:r>
+            <a:r>
+              <a:rPr lang="en-US" sz="1400" dirty="0" err="1" smtClean="0"/>
+              <a:t>NetMon</a:t>
+            </a:r>
+            <a:r>
+              <a:rPr lang="en-US" sz="1400" dirty="0" smtClean="0"/>
+              <a:t>” virtual machine</a:t>
+            </a:r>
+          </a:p>
+          <a:p>
+            <a:r>
+              <a:rPr lang="en-US" sz="1400" dirty="0" smtClean="0"/>
+              <a:t>https://github.com/OpenStackSanDiego/SecurityServiceChains/blob/master/Lab1.md</a:t>
+            </a:r>
+          </a:p>
+          <a:p>
+            <a:pPr marL="400050" lvl="1"/>
+            <a:endParaRPr lang="en-US" sz="600" dirty="0" smtClean="0"/>
+          </a:p>
+          <a:p>
+            <a:endParaRPr lang="en-US" sz="1400" dirty="0" smtClean="0"/>
           </a:p>
         </p:txBody>
       </p:sp>
     </p:spTree>
     <p:extLst>
       <p:ext uri="{BB962C8B-B14F-4D97-AF65-F5344CB8AC3E}">
-        <p14:creationId xmlns:p14="http://schemas.microsoft.com/office/powerpoint/2010/main" val="854742897"/>
+        <p14:creationId xmlns:p14="http://schemas.microsoft.com/office/powerpoint/2010/main" val="1899147404"/>
       </p:ext>
     </p:extLst>
   </p:cSld>
@@ -22207,6 +23147,1747 @@
       </p:par>
     </p:tnLst>
   </p:timing>
+</p:sld>
+</file>
+
+<file path=ppt/slides/slide20.xml><?xml version="1.0" encoding="utf-8"?>
+<p:sld xmlns:a="http://schemas.openxmlformats.org/drawingml/2006/main" xmlns:r="http://schemas.openxmlformats.org/officeDocument/2006/relationships" xmlns:p="http://schemas.openxmlformats.org/presentationml/2006/main">
+  <p:cSld>
+    <p:spTree>
+      <p:nvGrpSpPr>
+        <p:cNvPr id="1" name=""/>
+        <p:cNvGrpSpPr/>
+        <p:nvPr/>
+      </p:nvGrpSpPr>
+      <p:grpSpPr>
+        <a:xfrm>
+          <a:off x="0" y="0"/>
+          <a:ext cx="0" cy="0"/>
+          <a:chOff x="0" y="0"/>
+          <a:chExt cx="0" cy="0"/>
+        </a:xfrm>
+      </p:grpSpPr>
+      <p:sp>
+        <p:nvSpPr>
+          <p:cNvPr id="2" name="Title 1"/>
+          <p:cNvSpPr>
+            <a:spLocks noGrp="1"/>
+          </p:cNvSpPr>
+          <p:nvPr>
+            <p:ph type="title"/>
+          </p:nvPr>
+        </p:nvSpPr>
+        <p:spPr/>
+        <p:txBody>
+          <a:bodyPr/>
+          <a:lstStyle/>
+          <a:p>
+            <a:r>
+              <a:rPr lang="en-US" dirty="0" smtClean="0"/>
+              <a:t>Lab 2 – It Gets Complicated</a:t>
+            </a:r>
+            <a:endParaRPr lang="en-US" dirty="0"/>
+          </a:p>
+        </p:txBody>
+      </p:sp>
+      <p:sp>
+        <p:nvSpPr>
+          <p:cNvPr id="4" name="Content Placeholder 3"/>
+          <p:cNvSpPr txBox="1">
+            <a:spLocks/>
+          </p:cNvSpPr>
+          <p:nvPr/>
+        </p:nvSpPr>
+        <p:spPr>
+          <a:xfrm>
+            <a:off x="874644" y="1480457"/>
+            <a:ext cx="7966144" cy="3184414"/>
+          </a:xfrm>
+          <a:prstGeom prst="rect">
+            <a:avLst/>
+          </a:prstGeom>
+        </p:spPr>
+        <p:txBody>
+          <a:bodyPr/>
+          <a:lstStyle>
+            <a:lvl1pPr marL="342900" indent="-342900" algn="l" defTabSz="457200" rtl="0" eaLnBrk="1" latinLnBrk="0" hangingPunct="1">
+              <a:spcBef>
+                <a:spcPts val="1000"/>
+              </a:spcBef>
+              <a:spcAft>
+                <a:spcPts val="0"/>
+              </a:spcAft>
+              <a:buClr>
+                <a:schemeClr val="bg2">
+                  <a:lumMod val="40000"/>
+                  <a:lumOff val="60000"/>
+                </a:schemeClr>
+              </a:buClr>
+              <a:buSzPct val="80000"/>
+              <a:buFont typeface="Wingdings 3" charset="2"/>
+              <a:buChar char=""/>
+              <a:defRPr sz="2000" b="0" i="0" kern="1200">
+                <a:solidFill>
+                  <a:schemeClr val="tx1"/>
+                </a:solidFill>
+                <a:latin typeface="+mj-lt"/>
+                <a:ea typeface="+mj-ea"/>
+                <a:cs typeface="+mj-cs"/>
+              </a:defRPr>
+            </a:lvl1pPr>
+            <a:lvl2pPr marL="742950" indent="-285750" algn="l" defTabSz="457200" rtl="0" eaLnBrk="1" latinLnBrk="0" hangingPunct="1">
+              <a:spcBef>
+                <a:spcPts val="1000"/>
+              </a:spcBef>
+              <a:spcAft>
+                <a:spcPts val="0"/>
+              </a:spcAft>
+              <a:buClr>
+                <a:schemeClr val="bg2">
+                  <a:lumMod val="40000"/>
+                  <a:lumOff val="60000"/>
+                </a:schemeClr>
+              </a:buClr>
+              <a:buSzPct val="80000"/>
+              <a:buFont typeface="Wingdings 3" charset="2"/>
+              <a:buChar char=""/>
+              <a:defRPr sz="1800" b="0" i="0" kern="1200">
+                <a:solidFill>
+                  <a:schemeClr val="tx1"/>
+                </a:solidFill>
+                <a:latin typeface="+mj-lt"/>
+                <a:ea typeface="+mj-ea"/>
+                <a:cs typeface="+mj-cs"/>
+              </a:defRPr>
+            </a:lvl2pPr>
+            <a:lvl3pPr marL="1143000" indent="-228600" algn="l" defTabSz="457200" rtl="0" eaLnBrk="1" latinLnBrk="0" hangingPunct="1">
+              <a:spcBef>
+                <a:spcPts val="1000"/>
+              </a:spcBef>
+              <a:spcAft>
+                <a:spcPts val="0"/>
+              </a:spcAft>
+              <a:buClr>
+                <a:schemeClr val="bg2">
+                  <a:lumMod val="40000"/>
+                  <a:lumOff val="60000"/>
+                </a:schemeClr>
+              </a:buClr>
+              <a:buSzPct val="80000"/>
+              <a:buFont typeface="Wingdings 3" charset="2"/>
+              <a:buChar char=""/>
+              <a:defRPr sz="1600" b="0" i="0" kern="1200">
+                <a:solidFill>
+                  <a:schemeClr val="tx1"/>
+                </a:solidFill>
+                <a:latin typeface="+mj-lt"/>
+                <a:ea typeface="+mj-ea"/>
+                <a:cs typeface="+mj-cs"/>
+              </a:defRPr>
+            </a:lvl3pPr>
+            <a:lvl4pPr marL="1600200" indent="-228600" algn="l" defTabSz="457200" rtl="0" eaLnBrk="1" latinLnBrk="0" hangingPunct="1">
+              <a:spcBef>
+                <a:spcPts val="1000"/>
+              </a:spcBef>
+              <a:spcAft>
+                <a:spcPts val="0"/>
+              </a:spcAft>
+              <a:buClr>
+                <a:schemeClr val="bg2">
+                  <a:lumMod val="40000"/>
+                  <a:lumOff val="60000"/>
+                </a:schemeClr>
+              </a:buClr>
+              <a:buSzPct val="80000"/>
+              <a:buFont typeface="Wingdings 3" charset="2"/>
+              <a:buChar char=""/>
+              <a:defRPr sz="1400" b="0" i="0" kern="1200">
+                <a:solidFill>
+                  <a:schemeClr val="tx1"/>
+                </a:solidFill>
+                <a:latin typeface="+mj-lt"/>
+                <a:ea typeface="+mj-ea"/>
+                <a:cs typeface="+mj-cs"/>
+              </a:defRPr>
+            </a:lvl4pPr>
+            <a:lvl5pPr marL="2057400" indent="-228600" algn="l" defTabSz="457200" rtl="0" eaLnBrk="1" latinLnBrk="0" hangingPunct="1">
+              <a:spcBef>
+                <a:spcPts val="1000"/>
+              </a:spcBef>
+              <a:spcAft>
+                <a:spcPts val="0"/>
+              </a:spcAft>
+              <a:buClr>
+                <a:schemeClr val="bg2">
+                  <a:lumMod val="40000"/>
+                  <a:lumOff val="60000"/>
+                </a:schemeClr>
+              </a:buClr>
+              <a:buSzPct val="80000"/>
+              <a:buFont typeface="Wingdings 3" charset="2"/>
+              <a:buChar char=""/>
+              <a:defRPr sz="1400" b="0" i="0" kern="1200">
+                <a:solidFill>
+                  <a:schemeClr val="tx1"/>
+                </a:solidFill>
+                <a:latin typeface="+mj-lt"/>
+                <a:ea typeface="+mj-ea"/>
+                <a:cs typeface="+mj-cs"/>
+              </a:defRPr>
+            </a:lvl5pPr>
+            <a:lvl6pPr marL="2506000" indent="-228600" algn="l" defTabSz="457200" rtl="0" eaLnBrk="1" latinLnBrk="0" hangingPunct="1">
+              <a:spcBef>
+                <a:spcPts val="1000"/>
+              </a:spcBef>
+              <a:spcAft>
+                <a:spcPts val="0"/>
+              </a:spcAft>
+              <a:buClr>
+                <a:schemeClr val="bg2">
+                  <a:lumMod val="40000"/>
+                  <a:lumOff val="60000"/>
+                </a:schemeClr>
+              </a:buClr>
+              <a:buSzPct val="80000"/>
+              <a:buFont typeface="Wingdings 3" charset="2"/>
+              <a:buChar char=""/>
+              <a:defRPr sz="1400" b="0" i="0" kern="1200">
+                <a:solidFill>
+                  <a:schemeClr val="tx1"/>
+                </a:solidFill>
+                <a:latin typeface="+mj-lt"/>
+                <a:ea typeface="+mj-ea"/>
+                <a:cs typeface="+mj-cs"/>
+              </a:defRPr>
+            </a:lvl6pPr>
+            <a:lvl7pPr marL="2971800" indent="-228600" algn="l" defTabSz="457200" rtl="0" eaLnBrk="1" latinLnBrk="0" hangingPunct="1">
+              <a:spcBef>
+                <a:spcPts val="1000"/>
+              </a:spcBef>
+              <a:spcAft>
+                <a:spcPts val="0"/>
+              </a:spcAft>
+              <a:buClr>
+                <a:schemeClr val="bg2">
+                  <a:lumMod val="40000"/>
+                  <a:lumOff val="60000"/>
+                </a:schemeClr>
+              </a:buClr>
+              <a:buSzPct val="80000"/>
+              <a:buFont typeface="Wingdings 3" charset="2"/>
+              <a:buChar char=""/>
+              <a:defRPr sz="1400" b="0" i="0" kern="1200">
+                <a:solidFill>
+                  <a:schemeClr val="tx1"/>
+                </a:solidFill>
+                <a:latin typeface="+mj-lt"/>
+                <a:ea typeface="+mj-ea"/>
+                <a:cs typeface="+mj-cs"/>
+              </a:defRPr>
+            </a:lvl7pPr>
+            <a:lvl8pPr marL="3429000" indent="-228600" algn="l" defTabSz="457200" rtl="0" eaLnBrk="1" latinLnBrk="0" hangingPunct="1">
+              <a:spcBef>
+                <a:spcPts val="1000"/>
+              </a:spcBef>
+              <a:spcAft>
+                <a:spcPts val="0"/>
+              </a:spcAft>
+              <a:buClr>
+                <a:schemeClr val="bg2">
+                  <a:lumMod val="40000"/>
+                  <a:lumOff val="60000"/>
+                </a:schemeClr>
+              </a:buClr>
+              <a:buSzPct val="80000"/>
+              <a:buFont typeface="Wingdings 3" charset="2"/>
+              <a:buChar char=""/>
+              <a:defRPr sz="1400" b="0" i="0" kern="1200">
+                <a:solidFill>
+                  <a:schemeClr val="tx1"/>
+                </a:solidFill>
+                <a:latin typeface="+mj-lt"/>
+                <a:ea typeface="+mj-ea"/>
+                <a:cs typeface="+mj-cs"/>
+              </a:defRPr>
+            </a:lvl8pPr>
+            <a:lvl9pPr marL="3886200" indent="-228600" algn="l" defTabSz="457200" rtl="0" eaLnBrk="1" latinLnBrk="0" hangingPunct="1">
+              <a:spcBef>
+                <a:spcPts val="1000"/>
+              </a:spcBef>
+              <a:spcAft>
+                <a:spcPts val="0"/>
+              </a:spcAft>
+              <a:buClr>
+                <a:schemeClr val="bg2">
+                  <a:lumMod val="40000"/>
+                  <a:lumOff val="60000"/>
+                </a:schemeClr>
+              </a:buClr>
+              <a:buSzPct val="80000"/>
+              <a:buFont typeface="Wingdings 3" charset="2"/>
+              <a:buChar char=""/>
+              <a:defRPr sz="1400" b="0" i="0" kern="1200">
+                <a:solidFill>
+                  <a:schemeClr val="tx1"/>
+                </a:solidFill>
+                <a:latin typeface="+mj-lt"/>
+                <a:ea typeface="+mj-ea"/>
+                <a:cs typeface="+mj-cs"/>
+              </a:defRPr>
+            </a:lvl9pPr>
+          </a:lstStyle>
+          <a:p>
+            <a:r>
+              <a:rPr lang="en-US" sz="1400" smtClean="0"/>
+              <a:t>Goal:</a:t>
+            </a:r>
+          </a:p>
+          <a:p>
+            <a:pPr marL="285750" indent="-285750">
+              <a:buFont typeface="Arial" panose="020B0604020202020204" pitchFamily="34" charset="0"/>
+              <a:buChar char="•"/>
+            </a:pPr>
+            <a:r>
+              <a:rPr lang="en-US" sz="1400" smtClean="0"/>
+              <a:t>Monitoring and block traffic to “Web Server” virtual machine</a:t>
+            </a:r>
+          </a:p>
+          <a:p>
+            <a:pPr marL="285750" indent="-285750">
+              <a:buFont typeface="Arial" panose="020B0604020202020204" pitchFamily="34" charset="0"/>
+              <a:buChar char="•"/>
+            </a:pPr>
+            <a:r>
+              <a:rPr lang="en-US" sz="1400" smtClean="0"/>
+              <a:t>Deploy a service chain with two functions (tcpdump and snort)</a:t>
+            </a:r>
+          </a:p>
+          <a:p>
+            <a:pPr marL="285750" indent="-285750">
+              <a:buFont typeface="Arial" panose="020B0604020202020204" pitchFamily="34" charset="0"/>
+              <a:buChar char="•"/>
+            </a:pPr>
+            <a:r>
+              <a:rPr lang="en-US" sz="1400" smtClean="0"/>
+              <a:t>Configure one NetMon instance with tcpdump to monitor traffic</a:t>
+            </a:r>
+          </a:p>
+          <a:p>
+            <a:pPr marL="285750" indent="-285750">
+              <a:buFont typeface="Arial" panose="020B0604020202020204" pitchFamily="34" charset="0"/>
+              <a:buChar char="•"/>
+            </a:pPr>
+            <a:r>
+              <a:rPr lang="en-US" sz="1400" smtClean="0"/>
+              <a:t>Configure second NetMon instance with snort to block traffic</a:t>
+            </a:r>
+          </a:p>
+          <a:p>
+            <a:r>
+              <a:rPr lang="en-US" sz="1400" smtClean="0"/>
+              <a:t>Requirements:</a:t>
+            </a:r>
+          </a:p>
+          <a:p>
+            <a:pPr marL="285750" indent="-285750">
+              <a:buFont typeface="Arial" panose="020B0604020202020204" pitchFamily="34" charset="0"/>
+              <a:buChar char="•"/>
+            </a:pPr>
+            <a:r>
+              <a:rPr lang="en-US" sz="1400" smtClean="0"/>
+              <a:t>“Web Server” virtual machine</a:t>
+            </a:r>
+          </a:p>
+          <a:p>
+            <a:pPr marL="285750" indent="-285750">
+              <a:buFont typeface="Arial" panose="020B0604020202020204" pitchFamily="34" charset="0"/>
+              <a:buChar char="•"/>
+            </a:pPr>
+            <a:r>
+              <a:rPr lang="en-US" sz="1400" smtClean="0"/>
+              <a:t>“NetMon” virtual machine</a:t>
+            </a:r>
+          </a:p>
+          <a:p>
+            <a:r>
+              <a:rPr lang="en-US" sz="1400" smtClean="0"/>
+              <a:t>https://github.com/OpenStackSanDiego/SecurityServiceChains/blob/master/Lab2.md</a:t>
+            </a:r>
+          </a:p>
+          <a:p>
+            <a:endParaRPr lang="en-US" sz="1400" dirty="0" smtClean="0"/>
+          </a:p>
+        </p:txBody>
+      </p:sp>
+    </p:spTree>
+    <p:extLst>
+      <p:ext uri="{BB962C8B-B14F-4D97-AF65-F5344CB8AC3E}">
+        <p14:creationId xmlns:p14="http://schemas.microsoft.com/office/powerpoint/2010/main" val="2195177251"/>
+      </p:ext>
+    </p:extLst>
+  </p:cSld>
+  <p:clrMapOvr>
+    <a:masterClrMapping/>
+  </p:clrMapOvr>
+</p:sld>
+</file>
+
+<file path=ppt/slides/slide21.xml><?xml version="1.0" encoding="utf-8"?>
+<p:sld xmlns:a="http://schemas.openxmlformats.org/drawingml/2006/main" xmlns:r="http://schemas.openxmlformats.org/officeDocument/2006/relationships" xmlns:p="http://schemas.openxmlformats.org/presentationml/2006/main">
+  <p:cSld>
+    <p:spTree>
+      <p:nvGrpSpPr>
+        <p:cNvPr id="1" name=""/>
+        <p:cNvGrpSpPr/>
+        <p:nvPr/>
+      </p:nvGrpSpPr>
+      <p:grpSpPr>
+        <a:xfrm>
+          <a:off x="0" y="0"/>
+          <a:ext cx="0" cy="0"/>
+          <a:chOff x="0" y="0"/>
+          <a:chExt cx="0" cy="0"/>
+        </a:xfrm>
+      </p:grpSpPr>
+      <p:sp>
+        <p:nvSpPr>
+          <p:cNvPr id="2" name="Title 1"/>
+          <p:cNvSpPr>
+            <a:spLocks noGrp="1"/>
+          </p:cNvSpPr>
+          <p:nvPr>
+            <p:ph type="title"/>
+          </p:nvPr>
+        </p:nvSpPr>
+        <p:spPr/>
+        <p:txBody>
+          <a:bodyPr/>
+          <a:lstStyle/>
+          <a:p>
+            <a:r>
+              <a:rPr lang="en-US" dirty="0" smtClean="0"/>
+              <a:t>Lab 3 – Malicious </a:t>
+            </a:r>
+            <a:r>
+              <a:rPr lang="en-US" dirty="0" err="1" smtClean="0"/>
+              <a:t>IoT</a:t>
+            </a:r>
+            <a:endParaRPr lang="en-US" dirty="0"/>
+          </a:p>
+        </p:txBody>
+      </p:sp>
+      <p:sp>
+        <p:nvSpPr>
+          <p:cNvPr id="5" name="Content Placeholder 3"/>
+          <p:cNvSpPr txBox="1">
+            <a:spLocks/>
+          </p:cNvSpPr>
+          <p:nvPr/>
+        </p:nvSpPr>
+        <p:spPr>
+          <a:xfrm>
+            <a:off x="874644" y="1480457"/>
+            <a:ext cx="7966144" cy="3184414"/>
+          </a:xfrm>
+          <a:prstGeom prst="rect">
+            <a:avLst/>
+          </a:prstGeom>
+        </p:spPr>
+        <p:txBody>
+          <a:bodyPr/>
+          <a:lstStyle>
+            <a:lvl1pPr marL="342900" indent="-342900" algn="l" defTabSz="457200" rtl="0" eaLnBrk="1" latinLnBrk="0" hangingPunct="1">
+              <a:spcBef>
+                <a:spcPts val="1000"/>
+              </a:spcBef>
+              <a:spcAft>
+                <a:spcPts val="0"/>
+              </a:spcAft>
+              <a:buClr>
+                <a:schemeClr val="bg2">
+                  <a:lumMod val="40000"/>
+                  <a:lumOff val="60000"/>
+                </a:schemeClr>
+              </a:buClr>
+              <a:buSzPct val="80000"/>
+              <a:buFont typeface="Wingdings 3" charset="2"/>
+              <a:buChar char=""/>
+              <a:defRPr sz="2000" b="0" i="0" kern="1200">
+                <a:solidFill>
+                  <a:schemeClr val="tx1"/>
+                </a:solidFill>
+                <a:latin typeface="+mj-lt"/>
+                <a:ea typeface="+mj-ea"/>
+                <a:cs typeface="+mj-cs"/>
+              </a:defRPr>
+            </a:lvl1pPr>
+            <a:lvl2pPr marL="742950" indent="-285750" algn="l" defTabSz="457200" rtl="0" eaLnBrk="1" latinLnBrk="0" hangingPunct="1">
+              <a:spcBef>
+                <a:spcPts val="1000"/>
+              </a:spcBef>
+              <a:spcAft>
+                <a:spcPts val="0"/>
+              </a:spcAft>
+              <a:buClr>
+                <a:schemeClr val="bg2">
+                  <a:lumMod val="40000"/>
+                  <a:lumOff val="60000"/>
+                </a:schemeClr>
+              </a:buClr>
+              <a:buSzPct val="80000"/>
+              <a:buFont typeface="Wingdings 3" charset="2"/>
+              <a:buChar char=""/>
+              <a:defRPr sz="1800" b="0" i="0" kern="1200">
+                <a:solidFill>
+                  <a:schemeClr val="tx1"/>
+                </a:solidFill>
+                <a:latin typeface="+mj-lt"/>
+                <a:ea typeface="+mj-ea"/>
+                <a:cs typeface="+mj-cs"/>
+              </a:defRPr>
+            </a:lvl2pPr>
+            <a:lvl3pPr marL="1143000" indent="-228600" algn="l" defTabSz="457200" rtl="0" eaLnBrk="1" latinLnBrk="0" hangingPunct="1">
+              <a:spcBef>
+                <a:spcPts val="1000"/>
+              </a:spcBef>
+              <a:spcAft>
+                <a:spcPts val="0"/>
+              </a:spcAft>
+              <a:buClr>
+                <a:schemeClr val="bg2">
+                  <a:lumMod val="40000"/>
+                  <a:lumOff val="60000"/>
+                </a:schemeClr>
+              </a:buClr>
+              <a:buSzPct val="80000"/>
+              <a:buFont typeface="Wingdings 3" charset="2"/>
+              <a:buChar char=""/>
+              <a:defRPr sz="1600" b="0" i="0" kern="1200">
+                <a:solidFill>
+                  <a:schemeClr val="tx1"/>
+                </a:solidFill>
+                <a:latin typeface="+mj-lt"/>
+                <a:ea typeface="+mj-ea"/>
+                <a:cs typeface="+mj-cs"/>
+              </a:defRPr>
+            </a:lvl3pPr>
+            <a:lvl4pPr marL="1600200" indent="-228600" algn="l" defTabSz="457200" rtl="0" eaLnBrk="1" latinLnBrk="0" hangingPunct="1">
+              <a:spcBef>
+                <a:spcPts val="1000"/>
+              </a:spcBef>
+              <a:spcAft>
+                <a:spcPts val="0"/>
+              </a:spcAft>
+              <a:buClr>
+                <a:schemeClr val="bg2">
+                  <a:lumMod val="40000"/>
+                  <a:lumOff val="60000"/>
+                </a:schemeClr>
+              </a:buClr>
+              <a:buSzPct val="80000"/>
+              <a:buFont typeface="Wingdings 3" charset="2"/>
+              <a:buChar char=""/>
+              <a:defRPr sz="1400" b="0" i="0" kern="1200">
+                <a:solidFill>
+                  <a:schemeClr val="tx1"/>
+                </a:solidFill>
+                <a:latin typeface="+mj-lt"/>
+                <a:ea typeface="+mj-ea"/>
+                <a:cs typeface="+mj-cs"/>
+              </a:defRPr>
+            </a:lvl4pPr>
+            <a:lvl5pPr marL="2057400" indent="-228600" algn="l" defTabSz="457200" rtl="0" eaLnBrk="1" latinLnBrk="0" hangingPunct="1">
+              <a:spcBef>
+                <a:spcPts val="1000"/>
+              </a:spcBef>
+              <a:spcAft>
+                <a:spcPts val="0"/>
+              </a:spcAft>
+              <a:buClr>
+                <a:schemeClr val="bg2">
+                  <a:lumMod val="40000"/>
+                  <a:lumOff val="60000"/>
+                </a:schemeClr>
+              </a:buClr>
+              <a:buSzPct val="80000"/>
+              <a:buFont typeface="Wingdings 3" charset="2"/>
+              <a:buChar char=""/>
+              <a:defRPr sz="1400" b="0" i="0" kern="1200">
+                <a:solidFill>
+                  <a:schemeClr val="tx1"/>
+                </a:solidFill>
+                <a:latin typeface="+mj-lt"/>
+                <a:ea typeface="+mj-ea"/>
+                <a:cs typeface="+mj-cs"/>
+              </a:defRPr>
+            </a:lvl5pPr>
+            <a:lvl6pPr marL="2506000" indent="-228600" algn="l" defTabSz="457200" rtl="0" eaLnBrk="1" latinLnBrk="0" hangingPunct="1">
+              <a:spcBef>
+                <a:spcPts val="1000"/>
+              </a:spcBef>
+              <a:spcAft>
+                <a:spcPts val="0"/>
+              </a:spcAft>
+              <a:buClr>
+                <a:schemeClr val="bg2">
+                  <a:lumMod val="40000"/>
+                  <a:lumOff val="60000"/>
+                </a:schemeClr>
+              </a:buClr>
+              <a:buSzPct val="80000"/>
+              <a:buFont typeface="Wingdings 3" charset="2"/>
+              <a:buChar char=""/>
+              <a:defRPr sz="1400" b="0" i="0" kern="1200">
+                <a:solidFill>
+                  <a:schemeClr val="tx1"/>
+                </a:solidFill>
+                <a:latin typeface="+mj-lt"/>
+                <a:ea typeface="+mj-ea"/>
+                <a:cs typeface="+mj-cs"/>
+              </a:defRPr>
+            </a:lvl6pPr>
+            <a:lvl7pPr marL="2971800" indent="-228600" algn="l" defTabSz="457200" rtl="0" eaLnBrk="1" latinLnBrk="0" hangingPunct="1">
+              <a:spcBef>
+                <a:spcPts val="1000"/>
+              </a:spcBef>
+              <a:spcAft>
+                <a:spcPts val="0"/>
+              </a:spcAft>
+              <a:buClr>
+                <a:schemeClr val="bg2">
+                  <a:lumMod val="40000"/>
+                  <a:lumOff val="60000"/>
+                </a:schemeClr>
+              </a:buClr>
+              <a:buSzPct val="80000"/>
+              <a:buFont typeface="Wingdings 3" charset="2"/>
+              <a:buChar char=""/>
+              <a:defRPr sz="1400" b="0" i="0" kern="1200">
+                <a:solidFill>
+                  <a:schemeClr val="tx1"/>
+                </a:solidFill>
+                <a:latin typeface="+mj-lt"/>
+                <a:ea typeface="+mj-ea"/>
+                <a:cs typeface="+mj-cs"/>
+              </a:defRPr>
+            </a:lvl7pPr>
+            <a:lvl8pPr marL="3429000" indent="-228600" algn="l" defTabSz="457200" rtl="0" eaLnBrk="1" latinLnBrk="0" hangingPunct="1">
+              <a:spcBef>
+                <a:spcPts val="1000"/>
+              </a:spcBef>
+              <a:spcAft>
+                <a:spcPts val="0"/>
+              </a:spcAft>
+              <a:buClr>
+                <a:schemeClr val="bg2">
+                  <a:lumMod val="40000"/>
+                  <a:lumOff val="60000"/>
+                </a:schemeClr>
+              </a:buClr>
+              <a:buSzPct val="80000"/>
+              <a:buFont typeface="Wingdings 3" charset="2"/>
+              <a:buChar char=""/>
+              <a:defRPr sz="1400" b="0" i="0" kern="1200">
+                <a:solidFill>
+                  <a:schemeClr val="tx1"/>
+                </a:solidFill>
+                <a:latin typeface="+mj-lt"/>
+                <a:ea typeface="+mj-ea"/>
+                <a:cs typeface="+mj-cs"/>
+              </a:defRPr>
+            </a:lvl8pPr>
+            <a:lvl9pPr marL="3886200" indent="-228600" algn="l" defTabSz="457200" rtl="0" eaLnBrk="1" latinLnBrk="0" hangingPunct="1">
+              <a:spcBef>
+                <a:spcPts val="1000"/>
+              </a:spcBef>
+              <a:spcAft>
+                <a:spcPts val="0"/>
+              </a:spcAft>
+              <a:buClr>
+                <a:schemeClr val="bg2">
+                  <a:lumMod val="40000"/>
+                  <a:lumOff val="60000"/>
+                </a:schemeClr>
+              </a:buClr>
+              <a:buSzPct val="80000"/>
+              <a:buFont typeface="Wingdings 3" charset="2"/>
+              <a:buChar char=""/>
+              <a:defRPr sz="1400" b="0" i="0" kern="1200">
+                <a:solidFill>
+                  <a:schemeClr val="tx1"/>
+                </a:solidFill>
+                <a:latin typeface="+mj-lt"/>
+                <a:ea typeface="+mj-ea"/>
+                <a:cs typeface="+mj-cs"/>
+              </a:defRPr>
+            </a:lvl9pPr>
+          </a:lstStyle>
+          <a:p>
+            <a:r>
+              <a:rPr lang="en-US" sz="1400" smtClean="0"/>
+              <a:t>Goal:</a:t>
+            </a:r>
+          </a:p>
+          <a:p>
+            <a:pPr marL="285750" indent="-285750">
+              <a:buFont typeface="Arial" panose="020B0604020202020204" pitchFamily="34" charset="0"/>
+              <a:buChar char="•"/>
+            </a:pPr>
+            <a:r>
+              <a:rPr lang="en-US" sz="1400" smtClean="0"/>
+              <a:t>Deploy service chain to monitoring traffic from black box devices</a:t>
+            </a:r>
+          </a:p>
+          <a:p>
+            <a:pPr marL="285750" indent="-285750">
+              <a:buFont typeface="Arial" panose="020B0604020202020204" pitchFamily="34" charset="0"/>
+              <a:buChar char="•"/>
+            </a:pPr>
+            <a:r>
+              <a:rPr lang="en-US" sz="1400" smtClean="0"/>
+              <a:t>Deploy service chain to block malicious traffic from black boxes</a:t>
+            </a:r>
+          </a:p>
+          <a:p>
+            <a:pPr marL="285750" indent="-285750">
+              <a:buFont typeface="Arial" panose="020B0604020202020204" pitchFamily="34" charset="0"/>
+              <a:buChar char="•"/>
+            </a:pPr>
+            <a:r>
+              <a:rPr lang="en-US" sz="1400" smtClean="0"/>
+              <a:t>Utilize the available </a:t>
+            </a:r>
+          </a:p>
+          <a:p>
+            <a:r>
+              <a:rPr lang="en-US" sz="1400" smtClean="0"/>
+              <a:t>Requirements:</a:t>
+            </a:r>
+          </a:p>
+          <a:p>
+            <a:pPr marL="285750" indent="-285750">
+              <a:buFont typeface="Arial" panose="020B0604020202020204" pitchFamily="34" charset="0"/>
+              <a:buChar char="•"/>
+            </a:pPr>
+            <a:r>
+              <a:rPr lang="en-US" sz="1400" smtClean="0"/>
+              <a:t>“Web Server” virtual machine</a:t>
+            </a:r>
+          </a:p>
+          <a:p>
+            <a:pPr marL="285750" indent="-285750">
+              <a:buFont typeface="Arial" panose="020B0604020202020204" pitchFamily="34" charset="0"/>
+              <a:buChar char="•"/>
+            </a:pPr>
+            <a:r>
+              <a:rPr lang="en-US" sz="1400" smtClean="0"/>
+              <a:t>“NetMon” virtual machine (tcpdump and snort configs)</a:t>
+            </a:r>
+          </a:p>
+          <a:p>
+            <a:pPr marL="285750" indent="-285750">
+              <a:buFont typeface="Arial" panose="020B0604020202020204" pitchFamily="34" charset="0"/>
+              <a:buChar char="•"/>
+            </a:pPr>
+            <a:r>
+              <a:rPr lang="en-US" sz="1400" smtClean="0"/>
+              <a:t>“IoT-malicious” virtual machine</a:t>
+            </a:r>
+          </a:p>
+          <a:p>
+            <a:r>
+              <a:rPr lang="en-US" sz="1400" smtClean="0"/>
+              <a:t>https://github.com/OpenStackSanDiego/SecurityServiceChains/blob/master/Lab3.md</a:t>
+            </a:r>
+          </a:p>
+          <a:p>
+            <a:endParaRPr lang="en-US" sz="1400" dirty="0" smtClean="0"/>
+          </a:p>
+        </p:txBody>
+      </p:sp>
+    </p:spTree>
+    <p:extLst>
+      <p:ext uri="{BB962C8B-B14F-4D97-AF65-F5344CB8AC3E}">
+        <p14:creationId xmlns:p14="http://schemas.microsoft.com/office/powerpoint/2010/main" val="2161398426"/>
+      </p:ext>
+    </p:extLst>
+  </p:cSld>
+  <p:clrMapOvr>
+    <a:masterClrMapping/>
+  </p:clrMapOvr>
+</p:sld>
+</file>
+
+<file path=ppt/slides/slide22.xml><?xml version="1.0" encoding="utf-8"?>
+<p:sld xmlns:a="http://schemas.openxmlformats.org/drawingml/2006/main" xmlns:r="http://schemas.openxmlformats.org/officeDocument/2006/relationships" xmlns:p="http://schemas.openxmlformats.org/presentationml/2006/main">
+  <p:cSld>
+    <p:spTree>
+      <p:nvGrpSpPr>
+        <p:cNvPr id="1" name=""/>
+        <p:cNvGrpSpPr/>
+        <p:nvPr/>
+      </p:nvGrpSpPr>
+      <p:grpSpPr>
+        <a:xfrm>
+          <a:off x="0" y="0"/>
+          <a:ext cx="0" cy="0"/>
+          <a:chOff x="0" y="0"/>
+          <a:chExt cx="0" cy="0"/>
+        </a:xfrm>
+      </p:grpSpPr>
+      <p:sp>
+        <p:nvSpPr>
+          <p:cNvPr id="2" name="Title 1"/>
+          <p:cNvSpPr>
+            <a:spLocks noGrp="1"/>
+          </p:cNvSpPr>
+          <p:nvPr>
+            <p:ph type="title"/>
+          </p:nvPr>
+        </p:nvSpPr>
+        <p:spPr/>
+        <p:txBody>
+          <a:bodyPr/>
+          <a:lstStyle/>
+          <a:p>
+            <a:r>
+              <a:rPr lang="en-US" dirty="0" smtClean="0"/>
+              <a:t>Lab 4 – WAF NFV</a:t>
+            </a:r>
+            <a:endParaRPr lang="en-US" dirty="0"/>
+          </a:p>
+        </p:txBody>
+      </p:sp>
+      <p:sp>
+        <p:nvSpPr>
+          <p:cNvPr id="3" name="Content Placeholder 3"/>
+          <p:cNvSpPr txBox="1">
+            <a:spLocks/>
+          </p:cNvSpPr>
+          <p:nvPr/>
+        </p:nvSpPr>
+        <p:spPr>
+          <a:xfrm>
+            <a:off x="874644" y="1480457"/>
+            <a:ext cx="7966144" cy="3184414"/>
+          </a:xfrm>
+          <a:prstGeom prst="rect">
+            <a:avLst/>
+          </a:prstGeom>
+        </p:spPr>
+        <p:txBody>
+          <a:bodyPr/>
+          <a:lstStyle>
+            <a:lvl1pPr marL="342900" indent="-342900" algn="l" defTabSz="457200" rtl="0" eaLnBrk="1" latinLnBrk="0" hangingPunct="1">
+              <a:spcBef>
+                <a:spcPts val="1000"/>
+              </a:spcBef>
+              <a:spcAft>
+                <a:spcPts val="0"/>
+              </a:spcAft>
+              <a:buClr>
+                <a:schemeClr val="bg2">
+                  <a:lumMod val="40000"/>
+                  <a:lumOff val="60000"/>
+                </a:schemeClr>
+              </a:buClr>
+              <a:buSzPct val="80000"/>
+              <a:buFont typeface="Wingdings 3" charset="2"/>
+              <a:buChar char=""/>
+              <a:defRPr sz="2000" b="0" i="0" kern="1200">
+                <a:solidFill>
+                  <a:schemeClr val="tx1"/>
+                </a:solidFill>
+                <a:latin typeface="+mj-lt"/>
+                <a:ea typeface="+mj-ea"/>
+                <a:cs typeface="+mj-cs"/>
+              </a:defRPr>
+            </a:lvl1pPr>
+            <a:lvl2pPr marL="742950" indent="-285750" algn="l" defTabSz="457200" rtl="0" eaLnBrk="1" latinLnBrk="0" hangingPunct="1">
+              <a:spcBef>
+                <a:spcPts val="1000"/>
+              </a:spcBef>
+              <a:spcAft>
+                <a:spcPts val="0"/>
+              </a:spcAft>
+              <a:buClr>
+                <a:schemeClr val="bg2">
+                  <a:lumMod val="40000"/>
+                  <a:lumOff val="60000"/>
+                </a:schemeClr>
+              </a:buClr>
+              <a:buSzPct val="80000"/>
+              <a:buFont typeface="Wingdings 3" charset="2"/>
+              <a:buChar char=""/>
+              <a:defRPr sz="1800" b="0" i="0" kern="1200">
+                <a:solidFill>
+                  <a:schemeClr val="tx1"/>
+                </a:solidFill>
+                <a:latin typeface="+mj-lt"/>
+                <a:ea typeface="+mj-ea"/>
+                <a:cs typeface="+mj-cs"/>
+              </a:defRPr>
+            </a:lvl2pPr>
+            <a:lvl3pPr marL="1143000" indent="-228600" algn="l" defTabSz="457200" rtl="0" eaLnBrk="1" latinLnBrk="0" hangingPunct="1">
+              <a:spcBef>
+                <a:spcPts val="1000"/>
+              </a:spcBef>
+              <a:spcAft>
+                <a:spcPts val="0"/>
+              </a:spcAft>
+              <a:buClr>
+                <a:schemeClr val="bg2">
+                  <a:lumMod val="40000"/>
+                  <a:lumOff val="60000"/>
+                </a:schemeClr>
+              </a:buClr>
+              <a:buSzPct val="80000"/>
+              <a:buFont typeface="Wingdings 3" charset="2"/>
+              <a:buChar char=""/>
+              <a:defRPr sz="1600" b="0" i="0" kern="1200">
+                <a:solidFill>
+                  <a:schemeClr val="tx1"/>
+                </a:solidFill>
+                <a:latin typeface="+mj-lt"/>
+                <a:ea typeface="+mj-ea"/>
+                <a:cs typeface="+mj-cs"/>
+              </a:defRPr>
+            </a:lvl3pPr>
+            <a:lvl4pPr marL="1600200" indent="-228600" algn="l" defTabSz="457200" rtl="0" eaLnBrk="1" latinLnBrk="0" hangingPunct="1">
+              <a:spcBef>
+                <a:spcPts val="1000"/>
+              </a:spcBef>
+              <a:spcAft>
+                <a:spcPts val="0"/>
+              </a:spcAft>
+              <a:buClr>
+                <a:schemeClr val="bg2">
+                  <a:lumMod val="40000"/>
+                  <a:lumOff val="60000"/>
+                </a:schemeClr>
+              </a:buClr>
+              <a:buSzPct val="80000"/>
+              <a:buFont typeface="Wingdings 3" charset="2"/>
+              <a:buChar char=""/>
+              <a:defRPr sz="1400" b="0" i="0" kern="1200">
+                <a:solidFill>
+                  <a:schemeClr val="tx1"/>
+                </a:solidFill>
+                <a:latin typeface="+mj-lt"/>
+                <a:ea typeface="+mj-ea"/>
+                <a:cs typeface="+mj-cs"/>
+              </a:defRPr>
+            </a:lvl4pPr>
+            <a:lvl5pPr marL="2057400" indent="-228600" algn="l" defTabSz="457200" rtl="0" eaLnBrk="1" latinLnBrk="0" hangingPunct="1">
+              <a:spcBef>
+                <a:spcPts val="1000"/>
+              </a:spcBef>
+              <a:spcAft>
+                <a:spcPts val="0"/>
+              </a:spcAft>
+              <a:buClr>
+                <a:schemeClr val="bg2">
+                  <a:lumMod val="40000"/>
+                  <a:lumOff val="60000"/>
+                </a:schemeClr>
+              </a:buClr>
+              <a:buSzPct val="80000"/>
+              <a:buFont typeface="Wingdings 3" charset="2"/>
+              <a:buChar char=""/>
+              <a:defRPr sz="1400" b="0" i="0" kern="1200">
+                <a:solidFill>
+                  <a:schemeClr val="tx1"/>
+                </a:solidFill>
+                <a:latin typeface="+mj-lt"/>
+                <a:ea typeface="+mj-ea"/>
+                <a:cs typeface="+mj-cs"/>
+              </a:defRPr>
+            </a:lvl5pPr>
+            <a:lvl6pPr marL="2506000" indent="-228600" algn="l" defTabSz="457200" rtl="0" eaLnBrk="1" latinLnBrk="0" hangingPunct="1">
+              <a:spcBef>
+                <a:spcPts val="1000"/>
+              </a:spcBef>
+              <a:spcAft>
+                <a:spcPts val="0"/>
+              </a:spcAft>
+              <a:buClr>
+                <a:schemeClr val="bg2">
+                  <a:lumMod val="40000"/>
+                  <a:lumOff val="60000"/>
+                </a:schemeClr>
+              </a:buClr>
+              <a:buSzPct val="80000"/>
+              <a:buFont typeface="Wingdings 3" charset="2"/>
+              <a:buChar char=""/>
+              <a:defRPr sz="1400" b="0" i="0" kern="1200">
+                <a:solidFill>
+                  <a:schemeClr val="tx1"/>
+                </a:solidFill>
+                <a:latin typeface="+mj-lt"/>
+                <a:ea typeface="+mj-ea"/>
+                <a:cs typeface="+mj-cs"/>
+              </a:defRPr>
+            </a:lvl6pPr>
+            <a:lvl7pPr marL="2971800" indent="-228600" algn="l" defTabSz="457200" rtl="0" eaLnBrk="1" latinLnBrk="0" hangingPunct="1">
+              <a:spcBef>
+                <a:spcPts val="1000"/>
+              </a:spcBef>
+              <a:spcAft>
+                <a:spcPts val="0"/>
+              </a:spcAft>
+              <a:buClr>
+                <a:schemeClr val="bg2">
+                  <a:lumMod val="40000"/>
+                  <a:lumOff val="60000"/>
+                </a:schemeClr>
+              </a:buClr>
+              <a:buSzPct val="80000"/>
+              <a:buFont typeface="Wingdings 3" charset="2"/>
+              <a:buChar char=""/>
+              <a:defRPr sz="1400" b="0" i="0" kern="1200">
+                <a:solidFill>
+                  <a:schemeClr val="tx1"/>
+                </a:solidFill>
+                <a:latin typeface="+mj-lt"/>
+                <a:ea typeface="+mj-ea"/>
+                <a:cs typeface="+mj-cs"/>
+              </a:defRPr>
+            </a:lvl7pPr>
+            <a:lvl8pPr marL="3429000" indent="-228600" algn="l" defTabSz="457200" rtl="0" eaLnBrk="1" latinLnBrk="0" hangingPunct="1">
+              <a:spcBef>
+                <a:spcPts val="1000"/>
+              </a:spcBef>
+              <a:spcAft>
+                <a:spcPts val="0"/>
+              </a:spcAft>
+              <a:buClr>
+                <a:schemeClr val="bg2">
+                  <a:lumMod val="40000"/>
+                  <a:lumOff val="60000"/>
+                </a:schemeClr>
+              </a:buClr>
+              <a:buSzPct val="80000"/>
+              <a:buFont typeface="Wingdings 3" charset="2"/>
+              <a:buChar char=""/>
+              <a:defRPr sz="1400" b="0" i="0" kern="1200">
+                <a:solidFill>
+                  <a:schemeClr val="tx1"/>
+                </a:solidFill>
+                <a:latin typeface="+mj-lt"/>
+                <a:ea typeface="+mj-ea"/>
+                <a:cs typeface="+mj-cs"/>
+              </a:defRPr>
+            </a:lvl8pPr>
+            <a:lvl9pPr marL="3886200" indent="-228600" algn="l" defTabSz="457200" rtl="0" eaLnBrk="1" latinLnBrk="0" hangingPunct="1">
+              <a:spcBef>
+                <a:spcPts val="1000"/>
+              </a:spcBef>
+              <a:spcAft>
+                <a:spcPts val="0"/>
+              </a:spcAft>
+              <a:buClr>
+                <a:schemeClr val="bg2">
+                  <a:lumMod val="40000"/>
+                  <a:lumOff val="60000"/>
+                </a:schemeClr>
+              </a:buClr>
+              <a:buSzPct val="80000"/>
+              <a:buFont typeface="Wingdings 3" charset="2"/>
+              <a:buChar char=""/>
+              <a:defRPr sz="1400" b="0" i="0" kern="1200">
+                <a:solidFill>
+                  <a:schemeClr val="tx1"/>
+                </a:solidFill>
+                <a:latin typeface="+mj-lt"/>
+                <a:ea typeface="+mj-ea"/>
+                <a:cs typeface="+mj-cs"/>
+              </a:defRPr>
+            </a:lvl9pPr>
+          </a:lstStyle>
+          <a:p>
+            <a:r>
+              <a:rPr lang="en-US" sz="1400" dirty="0" smtClean="0"/>
+              <a:t>Goal:</a:t>
+            </a:r>
+          </a:p>
+          <a:p>
+            <a:pPr marL="285750" indent="-285750">
+              <a:buFont typeface="Arial" panose="020B0604020202020204" pitchFamily="34" charset="0"/>
+              <a:buChar char="•"/>
+            </a:pPr>
+            <a:r>
+              <a:rPr lang="en-US" sz="1400" dirty="0" smtClean="0"/>
+              <a:t>Setup a virtual service function (</a:t>
+            </a:r>
+            <a:r>
+              <a:rPr lang="en-US" sz="1400" dirty="0" err="1" smtClean="0"/>
+              <a:t>nginx</a:t>
+            </a:r>
+            <a:r>
+              <a:rPr lang="en-US" sz="1400" dirty="0" smtClean="0"/>
+              <a:t>)</a:t>
+            </a:r>
+          </a:p>
+          <a:p>
+            <a:pPr marL="285750" indent="-285750">
+              <a:buFont typeface="Arial" panose="020B0604020202020204" pitchFamily="34" charset="0"/>
+              <a:buChar char="•"/>
+            </a:pPr>
+            <a:r>
+              <a:rPr lang="en-US" sz="1400" dirty="0" smtClean="0"/>
+              <a:t>Monitoring traffic at layer 7 using </a:t>
+            </a:r>
+            <a:r>
+              <a:rPr lang="en-US" sz="1400" dirty="0" err="1" smtClean="0"/>
+              <a:t>nginx</a:t>
+            </a:r>
+            <a:endParaRPr lang="en-US" sz="1400" dirty="0" smtClean="0"/>
+          </a:p>
+          <a:p>
+            <a:pPr marL="285750" indent="-285750">
+              <a:buFont typeface="Arial" panose="020B0604020202020204" pitchFamily="34" charset="0"/>
+              <a:buChar char="•"/>
+            </a:pPr>
+            <a:r>
+              <a:rPr lang="en-US" sz="1400" dirty="0" smtClean="0"/>
+              <a:t>Deploy using a service chain</a:t>
+            </a:r>
+          </a:p>
+          <a:p>
+            <a:r>
+              <a:rPr lang="en-US" sz="1400" dirty="0" smtClean="0"/>
+              <a:t>Requirements:</a:t>
+            </a:r>
+          </a:p>
+          <a:p>
+            <a:pPr marL="285750" indent="-285750">
+              <a:buFont typeface="Arial" panose="020B0604020202020204" pitchFamily="34" charset="0"/>
+              <a:buChar char="•"/>
+            </a:pPr>
+            <a:r>
+              <a:rPr lang="en-US" sz="1400" dirty="0" smtClean="0"/>
+              <a:t>“Web Server” virtual machine</a:t>
+            </a:r>
+          </a:p>
+          <a:p>
+            <a:pPr marL="285750" indent="-285750">
+              <a:buFont typeface="Arial" panose="020B0604020202020204" pitchFamily="34" charset="0"/>
+              <a:buChar char="•"/>
+            </a:pPr>
+            <a:r>
+              <a:rPr lang="en-US" sz="1400" dirty="0" smtClean="0"/>
+              <a:t>“</a:t>
+            </a:r>
+            <a:r>
+              <a:rPr lang="en-US" sz="1400" dirty="0" err="1" smtClean="0"/>
+              <a:t>NetMon</a:t>
+            </a:r>
+            <a:r>
+              <a:rPr lang="en-US" sz="1400" dirty="0" smtClean="0"/>
+              <a:t>” virtual machines</a:t>
+            </a:r>
+          </a:p>
+          <a:p>
+            <a:r>
+              <a:rPr lang="en-US" sz="1400" dirty="0" smtClean="0"/>
+              <a:t>https://github.com/OpenStackSanDiego/SecurityServiceChains/blob/master/Lab4.md</a:t>
+            </a:r>
+          </a:p>
+          <a:p>
+            <a:pPr marL="400050" lvl="1"/>
+            <a:endParaRPr lang="en-US" sz="600" dirty="0" smtClean="0"/>
+          </a:p>
+          <a:p>
+            <a:endParaRPr lang="en-US" sz="1400" dirty="0" smtClean="0"/>
+          </a:p>
+        </p:txBody>
+      </p:sp>
+    </p:spTree>
+    <p:extLst>
+      <p:ext uri="{BB962C8B-B14F-4D97-AF65-F5344CB8AC3E}">
+        <p14:creationId xmlns:p14="http://schemas.microsoft.com/office/powerpoint/2010/main" val="1173675050"/>
+      </p:ext>
+    </p:extLst>
+  </p:cSld>
+  <p:clrMapOvr>
+    <a:masterClrMapping/>
+  </p:clrMapOvr>
+</p:sld>
+</file>
+
+<file path=ppt/slides/slide23.xml><?xml version="1.0" encoding="utf-8"?>
+<p:sld xmlns:a="http://schemas.openxmlformats.org/drawingml/2006/main" xmlns:r="http://schemas.openxmlformats.org/officeDocument/2006/relationships" xmlns:p="http://schemas.openxmlformats.org/presentationml/2006/main">
+  <p:cSld>
+    <p:spTree>
+      <p:nvGrpSpPr>
+        <p:cNvPr id="1" name=""/>
+        <p:cNvGrpSpPr/>
+        <p:nvPr/>
+      </p:nvGrpSpPr>
+      <p:grpSpPr>
+        <a:xfrm>
+          <a:off x="0" y="0"/>
+          <a:ext cx="0" cy="0"/>
+          <a:chOff x="0" y="0"/>
+          <a:chExt cx="0" cy="0"/>
+        </a:xfrm>
+      </p:grpSpPr>
+      <p:sp>
+        <p:nvSpPr>
+          <p:cNvPr id="2" name="Title 1"/>
+          <p:cNvSpPr>
+            <a:spLocks noGrp="1"/>
+          </p:cNvSpPr>
+          <p:nvPr>
+            <p:ph type="title"/>
+          </p:nvPr>
+        </p:nvSpPr>
+        <p:spPr>
+          <a:xfrm>
+            <a:off x="646111" y="452718"/>
+            <a:ext cx="9404723" cy="827442"/>
+          </a:xfrm>
+        </p:spPr>
+        <p:txBody>
+          <a:bodyPr/>
+          <a:lstStyle/>
+          <a:p>
+            <a:r>
+              <a:rPr lang="en-US" dirty="0"/>
+              <a:t>n</a:t>
+            </a:r>
+            <a:r>
+              <a:rPr lang="en-US" dirty="0" smtClean="0"/>
+              <a:t>et-</a:t>
+            </a:r>
+            <a:r>
+              <a:rPr lang="en-US" dirty="0" err="1" smtClean="0"/>
+              <a:t>sfc</a:t>
+            </a:r>
+            <a:r>
+              <a:rPr lang="en-US" dirty="0" smtClean="0"/>
+              <a:t> setup…</a:t>
+            </a:r>
+            <a:endParaRPr lang="en-US" dirty="0"/>
+          </a:p>
+        </p:txBody>
+      </p:sp>
+      <p:sp>
+        <p:nvSpPr>
+          <p:cNvPr id="3" name="Content Placeholder 2"/>
+          <p:cNvSpPr>
+            <a:spLocks noGrp="1"/>
+          </p:cNvSpPr>
+          <p:nvPr>
+            <p:ph idx="1"/>
+          </p:nvPr>
+        </p:nvSpPr>
+        <p:spPr>
+          <a:xfrm>
+            <a:off x="294198" y="2052918"/>
+            <a:ext cx="11656612" cy="4195481"/>
+          </a:xfrm>
+        </p:spPr>
+        <p:txBody>
+          <a:bodyPr>
+            <a:normAutofit fontScale="70000" lnSpcReduction="20000"/>
+          </a:bodyPr>
+          <a:lstStyle/>
+          <a:p>
+            <a:pPr marL="0" indent="0">
+              <a:buNone/>
+            </a:pPr>
+            <a:r>
+              <a:rPr lang="en-US" dirty="0" smtClean="0"/>
+              <a:t># </a:t>
+            </a:r>
+            <a:r>
+              <a:rPr lang="en-US" dirty="0"/>
+              <a:t>install the port security extension so that port security can be turned on/off per network/</a:t>
+            </a:r>
+            <a:r>
+              <a:rPr lang="en-US" dirty="0" err="1"/>
+              <a:t>por</a:t>
+            </a:r>
+            <a:endParaRPr lang="en-US" dirty="0"/>
+          </a:p>
+          <a:p>
+            <a:pPr marL="0" indent="0">
+              <a:buNone/>
+            </a:pPr>
+            <a:r>
+              <a:rPr lang="en-US" dirty="0"/>
+              <a:t># service chaining requires port security turned off</a:t>
+            </a:r>
+          </a:p>
+          <a:p>
+            <a:pPr marL="0" indent="0">
+              <a:buNone/>
+            </a:pPr>
+            <a:r>
+              <a:rPr lang="en-US" dirty="0" err="1"/>
+              <a:t>crudini</a:t>
+            </a:r>
+            <a:r>
+              <a:rPr lang="en-US" dirty="0"/>
+              <a:t> --set --list /</a:t>
+            </a:r>
+            <a:r>
+              <a:rPr lang="en-US" dirty="0" err="1"/>
+              <a:t>etc</a:t>
+            </a:r>
+            <a:r>
+              <a:rPr lang="en-US" dirty="0"/>
+              <a:t>/neutron/plugins/ml2/ml2_conf.ini ml2 </a:t>
+            </a:r>
+            <a:r>
+              <a:rPr lang="en-US" dirty="0" err="1"/>
+              <a:t>extension_drivers</a:t>
+            </a:r>
+            <a:r>
+              <a:rPr lang="en-US" dirty="0"/>
+              <a:t> </a:t>
+            </a:r>
+            <a:r>
+              <a:rPr lang="en-US" dirty="0" err="1"/>
+              <a:t>port_security</a:t>
+            </a:r>
+            <a:endParaRPr lang="en-US" dirty="0"/>
+          </a:p>
+          <a:p>
+            <a:pPr marL="0" indent="0">
+              <a:buNone/>
+            </a:pPr>
+            <a:endParaRPr lang="en-US" dirty="0"/>
+          </a:p>
+          <a:p>
+            <a:pPr marL="0" indent="0">
+              <a:buNone/>
+            </a:pPr>
+            <a:r>
+              <a:rPr lang="en-US" dirty="0" smtClean="0"/>
+              <a:t># </a:t>
+            </a:r>
+            <a:r>
+              <a:rPr lang="en-US" dirty="0"/>
+              <a:t>install and configure </a:t>
+            </a:r>
+            <a:r>
+              <a:rPr lang="en-US" dirty="0" err="1"/>
+              <a:t>networing-sfc</a:t>
+            </a:r>
+            <a:endParaRPr lang="en-US" dirty="0"/>
+          </a:p>
+          <a:p>
+            <a:pPr marL="0" indent="0">
+              <a:buNone/>
+            </a:pPr>
+            <a:r>
+              <a:rPr lang="en-US" dirty="0"/>
+              <a:t>yum install -y python-networking-</a:t>
+            </a:r>
+            <a:r>
+              <a:rPr lang="en-US" dirty="0" err="1"/>
+              <a:t>sfc</a:t>
+            </a:r>
+            <a:endParaRPr lang="en-US" dirty="0"/>
+          </a:p>
+          <a:p>
+            <a:pPr marL="0" indent="0">
+              <a:buNone/>
+            </a:pPr>
+            <a:endParaRPr lang="en-US" dirty="0"/>
+          </a:p>
+          <a:p>
+            <a:pPr marL="0" indent="0">
+              <a:buNone/>
+            </a:pPr>
+            <a:r>
+              <a:rPr lang="en-US" dirty="0"/>
+              <a:t># enable the service plugin (controller nodes)</a:t>
+            </a:r>
+          </a:p>
+          <a:p>
+            <a:pPr marL="0" indent="0">
+              <a:buNone/>
+            </a:pPr>
+            <a:r>
+              <a:rPr lang="en-US" dirty="0" err="1"/>
+              <a:t>crudini</a:t>
+            </a:r>
+            <a:r>
+              <a:rPr lang="en-US" dirty="0"/>
+              <a:t> --set --list /</a:t>
+            </a:r>
+            <a:r>
+              <a:rPr lang="en-US" dirty="0" err="1"/>
+              <a:t>etc</a:t>
+            </a:r>
+            <a:r>
+              <a:rPr lang="en-US" dirty="0"/>
+              <a:t>/neutron/</a:t>
+            </a:r>
+            <a:r>
+              <a:rPr lang="en-US" dirty="0" err="1"/>
+              <a:t>neutron.conf</a:t>
+            </a:r>
+            <a:r>
+              <a:rPr lang="en-US" dirty="0"/>
+              <a:t> DEFAULT </a:t>
+            </a:r>
+            <a:r>
+              <a:rPr lang="en-US" dirty="0" err="1"/>
+              <a:t>service_plugins</a:t>
+            </a:r>
+            <a:r>
+              <a:rPr lang="en-US" dirty="0"/>
+              <a:t> networking_sfc.services.flowclassifier.plugin.FlowClassifierPlugin</a:t>
+            </a:r>
+          </a:p>
+          <a:p>
+            <a:pPr marL="0" indent="0">
+              <a:buNone/>
+            </a:pPr>
+            <a:r>
+              <a:rPr lang="en-US" dirty="0" err="1"/>
+              <a:t>crudini</a:t>
+            </a:r>
+            <a:r>
+              <a:rPr lang="en-US" dirty="0"/>
+              <a:t> --set --list /</a:t>
+            </a:r>
+            <a:r>
+              <a:rPr lang="en-US" dirty="0" err="1"/>
+              <a:t>etc</a:t>
+            </a:r>
+            <a:r>
+              <a:rPr lang="en-US" dirty="0"/>
+              <a:t>/neutron/</a:t>
+            </a:r>
+            <a:r>
+              <a:rPr lang="en-US" dirty="0" err="1"/>
+              <a:t>neutron.conf</a:t>
+            </a:r>
+            <a:r>
+              <a:rPr lang="en-US" dirty="0"/>
+              <a:t> DEFAULT </a:t>
+            </a:r>
+            <a:r>
+              <a:rPr lang="en-US" dirty="0" err="1"/>
+              <a:t>service_plugins</a:t>
+            </a:r>
+            <a:r>
+              <a:rPr lang="en-US" dirty="0"/>
+              <a:t> </a:t>
+            </a:r>
+            <a:r>
+              <a:rPr lang="en-US" dirty="0" err="1" smtClean="0"/>
+              <a:t>networking_sfc.services.sfc.plugin.SfcPlugin</a:t>
+            </a:r>
+            <a:endParaRPr lang="en-US" dirty="0" smtClean="0"/>
+          </a:p>
+          <a:p>
+            <a:pPr marL="0" indent="0">
+              <a:buNone/>
+            </a:pPr>
+            <a:endParaRPr lang="en-US" dirty="0" smtClean="0"/>
+          </a:p>
+          <a:p>
+            <a:pPr marL="0" indent="0">
+              <a:buNone/>
+            </a:pPr>
+            <a:r>
+              <a:rPr lang="en-US" dirty="0"/>
+              <a:t># port security needs to be off for service chains</a:t>
+            </a:r>
+          </a:p>
+          <a:p>
+            <a:pPr marL="0" indent="0">
+              <a:buNone/>
+            </a:pPr>
+            <a:r>
+              <a:rPr lang="en-US" dirty="0" err="1"/>
+              <a:t>openstack</a:t>
+            </a:r>
+            <a:r>
+              <a:rPr lang="en-US" dirty="0"/>
+              <a:t> network set --disable-port-security $NETWORK_ID</a:t>
+            </a:r>
+            <a:endParaRPr lang="en-US" dirty="0" smtClean="0"/>
+          </a:p>
+          <a:p>
+            <a:pPr marL="0" indent="0">
+              <a:buNone/>
+            </a:pPr>
+            <a:endParaRPr lang="en-US" dirty="0"/>
+          </a:p>
+        </p:txBody>
+      </p:sp>
+    </p:spTree>
+    <p:extLst>
+      <p:ext uri="{BB962C8B-B14F-4D97-AF65-F5344CB8AC3E}">
+        <p14:creationId xmlns:p14="http://schemas.microsoft.com/office/powerpoint/2010/main" val="1194896522"/>
+      </p:ext>
+    </p:extLst>
+  </p:cSld>
+  <p:clrMapOvr>
+    <a:masterClrMapping/>
+  </p:clrMapOvr>
+</p:sld>
+</file>
+
+<file path=ppt/slides/slide24.xml><?xml version="1.0" encoding="utf-8"?>
+<p:sld xmlns:a="http://schemas.openxmlformats.org/drawingml/2006/main" xmlns:r="http://schemas.openxmlformats.org/officeDocument/2006/relationships" xmlns:p="http://schemas.openxmlformats.org/presentationml/2006/main">
+  <p:cSld>
+    <p:spTree>
+      <p:nvGrpSpPr>
+        <p:cNvPr id="1" name=""/>
+        <p:cNvGrpSpPr/>
+        <p:nvPr/>
+      </p:nvGrpSpPr>
+      <p:grpSpPr>
+        <a:xfrm>
+          <a:off x="0" y="0"/>
+          <a:ext cx="0" cy="0"/>
+          <a:chOff x="0" y="0"/>
+          <a:chExt cx="0" cy="0"/>
+        </a:xfrm>
+      </p:grpSpPr>
+      <p:sp>
+        <p:nvSpPr>
+          <p:cNvPr id="2" name="Title 1"/>
+          <p:cNvSpPr>
+            <a:spLocks noGrp="1"/>
+          </p:cNvSpPr>
+          <p:nvPr>
+            <p:ph type="title"/>
+          </p:nvPr>
+        </p:nvSpPr>
+        <p:spPr/>
+        <p:txBody>
+          <a:bodyPr/>
+          <a:lstStyle/>
+          <a:p>
+            <a:r>
+              <a:rPr lang="en-US" dirty="0" smtClean="0"/>
+              <a:t>Next steps…</a:t>
+            </a:r>
+            <a:endParaRPr lang="en-US" dirty="0"/>
+          </a:p>
+        </p:txBody>
+      </p:sp>
+      <p:sp>
+        <p:nvSpPr>
+          <p:cNvPr id="3" name="Content Placeholder 2"/>
+          <p:cNvSpPr>
+            <a:spLocks noGrp="1"/>
+          </p:cNvSpPr>
+          <p:nvPr>
+            <p:ph idx="1"/>
+          </p:nvPr>
+        </p:nvSpPr>
+        <p:spPr>
+          <a:xfrm>
+            <a:off x="1104293" y="1400985"/>
+            <a:ext cx="8946541" cy="4877048"/>
+          </a:xfrm>
+        </p:spPr>
+        <p:txBody>
+          <a:bodyPr>
+            <a:normAutofit/>
+          </a:bodyPr>
+          <a:lstStyle/>
+          <a:p>
+            <a:r>
+              <a:rPr lang="en-US" dirty="0" smtClean="0"/>
+              <a:t>Sophisticated chains</a:t>
+            </a:r>
+          </a:p>
+          <a:p>
+            <a:pPr lvl="1"/>
+            <a:r>
+              <a:rPr lang="en-US" dirty="0" smtClean="0"/>
+              <a:t>OWASP Top 10 – Web Apps</a:t>
+            </a:r>
+          </a:p>
+          <a:p>
+            <a:pPr lvl="1"/>
+            <a:r>
+              <a:rPr lang="en-US" dirty="0" smtClean="0"/>
+              <a:t>Database Security Service Chains</a:t>
+            </a:r>
+          </a:p>
+          <a:p>
+            <a:r>
+              <a:rPr lang="en-US" dirty="0" smtClean="0"/>
+              <a:t>networking-</a:t>
+            </a:r>
+            <a:r>
+              <a:rPr lang="en-US" dirty="0" err="1" smtClean="0"/>
+              <a:t>sfc</a:t>
+            </a:r>
+            <a:r>
+              <a:rPr lang="en-US" dirty="0" smtClean="0"/>
+              <a:t> plugin</a:t>
+            </a:r>
+          </a:p>
+          <a:p>
+            <a:pPr lvl="1"/>
+            <a:r>
+              <a:rPr lang="en-US" dirty="0" smtClean="0"/>
+              <a:t>Load Balancing Support (“Port-Pair-Group”)</a:t>
+            </a:r>
+          </a:p>
+          <a:p>
+            <a:pPr lvl="1"/>
+            <a:r>
+              <a:rPr lang="en-US" dirty="0" smtClean="0"/>
+              <a:t>Better flow classification filters</a:t>
+            </a:r>
+          </a:p>
+          <a:p>
+            <a:r>
+              <a:rPr lang="en-US" dirty="0" smtClean="0"/>
+              <a:t>Rest API Support</a:t>
+            </a:r>
+          </a:p>
+          <a:p>
+            <a:pPr lvl="1"/>
+            <a:r>
+              <a:rPr lang="en-US" dirty="0" smtClean="0"/>
+              <a:t>Move towards dynamic allocation of security controls at workload deployment</a:t>
+            </a:r>
+          </a:p>
+          <a:p>
+            <a:r>
+              <a:rPr lang="en-US" dirty="0" smtClean="0"/>
+              <a:t>NFV in Containers</a:t>
+            </a:r>
+          </a:p>
+          <a:p>
+            <a:pPr lvl="1"/>
+            <a:r>
+              <a:rPr lang="en-US" dirty="0" smtClean="0"/>
+              <a:t>Lighter weight </a:t>
+            </a:r>
+            <a:r>
+              <a:rPr lang="en-US" dirty="0" smtClean="0"/>
+              <a:t>security implementations</a:t>
+            </a:r>
+          </a:p>
+          <a:p>
+            <a:pPr lvl="1"/>
+            <a:r>
+              <a:rPr lang="en-US" dirty="0" smtClean="0"/>
+              <a:t>Ability to overlay </a:t>
+            </a:r>
+            <a:r>
+              <a:rPr lang="en-US" dirty="0" err="1" smtClean="0"/>
+              <a:t>configs</a:t>
+            </a:r>
+            <a:r>
+              <a:rPr lang="en-US" dirty="0" smtClean="0"/>
+              <a:t> on top of base containers</a:t>
+            </a:r>
+          </a:p>
+          <a:p>
+            <a:pPr lvl="1"/>
+            <a:endParaRPr lang="en-US" dirty="0" smtClean="0"/>
+          </a:p>
+          <a:p>
+            <a:pPr lvl="1"/>
+            <a:endParaRPr lang="en-US" dirty="0" smtClean="0"/>
+          </a:p>
+          <a:p>
+            <a:endParaRPr lang="en-US" dirty="0" smtClean="0"/>
+          </a:p>
+          <a:p>
+            <a:endParaRPr lang="en-US" dirty="0"/>
+          </a:p>
+        </p:txBody>
+      </p:sp>
+    </p:spTree>
+    <p:extLst>
+      <p:ext uri="{BB962C8B-B14F-4D97-AF65-F5344CB8AC3E}">
+        <p14:creationId xmlns:p14="http://schemas.microsoft.com/office/powerpoint/2010/main" val="3178257497"/>
+      </p:ext>
+    </p:extLst>
+  </p:cSld>
+  <p:clrMapOvr>
+    <a:masterClrMapping/>
+  </p:clrMapOvr>
+</p:sld>
+</file>
+
+<file path=ppt/slides/slide25.xml><?xml version="1.0" encoding="utf-8"?>
+<p:sld xmlns:a="http://schemas.openxmlformats.org/drawingml/2006/main" xmlns:r="http://schemas.openxmlformats.org/officeDocument/2006/relationships" xmlns:p="http://schemas.openxmlformats.org/presentationml/2006/main">
+  <p:cSld>
+    <p:spTree>
+      <p:nvGrpSpPr>
+        <p:cNvPr id="1" name=""/>
+        <p:cNvGrpSpPr/>
+        <p:nvPr/>
+      </p:nvGrpSpPr>
+      <p:grpSpPr>
+        <a:xfrm>
+          <a:off x="0" y="0"/>
+          <a:ext cx="0" cy="0"/>
+          <a:chOff x="0" y="0"/>
+          <a:chExt cx="0" cy="0"/>
+        </a:xfrm>
+      </p:grpSpPr>
+      <p:sp>
+        <p:nvSpPr>
+          <p:cNvPr id="2" name="Title 1"/>
+          <p:cNvSpPr>
+            <a:spLocks noGrp="1"/>
+          </p:cNvSpPr>
+          <p:nvPr>
+            <p:ph type="title"/>
+          </p:nvPr>
+        </p:nvSpPr>
+        <p:spPr/>
+        <p:txBody>
+          <a:bodyPr/>
+          <a:lstStyle/>
+          <a:p>
+            <a:r>
+              <a:rPr lang="en-US" dirty="0" smtClean="0"/>
+              <a:t>Thanks!</a:t>
+            </a:r>
+            <a:endParaRPr lang="en-US" dirty="0"/>
+          </a:p>
+        </p:txBody>
+      </p:sp>
+      <p:sp>
+        <p:nvSpPr>
+          <p:cNvPr id="3" name="Content Placeholder 2"/>
+          <p:cNvSpPr>
+            <a:spLocks noGrp="1"/>
+          </p:cNvSpPr>
+          <p:nvPr>
+            <p:ph idx="1"/>
+          </p:nvPr>
+        </p:nvSpPr>
+        <p:spPr/>
+        <p:txBody>
+          <a:bodyPr/>
+          <a:lstStyle/>
+          <a:p>
+            <a:endParaRPr lang="en-US"/>
+          </a:p>
+        </p:txBody>
+      </p:sp>
+    </p:spTree>
+    <p:extLst>
+      <p:ext uri="{BB962C8B-B14F-4D97-AF65-F5344CB8AC3E}">
+        <p14:creationId xmlns:p14="http://schemas.microsoft.com/office/powerpoint/2010/main" val="854742897"/>
+      </p:ext>
+    </p:extLst>
+  </p:cSld>
+  <p:clrMapOvr>
+    <a:masterClrMapping/>
+  </p:clrMapOvr>
 </p:sld>
 </file>
 

--- a/Virtualized Security Functions in Layer 2.pptx
+++ b/Virtualized Security Functions in Layer 2.pptx
@@ -28,8 +28,9 @@
     <p:sldId id="285" r:id="rId22"/>
     <p:sldId id="286" r:id="rId23"/>
     <p:sldId id="281" r:id="rId24"/>
-    <p:sldId id="279" r:id="rId25"/>
-    <p:sldId id="280" r:id="rId26"/>
+    <p:sldId id="288" r:id="rId25"/>
+    <p:sldId id="279" r:id="rId26"/>
+    <p:sldId id="280" r:id="rId27"/>
   </p:sldIdLst>
   <p:sldSz cx="12192000" cy="6858000"/>
   <p:notesSz cx="6858000" cy="9144000"/>
@@ -323,7 +324,7 @@
             <a:fld id="{08B9EBBA-996F-894A-B54A-D6246ED52CEA}" type="datetimeFigureOut">
               <a:rPr lang="en-US" smtClean="0"/>
               <a:pPr/>
-              <a:t>10/29/2017</a:t>
+              <a:t>10/30/2017</a:t>
             </a:fld>
             <a:endParaRPr lang="en-US" dirty="0"/>
           </a:p>
@@ -600,7 +601,7 @@
             <a:fld id="{18C79C5D-2A6F-F04D-97DA-BEF2467B64E4}" type="datetimeFigureOut">
               <a:rPr lang="en-US" smtClean="0"/>
               <a:pPr/>
-              <a:t>10/29/2017</a:t>
+              <a:t>10/30/2017</a:t>
             </a:fld>
             <a:endParaRPr lang="en-US" dirty="0"/>
           </a:p>
@@ -796,7 +797,7 @@
             <a:fld id="{09B482E8-6E0E-1B4F-B1FD-C69DB9E858D9}" type="datetimeFigureOut">
               <a:rPr lang="en-US" smtClean="0"/>
               <a:pPr/>
-              <a:t>10/29/2017</a:t>
+              <a:t>10/30/2017</a:t>
             </a:fld>
             <a:endParaRPr lang="en-US" dirty="0"/>
           </a:p>
@@ -1072,7 +1073,7 @@
             <a:fld id="{09B482E8-6E0E-1B4F-B1FD-C69DB9E858D9}" type="datetimeFigureOut">
               <a:rPr lang="en-US" smtClean="0"/>
               <a:pPr/>
-              <a:t>10/29/2017</a:t>
+              <a:t>10/30/2017</a:t>
             </a:fld>
             <a:endParaRPr lang="en-US" dirty="0"/>
           </a:p>
@@ -1416,7 +1417,7 @@
             <a:fld id="{09B482E8-6E0E-1B4F-B1FD-C69DB9E858D9}" type="datetimeFigureOut">
               <a:rPr lang="en-US" smtClean="0"/>
               <a:pPr/>
-              <a:t>10/29/2017</a:t>
+              <a:t>10/30/2017</a:t>
             </a:fld>
             <a:endParaRPr lang="en-US" dirty="0"/>
           </a:p>
@@ -2042,7 +2043,7 @@
             <a:fld id="{09B482E8-6E0E-1B4F-B1FD-C69DB9E858D9}" type="datetimeFigureOut">
               <a:rPr lang="en-US" smtClean="0"/>
               <a:pPr/>
-              <a:t>10/29/2017</a:t>
+              <a:t>10/30/2017</a:t>
             </a:fld>
             <a:endParaRPr lang="en-US" dirty="0"/>
           </a:p>
@@ -2905,7 +2906,7 @@
             <a:fld id="{09B482E8-6E0E-1B4F-B1FD-C69DB9E858D9}" type="datetimeFigureOut">
               <a:rPr lang="en-US" smtClean="0"/>
               <a:pPr/>
-              <a:t>10/29/2017</a:t>
+              <a:t>10/30/2017</a:t>
             </a:fld>
             <a:endParaRPr lang="en-US" dirty="0"/>
           </a:p>
@@ -3078,7 +3079,7 @@
             <a:fld id="{C6C52C72-DE31-F449-A4ED-4C594FD91407}" type="datetimeFigureOut">
               <a:rPr lang="en-US" smtClean="0"/>
               <a:pPr/>
-              <a:t>10/29/2017</a:t>
+              <a:t>10/30/2017</a:t>
             </a:fld>
             <a:endParaRPr lang="en-US" dirty="0"/>
           </a:p>
@@ -3260,7 +3261,7 @@
             <a:fld id="{ED62726E-379B-B349-9EED-81ED093FA806}" type="datetimeFigureOut">
               <a:rPr lang="en-US" smtClean="0"/>
               <a:pPr/>
-              <a:t>10/29/2017</a:t>
+              <a:t>10/30/2017</a:t>
             </a:fld>
             <a:endParaRPr lang="en-US" dirty="0"/>
           </a:p>
@@ -3432,7 +3433,7 @@
             <a:fld id="{9B3A1323-8D79-1946-B0D7-40001CF92E9D}" type="datetimeFigureOut">
               <a:rPr lang="en-US" smtClean="0"/>
               <a:pPr/>
-              <a:t>10/29/2017</a:t>
+              <a:t>10/30/2017</a:t>
             </a:fld>
             <a:endParaRPr lang="en-US" dirty="0"/>
           </a:p>
@@ -3681,7 +3682,7 @@
             <a:fld id="{8DFA1846-DA80-1C48-A609-854EA85C59AD}" type="datetimeFigureOut">
               <a:rPr lang="en-US" smtClean="0"/>
               <a:pPr/>
-              <a:t>10/29/2017</a:t>
+              <a:t>10/30/2017</a:t>
             </a:fld>
             <a:endParaRPr lang="en-US" dirty="0"/>
           </a:p>
@@ -3975,7 +3976,7 @@
             <a:fld id="{57302355-E14B-8545-A8F8-0FE83CC9D524}" type="datetimeFigureOut">
               <a:rPr lang="en-US" smtClean="0"/>
               <a:pPr/>
-              <a:t>10/29/2017</a:t>
+              <a:t>10/30/2017</a:t>
             </a:fld>
             <a:endParaRPr lang="en-US" dirty="0"/>
           </a:p>
@@ -4426,7 +4427,7 @@
             <a:fld id="{02640F58-564D-2B4F-AE67-E407BA4FCF45}" type="datetimeFigureOut">
               <a:rPr lang="en-US" smtClean="0"/>
               <a:pPr/>
-              <a:t>10/29/2017</a:t>
+              <a:t>10/30/2017</a:t>
             </a:fld>
             <a:endParaRPr lang="en-US" dirty="0"/>
           </a:p>
@@ -4551,7 +4552,7 @@
             <a:fld id="{F13A34C8-038E-2045-AF43-DF7DBB8E0E9E}" type="datetimeFigureOut">
               <a:rPr lang="en-US" smtClean="0"/>
               <a:pPr/>
-              <a:t>10/29/2017</a:t>
+              <a:t>10/30/2017</a:t>
             </a:fld>
             <a:endParaRPr lang="en-US" dirty="0"/>
           </a:p>
@@ -4648,7 +4649,7 @@
             <a:fld id="{8818C68F-D26B-8F47-958C-23B49CF8A634}" type="datetimeFigureOut">
               <a:rPr lang="en-US" smtClean="0"/>
               <a:pPr/>
-              <a:t>10/29/2017</a:t>
+              <a:t>10/30/2017</a:t>
             </a:fld>
             <a:endParaRPr lang="en-US" dirty="0"/>
           </a:p>
@@ -4929,7 +4930,7 @@
             <a:fld id="{D0DF5E60-9974-AC48-9591-99C2BB44B7CF}" type="datetimeFigureOut">
               <a:rPr lang="en-US" smtClean="0"/>
               <a:pPr/>
-              <a:t>10/29/2017</a:t>
+              <a:t>10/30/2017</a:t>
             </a:fld>
             <a:endParaRPr lang="en-US" dirty="0"/>
           </a:p>
@@ -5211,7 +5212,7 @@
             <a:fld id="{18C79C5D-2A6F-F04D-97DA-BEF2467B64E4}" type="datetimeFigureOut">
               <a:rPr lang="en-US" smtClean="0"/>
               <a:pPr/>
-              <a:t>10/29/2017</a:t>
+              <a:t>10/30/2017</a:t>
             </a:fld>
             <a:endParaRPr lang="en-US" dirty="0"/>
           </a:p>
@@ -5642,7 +5643,7 @@
             <a:fld id="{09B482E8-6E0E-1B4F-B1FD-C69DB9E858D9}" type="datetimeFigureOut">
               <a:rPr lang="en-US" smtClean="0"/>
               <a:pPr/>
-              <a:t>10/29/2017</a:t>
+              <a:t>10/30/2017</a:t>
             </a:fld>
             <a:endParaRPr lang="en-US" dirty="0"/>
           </a:p>
@@ -7921,12 +7922,50 @@
               <a:buChar char="Ø"/>
             </a:pPr>
             <a:r>
+              <a:rPr lang="en-US" sz="1400" dirty="0">
+                <a:hlinkClick r:id="rId2"/>
+              </a:rPr>
+              <a:t>https://</a:t>
+            </a:r>
+            <a:r>
+              <a:rPr lang="en-US" sz="1400" dirty="0" smtClean="0">
+                <a:hlinkClick r:id="rId2"/>
+              </a:rPr>
+              <a:t>github.com/OpenStackSanDiego/SecurityServiceChains/blob/master/Lab0.md</a:t>
+            </a:r>
+            <a:endParaRPr lang="en-US" sz="1400" dirty="0" smtClean="0"/>
+          </a:p>
+          <a:p>
+            <a:pPr marL="285750" indent="-285750">
+              <a:buFont typeface="Wingdings" panose="05000000000000000000" pitchFamily="2" charset="2"/>
+              <a:buChar char="Ø"/>
+            </a:pPr>
+            <a:r>
+              <a:rPr lang="en-US" sz="1400" dirty="0" err="1"/>
+              <a:t>wget</a:t>
+            </a:r>
+            <a:r>
               <a:rPr lang="en-US" sz="1400" dirty="0"/>
-              <a:t>https://</a:t>
+              <a:t> https://</a:t>
             </a:r>
             <a:r>
               <a:rPr lang="en-US" sz="1400" dirty="0" smtClean="0"/>
-              <a:t>github.com/OpenStackSanDiego/SecurityServiceChains/blob/master/Lab0.md</a:t>
+              <a:t>raw.githubusercontent.com/OpenStackSanDiego/SecurityServiceChains/master/Lab0-create.sh</a:t>
+            </a:r>
+            <a:endParaRPr lang="en-US" sz="1400" dirty="0" smtClean="0"/>
+          </a:p>
+          <a:p>
+            <a:pPr marL="285750" indent="-285750">
+              <a:buFont typeface="Wingdings" panose="05000000000000000000" pitchFamily="2" charset="2"/>
+              <a:buChar char="Ø"/>
+            </a:pPr>
+            <a:r>
+              <a:rPr lang="en-US" sz="1400" dirty="0" err="1"/>
+              <a:t>wget</a:t>
+            </a:r>
+            <a:r>
+              <a:rPr lang="en-US" sz="1400" dirty="0"/>
+              <a:t> https://raw.githubusercontent.com/OpenStackSanDiego/SecurityServiceChains/master/Lab0-delete.sh</a:t>
             </a:r>
             <a:endParaRPr lang="en-US" sz="1400" dirty="0"/>
           </a:p>
@@ -8653,8 +8692,13 @@
             <a:pPr lvl="1"/>
             <a:r>
               <a:rPr lang="en-US" sz="1200" dirty="0" smtClean="0"/>
-              <a:t>No external routing</a:t>
-            </a:r>
+              <a:t>No external </a:t>
+            </a:r>
+            <a:r>
+              <a:rPr lang="en-US" sz="1200" dirty="0" smtClean="0"/>
+              <a:t>routing</a:t>
+            </a:r>
+            <a:endParaRPr lang="en-US" sz="1200" dirty="0" smtClean="0"/>
           </a:p>
           <a:p>
             <a:pPr marL="0" indent="0">
@@ -24669,6 +24713,217 @@
           <a:lstStyle/>
           <a:p>
             <a:r>
+              <a:rPr lang="en-US" smtClean="0"/>
+              <a:t>Setting up your own lab</a:t>
+            </a:r>
+            <a:endParaRPr lang="en-US" dirty="0"/>
+          </a:p>
+        </p:txBody>
+      </p:sp>
+      <p:sp>
+        <p:nvSpPr>
+          <p:cNvPr id="3" name="Content Placeholder 2"/>
+          <p:cNvSpPr>
+            <a:spLocks noGrp="1"/>
+          </p:cNvSpPr>
+          <p:nvPr>
+            <p:ph idx="1"/>
+          </p:nvPr>
+        </p:nvSpPr>
+        <p:spPr>
+          <a:xfrm>
+            <a:off x="389614" y="2052918"/>
+            <a:ext cx="9660239" cy="4195481"/>
+          </a:xfrm>
+        </p:spPr>
+        <p:txBody>
+          <a:bodyPr>
+            <a:normAutofit/>
+          </a:bodyPr>
+          <a:lstStyle/>
+          <a:p>
+            <a:r>
+              <a:rPr lang="en-US" dirty="0" smtClean="0"/>
+              <a:t>Requirements:</a:t>
+            </a:r>
+          </a:p>
+          <a:p>
+            <a:pPr lvl="1"/>
+            <a:r>
+              <a:rPr lang="en-US" dirty="0" smtClean="0"/>
+              <a:t>Packet &amp; </a:t>
+            </a:r>
+            <a:r>
+              <a:rPr lang="en-US" dirty="0" err="1" smtClean="0"/>
+              <a:t>DNSimple</a:t>
+            </a:r>
+            <a:r>
+              <a:rPr lang="en-US" dirty="0" smtClean="0"/>
+              <a:t> Accounts</a:t>
+            </a:r>
+          </a:p>
+          <a:p>
+            <a:pPr lvl="1"/>
+            <a:r>
+              <a:rPr lang="en-US" dirty="0" smtClean="0"/>
+              <a:t>Software: </a:t>
+            </a:r>
+            <a:r>
+              <a:rPr lang="en-US" dirty="0" err="1" smtClean="0"/>
+              <a:t>git</a:t>
+            </a:r>
+            <a:r>
+              <a:rPr lang="en-US" dirty="0" smtClean="0"/>
+              <a:t>, terraform</a:t>
+            </a:r>
+          </a:p>
+          <a:p>
+            <a:r>
+              <a:rPr lang="en-US" dirty="0" smtClean="0"/>
+              <a:t>Steps</a:t>
+            </a:r>
+          </a:p>
+          <a:p>
+            <a:pPr lvl="1"/>
+            <a:r>
+              <a:rPr lang="en-US" dirty="0" err="1" smtClean="0"/>
+              <a:t>git</a:t>
+            </a:r>
+            <a:r>
+              <a:rPr lang="en-US" dirty="0" smtClean="0"/>
+              <a:t> </a:t>
+            </a:r>
+            <a:r>
+              <a:rPr lang="en-US" dirty="0"/>
+              <a:t>clone </a:t>
+            </a:r>
+            <a:r>
+              <a:rPr lang="en-US" dirty="0">
+                <a:hlinkClick r:id="rId2"/>
+              </a:rPr>
+              <a:t>https://</a:t>
+            </a:r>
+            <a:r>
+              <a:rPr lang="en-US" dirty="0" smtClean="0">
+                <a:hlinkClick r:id="rId2"/>
+              </a:rPr>
+              <a:t>github.com/OpenStackSanDiego/SecurityServiceChains</a:t>
+            </a:r>
+            <a:endParaRPr lang="en-US" dirty="0" smtClean="0"/>
+          </a:p>
+          <a:p>
+            <a:pPr lvl="1"/>
+            <a:r>
+              <a:rPr lang="en-US" dirty="0" err="1"/>
+              <a:t>s</a:t>
+            </a:r>
+            <a:r>
+              <a:rPr lang="en-US" dirty="0" err="1" smtClean="0"/>
+              <a:t>sh-keygen</a:t>
+            </a:r>
+            <a:r>
+              <a:rPr lang="en-US" dirty="0" smtClean="0"/>
+              <a:t> –f packet-key</a:t>
+            </a:r>
+          </a:p>
+          <a:p>
+            <a:pPr lvl="1"/>
+            <a:r>
+              <a:rPr lang="en-US" dirty="0" smtClean="0"/>
+              <a:t>Create Packet account/project with key</a:t>
+            </a:r>
+          </a:p>
+          <a:p>
+            <a:pPr lvl="1"/>
+            <a:r>
+              <a:rPr lang="en-US" dirty="0" smtClean="0"/>
+              <a:t>Setup </a:t>
+            </a:r>
+            <a:r>
+              <a:rPr lang="en-US" dirty="0"/>
+              <a:t>Packet &amp; DNS keys in </a:t>
+            </a:r>
+            <a:r>
+              <a:rPr lang="en-US" dirty="0" smtClean="0"/>
+              <a:t>vars.tf</a:t>
+            </a:r>
+          </a:p>
+          <a:p>
+            <a:pPr lvl="1"/>
+            <a:r>
+              <a:rPr lang="en-US" dirty="0"/>
+              <a:t>t</a:t>
+            </a:r>
+            <a:r>
+              <a:rPr lang="en-US" dirty="0" smtClean="0"/>
+              <a:t>erraform </a:t>
+            </a:r>
+            <a:r>
+              <a:rPr lang="en-US" dirty="0" err="1" smtClean="0"/>
+              <a:t>init</a:t>
+            </a:r>
+            <a:endParaRPr lang="en-US" dirty="0" smtClean="0"/>
+          </a:p>
+          <a:p>
+            <a:pPr lvl="1"/>
+            <a:r>
+              <a:rPr lang="en-US" dirty="0"/>
+              <a:t>t</a:t>
+            </a:r>
+            <a:r>
+              <a:rPr lang="en-US" dirty="0" smtClean="0"/>
+              <a:t>erraform apply</a:t>
+            </a:r>
+            <a:endParaRPr lang="en-US" dirty="0"/>
+          </a:p>
+        </p:txBody>
+      </p:sp>
+    </p:spTree>
+    <p:extLst>
+      <p:ext uri="{BB962C8B-B14F-4D97-AF65-F5344CB8AC3E}">
+        <p14:creationId xmlns:p14="http://schemas.microsoft.com/office/powerpoint/2010/main" val="138709859"/>
+      </p:ext>
+    </p:extLst>
+  </p:cSld>
+  <p:clrMapOvr>
+    <a:masterClrMapping/>
+  </p:clrMapOvr>
+</p:sld>
+</file>
+
+<file path=ppt/slides/slide25.xml><?xml version="1.0" encoding="utf-8"?>
+<p:sld xmlns:a="http://schemas.openxmlformats.org/drawingml/2006/main" xmlns:r="http://schemas.openxmlformats.org/officeDocument/2006/relationships" xmlns:p="http://schemas.openxmlformats.org/presentationml/2006/main">
+  <p:cSld>
+    <p:spTree>
+      <p:nvGrpSpPr>
+        <p:cNvPr id="1" name=""/>
+        <p:cNvGrpSpPr/>
+        <p:nvPr/>
+      </p:nvGrpSpPr>
+      <p:grpSpPr>
+        <a:xfrm>
+          <a:off x="0" y="0"/>
+          <a:ext cx="0" cy="0"/>
+          <a:chOff x="0" y="0"/>
+          <a:chExt cx="0" cy="0"/>
+        </a:xfrm>
+      </p:grpSpPr>
+      <p:sp>
+        <p:nvSpPr>
+          <p:cNvPr id="2" name="Title 1"/>
+          <p:cNvSpPr>
+            <a:spLocks noGrp="1"/>
+          </p:cNvSpPr>
+          <p:nvPr>
+            <p:ph type="title"/>
+          </p:nvPr>
+        </p:nvSpPr>
+        <p:spPr/>
+        <p:txBody>
+          <a:bodyPr/>
+          <a:lstStyle/>
+          <a:p>
+            <a:r>
               <a:rPr lang="en-US" dirty="0" smtClean="0"/>
               <a:t>Next steps…</a:t>
             </a:r>
@@ -24768,11 +25023,7 @@
             <a:pPr lvl="1"/>
             <a:r>
               <a:rPr lang="en-US" dirty="0" smtClean="0"/>
-              <a:t>Lighter weight </a:t>
-            </a:r>
-            <a:r>
-              <a:rPr lang="en-US" dirty="0" smtClean="0"/>
-              <a:t>security implementations</a:t>
+              <a:t>Lighter weight security implementations</a:t>
             </a:r>
           </a:p>
           <a:p>
@@ -24819,7 +25070,7 @@
 </p:sld>
 </file>
 
-<file path=ppt/slides/slide25.xml><?xml version="1.0" encoding="utf-8"?>
+<file path=ppt/slides/slide26.xml><?xml version="1.0" encoding="utf-8"?>
 <p:sld xmlns:a="http://schemas.openxmlformats.org/drawingml/2006/main" xmlns:r="http://schemas.openxmlformats.org/officeDocument/2006/relationships" xmlns:p="http://schemas.openxmlformats.org/presentationml/2006/main">
   <p:cSld>
     <p:spTree>
